--- a/PPT/02.자바스크립트 - 함수.pptx
+++ b/PPT/02.자바스크립트 - 함수.pptx
@@ -3348,7 +3348,7 @@
             <a:fld id="{C5EB0431-1611-1744-95F0-8172773087C5}" type="datetimeFigureOut">
               <a:rPr lang="en-US" altLang="ko-Kore-KR" smtClean="0"/>
               <a:pPr/>
-              <a:t>4/17/2025</a:t>
+              <a:t>4/21/2025</a:t>
             </a:fld>
             <a:endParaRPr lang="ko-Kore-KR"/>
           </a:p>
@@ -3764,7 +3764,7 @@
           <a:p>
             <a:fld id="{5FD0AF26-B2D6-41C9-847A-12B3D1677265}" type="datetime1">
               <a:rPr kumimoji="1" lang="ko-KR" altLang="en-US" smtClean="0"/>
-              <a:t>2025-04-17</a:t>
+              <a:t>2025-04-21</a:t>
             </a:fld>
             <a:endParaRPr kumimoji="1" lang="ko-KR" altLang="en-US"/>
           </a:p>
@@ -3962,7 +3962,7 @@
           <a:p>
             <a:fld id="{11A845FB-4EAB-4F93-BE87-891FAC391B0C}" type="datetime1">
               <a:rPr kumimoji="1" lang="ko-KR" altLang="en-US" smtClean="0"/>
-              <a:t>2025-04-17</a:t>
+              <a:t>2025-04-21</a:t>
             </a:fld>
             <a:endParaRPr kumimoji="1" lang="ko-KR" altLang="en-US"/>
           </a:p>
@@ -4170,7 +4170,7 @@
           <a:p>
             <a:fld id="{6597FBCF-59BC-423C-A27E-A4E0342EEDF5}" type="datetime1">
               <a:rPr kumimoji="1" lang="ko-KR" altLang="en-US" smtClean="0"/>
-              <a:t>2025-04-17</a:t>
+              <a:t>2025-04-21</a:t>
             </a:fld>
             <a:endParaRPr kumimoji="1" lang="ko-KR" altLang="en-US"/>
           </a:p>
@@ -4368,7 +4368,7 @@
           <a:p>
             <a:fld id="{59DE6E8A-4C0D-4CC6-BBD6-2F945A6B3540}" type="datetime1">
               <a:rPr kumimoji="1" lang="ko-KR" altLang="en-US" smtClean="0"/>
-              <a:t>2025-04-17</a:t>
+              <a:t>2025-04-21</a:t>
             </a:fld>
             <a:endParaRPr kumimoji="1" lang="ko-KR" altLang="en-US"/>
           </a:p>
@@ -4643,7 +4643,7 @@
           <a:p>
             <a:fld id="{BEBFBD75-CCBA-4C22-86CA-859D220600AA}" type="datetime1">
               <a:rPr kumimoji="1" lang="ko-KR" altLang="en-US" smtClean="0"/>
-              <a:t>2025-04-17</a:t>
+              <a:t>2025-04-21</a:t>
             </a:fld>
             <a:endParaRPr kumimoji="1" lang="ko-KR" altLang="en-US"/>
           </a:p>
@@ -4908,7 +4908,7 @@
           <a:p>
             <a:fld id="{DB031150-5CB0-41C0-9104-5695DD253F49}" type="datetime1">
               <a:rPr kumimoji="1" lang="ko-KR" altLang="en-US" smtClean="0"/>
-              <a:t>2025-04-17</a:t>
+              <a:t>2025-04-21</a:t>
             </a:fld>
             <a:endParaRPr kumimoji="1" lang="ko-KR" altLang="en-US"/>
           </a:p>
@@ -5320,7 +5320,7 @@
           <a:p>
             <a:fld id="{0B78CFAD-1435-498E-ACFE-38131B135631}" type="datetime1">
               <a:rPr kumimoji="1" lang="ko-KR" altLang="en-US" smtClean="0"/>
-              <a:t>2025-04-17</a:t>
+              <a:t>2025-04-21</a:t>
             </a:fld>
             <a:endParaRPr kumimoji="1" lang="ko-KR" altLang="en-US"/>
           </a:p>
@@ -5461,7 +5461,7 @@
           <a:p>
             <a:fld id="{BF2AA6DB-F13D-4C47-BC2B-E1D25CB476ED}" type="datetime1">
               <a:rPr kumimoji="1" lang="ko-KR" altLang="en-US" smtClean="0"/>
-              <a:t>2025-04-17</a:t>
+              <a:t>2025-04-21</a:t>
             </a:fld>
             <a:endParaRPr kumimoji="1" lang="ko-KR" altLang="en-US"/>
           </a:p>
@@ -5574,7 +5574,7 @@
           <a:p>
             <a:fld id="{14FBB438-2880-4761-94BA-7F7996C8C3BD}" type="datetime1">
               <a:rPr kumimoji="1" lang="ko-KR" altLang="en-US" smtClean="0"/>
-              <a:t>2025-04-17</a:t>
+              <a:t>2025-04-21</a:t>
             </a:fld>
             <a:endParaRPr kumimoji="1" lang="ko-KR" altLang="en-US"/>
           </a:p>
@@ -5885,7 +5885,7 @@
           <a:p>
             <a:fld id="{C4D9C33D-E09A-4F6E-A7FA-CF959C3E6DEE}" type="datetime1">
               <a:rPr kumimoji="1" lang="ko-KR" altLang="en-US" smtClean="0"/>
-              <a:t>2025-04-17</a:t>
+              <a:t>2025-04-21</a:t>
             </a:fld>
             <a:endParaRPr kumimoji="1" lang="ko-KR" altLang="en-US"/>
           </a:p>
@@ -6173,7 +6173,7 @@
           <a:p>
             <a:fld id="{DB10E3DE-CCA8-4CB9-BDA2-4741B0CD6641}" type="datetime1">
               <a:rPr kumimoji="1" lang="ko-KR" altLang="en-US" smtClean="0"/>
-              <a:t>2025-04-17</a:t>
+              <a:t>2025-04-21</a:t>
             </a:fld>
             <a:endParaRPr kumimoji="1" lang="ko-KR" altLang="en-US"/>
           </a:p>
@@ -6416,7 +6416,7 @@
           <a:p>
             <a:fld id="{827CA893-2A65-4E72-A022-7CB16F3818A4}" type="datetime1">
               <a:rPr kumimoji="1" lang="ko-KR" altLang="en-US" smtClean="0"/>
-              <a:t>2025-04-17</a:t>
+              <a:t>2025-04-21</a:t>
             </a:fld>
             <a:endParaRPr kumimoji="1" lang="ko-KR" altLang="en-US"/>
           </a:p>
@@ -7620,7 +7620,7 @@
                 <a:latin typeface="Noto Sans CJK KR Regular" panose="020B0500000000000000" pitchFamily="34" charset="-127"/>
                 <a:ea typeface="Noto Sans CJK KR Regular" panose="020B0500000000000000" pitchFamily="34" charset="-127"/>
               </a:rPr>
-              <a:t> 초기화 변수 선언 전에 변수에 접근할 수 없는 일시적인 영역으로</a:t>
+              <a:t> 변수를 초기화 하기 이전에 변수에 접근할 수 없는 일시적인 영역으로</a:t>
             </a:r>
             <a:r>
               <a:rPr lang="en-US" altLang="ko-KR">
@@ -7974,7 +7974,7 @@
                 <a:latin typeface="Noto Sans CJK KR Regular" panose="020B0500000000000000" pitchFamily="34" charset="-127"/>
                 <a:ea typeface="Noto Sans CJK KR Regular" panose="020B0500000000000000" pitchFamily="34" charset="-127"/>
               </a:rPr>
-              <a:t>ex02-11.js, 12</a:t>
+              <a:t>ex02-12.js</a:t>
             </a:r>
             <a:endParaRPr lang="ko-KR" altLang="en-US" dirty="0">
               <a:solidFill>
@@ -8280,7 +8280,7 @@
         <p:spPr>
           <a:xfrm>
             <a:off x="7331170" y="3816428"/>
-            <a:ext cx="0" cy="396260"/>
+            <a:ext cx="0" cy="323772"/>
           </a:xfrm>
           <a:prstGeom prst="straightConnector1">
             <a:avLst/>
@@ -8320,8 +8320,8 @@
         </p:nvCxnSpPr>
         <p:spPr>
           <a:xfrm>
-            <a:off x="6543620" y="4404320"/>
-            <a:ext cx="0" cy="1315036"/>
+            <a:off x="7332134" y="4491429"/>
+            <a:ext cx="15820" cy="988152"/>
           </a:xfrm>
           <a:prstGeom prst="straightConnector1">
             <a:avLst/>
@@ -8359,8 +8359,8 @@
         </p:nvSpPr>
         <p:spPr>
           <a:xfrm>
-            <a:off x="6200061" y="3695583"/>
-            <a:ext cx="1107996" cy="646331"/>
+            <a:off x="5638801" y="3797185"/>
+            <a:ext cx="1703123" cy="369332"/>
           </a:xfrm>
           <a:prstGeom prst="rect">
             <a:avLst/>
@@ -8368,22 +8368,14 @@
           <a:noFill/>
         </p:spPr>
         <p:txBody>
-          <a:bodyPr wrap="none" rtlCol="0">
+          <a:bodyPr wrap="square" rtlCol="0">
             <a:spAutoFit/>
           </a:bodyPr>
           <a:lstStyle/>
           <a:p>
             <a:r>
               <a:rPr lang="ko-KR" altLang="en-US"/>
-              <a:t>호이스팅</a:t>
-            </a:r>
-            <a:endParaRPr lang="en-US" altLang="ko-KR"/>
-          </a:p>
-          <a:p>
-            <a:pPr algn="ctr"/>
-            <a:r>
-              <a:rPr lang="ko-KR" altLang="en-US"/>
-              <a:t>단계</a:t>
+              <a:t>호이스팅 단계</a:t>
             </a:r>
           </a:p>
         </p:txBody>
@@ -8402,8 +8394,8 @@
         </p:nvSpPr>
         <p:spPr>
           <a:xfrm>
-            <a:off x="5412511" y="4738672"/>
-            <a:ext cx="1107996" cy="646331"/>
+            <a:off x="5664589" y="4484208"/>
+            <a:ext cx="1756523" cy="369332"/>
           </a:xfrm>
           <a:prstGeom prst="rect">
             <a:avLst/>
@@ -8418,15 +8410,7 @@
           <a:p>
             <a:r>
               <a:rPr lang="ko-KR" altLang="en-US"/>
-              <a:t>코드실행</a:t>
-            </a:r>
-            <a:endParaRPr lang="en-US" altLang="ko-KR"/>
-          </a:p>
-          <a:p>
-            <a:pPr algn="ctr"/>
-            <a:r>
-              <a:rPr lang="ko-KR" altLang="en-US"/>
-              <a:t>단계</a:t>
+              <a:t>코드실행 단계</a:t>
             </a:r>
           </a:p>
         </p:txBody>
@@ -8480,9 +8464,9 @@
           <p:nvPr/>
         </p:nvCxnSpPr>
         <p:spPr>
-          <a:xfrm>
-            <a:off x="7322688" y="4398663"/>
-            <a:ext cx="0" cy="396260"/>
+          <a:xfrm flipH="1">
+            <a:off x="7332134" y="4165595"/>
+            <a:ext cx="1" cy="313269"/>
           </a:xfrm>
           <a:prstGeom prst="straightConnector1">
             <a:avLst/>
@@ -8520,8 +8504,8 @@
         </p:nvSpPr>
         <p:spPr>
           <a:xfrm>
-            <a:off x="6706981" y="4369340"/>
-            <a:ext cx="601896" cy="369332"/>
+            <a:off x="6628739" y="4115715"/>
+            <a:ext cx="626967" cy="369332"/>
           </a:xfrm>
           <a:prstGeom prst="rect">
             <a:avLst/>
@@ -8535,7 +8519,11 @@
           <a:lstStyle/>
           <a:p>
             <a:r>
-              <a:rPr lang="en-US" altLang="ko-KR"/>
+              <a:rPr lang="en-US" altLang="ko-KR" b="1">
+                <a:solidFill>
+                  <a:srgbClr val="FF0000"/>
+                </a:solidFill>
+              </a:rPr>
               <a:t>TDZ</a:t>
             </a:r>
           </a:p>
@@ -10990,6 +10978,91 @@
           </a:prstGeom>
         </p:spPr>
       </p:pic>
+      <p:pic>
+        <p:nvPicPr>
+          <p:cNvPr id="8" name="그림 7" descr="코딩아이콘.png">
+            <a:extLst>
+              <a:ext uri="{FF2B5EF4-FFF2-40B4-BE49-F238E27FC236}">
+                <a16:creationId xmlns:a16="http://schemas.microsoft.com/office/drawing/2014/main" id="{C6E6BD5B-1431-45C0-8750-546CA2873A13}"/>
+              </a:ext>
+            </a:extLst>
+          </p:cNvPr>
+          <p:cNvPicPr>
+            <a:picLocks noChangeAspect="1"/>
+          </p:cNvPicPr>
+          <p:nvPr/>
+        </p:nvPicPr>
+        <p:blipFill>
+          <a:blip r:embed="rId4" cstate="print"/>
+          <a:stretch>
+            <a:fillRect/>
+          </a:stretch>
+        </p:blipFill>
+        <p:spPr>
+          <a:xfrm flipH="1">
+            <a:off x="11062105" y="692696"/>
+            <a:ext cx="504056" cy="440660"/>
+          </a:xfrm>
+          <a:prstGeom prst="rect">
+            <a:avLst/>
+          </a:prstGeom>
+        </p:spPr>
+      </p:pic>
+      <p:sp>
+        <p:nvSpPr>
+          <p:cNvPr id="9" name="TextBox 8">
+            <a:extLst>
+              <a:ext uri="{FF2B5EF4-FFF2-40B4-BE49-F238E27FC236}">
+                <a16:creationId xmlns:a16="http://schemas.microsoft.com/office/drawing/2014/main" id="{C1B0F1DB-C100-46FF-8020-A8C5F6F01DA6}"/>
+              </a:ext>
+            </a:extLst>
+          </p:cNvPr>
+          <p:cNvSpPr txBox="1"/>
+          <p:nvPr/>
+        </p:nvSpPr>
+        <p:spPr>
+          <a:xfrm>
+            <a:off x="7101665" y="764704"/>
+            <a:ext cx="3945035" cy="369332"/>
+          </a:xfrm>
+          <a:prstGeom prst="rect">
+            <a:avLst/>
+          </a:prstGeom>
+          <a:noFill/>
+        </p:spPr>
+        <p:txBody>
+          <a:bodyPr wrap="square" rtlCol="0">
+            <a:spAutoFit/>
+          </a:bodyPr>
+          <a:lstStyle/>
+          <a:p>
+            <a:pPr algn="r"/>
+            <a:r>
+              <a:rPr lang="en-US" altLang="ko-KR">
+                <a:solidFill>
+                  <a:schemeClr val="tx1">
+                    <a:lumMod val="65000"/>
+                    <a:lumOff val="35000"/>
+                  </a:schemeClr>
+                </a:solidFill>
+                <a:latin typeface="Noto Sans CJK KR Regular" panose="020B0500000000000000" pitchFamily="34" charset="-127"/>
+                <a:ea typeface="Noto Sans CJK KR Regular" panose="020B0500000000000000" pitchFamily="34" charset="-127"/>
+              </a:rPr>
+              <a:t>ex02-14.js</a:t>
+            </a:r>
+            <a:endParaRPr lang="ko-KR" altLang="en-US" dirty="0">
+              <a:solidFill>
+                <a:schemeClr val="tx1">
+                  <a:lumMod val="65000"/>
+                  <a:lumOff val="35000"/>
+                </a:schemeClr>
+              </a:solidFill>
+              <a:latin typeface="Noto Sans CJK KR Regular" panose="020B0500000000000000" pitchFamily="34" charset="-127"/>
+              <a:ea typeface="Noto Sans CJK KR Regular" panose="020B0500000000000000" pitchFamily="34" charset="-127"/>
+            </a:endParaRPr>
+          </a:p>
+        </p:txBody>
+      </p:sp>
     </p:spTree>
     <p:extLst>
       <p:ext uri="{BB962C8B-B14F-4D97-AF65-F5344CB8AC3E}">
@@ -11503,6 +11576,66 @@
                 <a:effectLst/>
                 <a:latin typeface="Consolas" panose="020B0609020204030204" pitchFamily="49" charset="0"/>
               </a:rPr>
+              <a:t>const</a:t>
+            </a:r>
+            <a:r>
+              <a:rPr lang="en-US" altLang="ko-KR" b="0">
+                <a:solidFill>
+                  <a:srgbClr val="3B3B3B"/>
+                </a:solidFill>
+                <a:effectLst/>
+                <a:latin typeface="Consolas" panose="020B0609020204030204" pitchFamily="49" charset="0"/>
+              </a:rPr>
+              <a:t> </a:t>
+            </a:r>
+            <a:r>
+              <a:rPr lang="en-US" altLang="ko-KR" b="0">
+                <a:solidFill>
+                  <a:srgbClr val="795E26"/>
+                </a:solidFill>
+                <a:effectLst/>
+                <a:latin typeface="Consolas" panose="020B0609020204030204" pitchFamily="49" charset="0"/>
+              </a:rPr>
+              <a:t>getPingName</a:t>
+            </a:r>
+            <a:r>
+              <a:rPr lang="en-US" altLang="ko-KR" b="0">
+                <a:solidFill>
+                  <a:srgbClr val="3B3B3B"/>
+                </a:solidFill>
+                <a:effectLst/>
+                <a:latin typeface="Consolas" panose="020B0609020204030204" pitchFamily="49" charset="0"/>
+              </a:rPr>
+              <a:t> </a:t>
+            </a:r>
+            <a:r>
+              <a:rPr lang="en-US" altLang="ko-KR" b="0">
+                <a:solidFill>
+                  <a:srgbClr val="000000"/>
+                </a:solidFill>
+                <a:effectLst/>
+                <a:latin typeface="Consolas" panose="020B0609020204030204" pitchFamily="49" charset="0"/>
+              </a:rPr>
+              <a:t>=</a:t>
+            </a:r>
+            <a:r>
+              <a:rPr lang="en-US" altLang="ko-KR" b="0">
+                <a:solidFill>
+                  <a:srgbClr val="3B3B3B"/>
+                </a:solidFill>
+                <a:effectLst/>
+                <a:latin typeface="Consolas" panose="020B0609020204030204" pitchFamily="49" charset="0"/>
+              </a:rPr>
+              <a:t> </a:t>
+            </a:r>
+            <a:r>
+              <a:rPr lang="en-US" altLang="ko-KR" b="0">
+                <a:solidFill>
+                  <a:srgbClr val="0000FF"/>
+                </a:solidFill>
+                <a:effectLst/>
+                <a:latin typeface="Consolas" panose="020B0609020204030204" pitchFamily="49" charset="0"/>
+              </a:rPr>
               <a:t>function</a:t>
             </a:r>
             <a:r>
@@ -11513,17 +11646,345 @@
                 <a:effectLst/>
                 <a:latin typeface="Consolas" panose="020B0609020204030204" pitchFamily="49" charset="0"/>
               </a:rPr>
+              <a:t>() {</a:t>
+            </a:r>
+          </a:p>
+          <a:p>
+            <a:r>
+              <a:rPr lang="en-US" altLang="ko-KR" b="0">
+                <a:solidFill>
+                  <a:srgbClr val="3B3B3B"/>
+                </a:solidFill>
+                <a:effectLst/>
+                <a:latin typeface="Consolas" panose="020B0609020204030204" pitchFamily="49" charset="0"/>
+              </a:rPr>
+              <a:t>  </a:t>
+            </a:r>
+            <a:r>
+              <a:rPr lang="en-US" altLang="ko-KR" b="0">
+                <a:solidFill>
+                  <a:srgbClr val="001080"/>
+                </a:solidFill>
+                <a:effectLst/>
+                <a:latin typeface="Consolas" panose="020B0609020204030204" pitchFamily="49" charset="0"/>
+              </a:rPr>
+              <a:t>console</a:t>
+            </a:r>
+            <a:r>
+              <a:rPr lang="en-US" altLang="ko-KR" b="0">
+                <a:solidFill>
+                  <a:srgbClr val="3B3B3B"/>
+                </a:solidFill>
+                <a:effectLst/>
+                <a:latin typeface="Consolas" panose="020B0609020204030204" pitchFamily="49" charset="0"/>
+              </a:rPr>
+              <a:t>.</a:t>
+            </a:r>
+            <a:r>
+              <a:rPr lang="en-US" altLang="ko-KR" b="0">
+                <a:solidFill>
+                  <a:srgbClr val="795E26"/>
+                </a:solidFill>
+                <a:effectLst/>
+                <a:latin typeface="Consolas" panose="020B0609020204030204" pitchFamily="49" charset="0"/>
+              </a:rPr>
+              <a:t>log</a:t>
+            </a:r>
+            <a:r>
+              <a:rPr lang="en-US" altLang="ko-KR" b="0">
+                <a:solidFill>
+                  <a:srgbClr val="3B3B3B"/>
+                </a:solidFill>
+                <a:effectLst/>
+                <a:latin typeface="Consolas" panose="020B0609020204030204" pitchFamily="49" charset="0"/>
+              </a:rPr>
+              <a:t>(</a:t>
+            </a:r>
+            <a:r>
+              <a:rPr lang="en-US" altLang="ko-KR" b="0">
+                <a:solidFill>
+                  <a:srgbClr val="0000FF"/>
+                </a:solidFill>
+                <a:effectLst/>
+                <a:latin typeface="Consolas" panose="020B0609020204030204" pitchFamily="49" charset="0"/>
+              </a:rPr>
+              <a:t>this</a:t>
+            </a:r>
+            <a:r>
+              <a:rPr lang="en-US" altLang="ko-KR" b="0">
+                <a:solidFill>
+                  <a:srgbClr val="3B3B3B"/>
+                </a:solidFill>
+                <a:effectLst/>
+                <a:latin typeface="Consolas" panose="020B0609020204030204" pitchFamily="49" charset="0"/>
+              </a:rPr>
+              <a:t>);</a:t>
+            </a:r>
+          </a:p>
+          <a:p>
+            <a:r>
+              <a:rPr lang="en-US" altLang="ko-KR" b="0">
+                <a:solidFill>
+                  <a:srgbClr val="3B3B3B"/>
+                </a:solidFill>
+                <a:effectLst/>
+                <a:latin typeface="Consolas" panose="020B0609020204030204" pitchFamily="49" charset="0"/>
+              </a:rPr>
+              <a:t>  </a:t>
+            </a:r>
+            <a:r>
+              <a:rPr lang="en-US" altLang="ko-KR" b="0">
+                <a:solidFill>
+                  <a:srgbClr val="AF00DB"/>
+                </a:solidFill>
+                <a:effectLst/>
+                <a:latin typeface="Consolas" panose="020B0609020204030204" pitchFamily="49" charset="0"/>
+              </a:rPr>
+              <a:t>return</a:t>
+            </a:r>
+            <a:r>
+              <a:rPr lang="en-US" altLang="ko-KR" b="0">
+                <a:solidFill>
+                  <a:srgbClr val="3B3B3B"/>
+                </a:solidFill>
+                <a:effectLst/>
+                <a:latin typeface="Consolas" panose="020B0609020204030204" pitchFamily="49" charset="0"/>
+              </a:rPr>
               <a:t> </a:t>
             </a:r>
             <a:r>
               <a:rPr lang="en-US" altLang="ko-KR" b="0">
                 <a:solidFill>
+                  <a:srgbClr val="0000FF"/>
+                </a:solidFill>
+                <a:effectLst/>
+                <a:latin typeface="Consolas" panose="020B0609020204030204" pitchFamily="49" charset="0"/>
+              </a:rPr>
+              <a:t>this</a:t>
+            </a:r>
+            <a:r>
+              <a:rPr lang="en-US" altLang="ko-KR" b="0">
+                <a:solidFill>
+                  <a:srgbClr val="3B3B3B"/>
+                </a:solidFill>
+                <a:effectLst/>
+                <a:latin typeface="Consolas" panose="020B0609020204030204" pitchFamily="49" charset="0"/>
+              </a:rPr>
+              <a:t>.</a:t>
+            </a:r>
+            <a:r>
+              <a:rPr lang="en-US" altLang="ko-KR" b="0">
+                <a:solidFill>
+                  <a:srgbClr val="001080"/>
+                </a:solidFill>
+                <a:effectLst/>
+                <a:latin typeface="Consolas" panose="020B0609020204030204" pitchFamily="49" charset="0"/>
+              </a:rPr>
+              <a:t>name</a:t>
+            </a:r>
+            <a:r>
+              <a:rPr lang="en-US" altLang="ko-KR" b="0">
+                <a:solidFill>
+                  <a:srgbClr val="3B3B3B"/>
+                </a:solidFill>
+                <a:effectLst/>
+                <a:latin typeface="Consolas" panose="020B0609020204030204" pitchFamily="49" charset="0"/>
+              </a:rPr>
+              <a:t>;</a:t>
+            </a:r>
+          </a:p>
+          <a:p>
+            <a:r>
+              <a:rPr lang="en-US" altLang="ko-KR" b="0">
+                <a:solidFill>
+                  <a:srgbClr val="3B3B3B"/>
+                </a:solidFill>
+                <a:effectLst/>
+                <a:latin typeface="Consolas" panose="020B0609020204030204" pitchFamily="49" charset="0"/>
+              </a:rPr>
+              <a:t>};</a:t>
+            </a:r>
+          </a:p>
+          <a:p>
+            <a:r>
+              <a:rPr lang="en-US" altLang="ko-KR" b="0">
+                <a:solidFill>
+                  <a:srgbClr val="0000FF"/>
+                </a:solidFill>
+                <a:effectLst/>
+                <a:latin typeface="Consolas" panose="020B0609020204030204" pitchFamily="49" charset="0"/>
+              </a:rPr>
+              <a:t>const</a:t>
+            </a:r>
+            <a:r>
+              <a:rPr lang="en-US" altLang="ko-KR" b="0">
+                <a:solidFill>
+                  <a:srgbClr val="3B3B3B"/>
+                </a:solidFill>
+                <a:effectLst/>
+                <a:latin typeface="Consolas" panose="020B0609020204030204" pitchFamily="49" charset="0"/>
+              </a:rPr>
+              <a:t> </a:t>
+            </a:r>
+            <a:r>
+              <a:rPr lang="en-US" altLang="ko-KR" b="0">
+                <a:solidFill>
+                  <a:srgbClr val="0070C1"/>
+                </a:solidFill>
+                <a:effectLst/>
+                <a:latin typeface="Consolas" panose="020B0609020204030204" pitchFamily="49" charset="0"/>
+              </a:rPr>
+              <a:t>ping1</a:t>
+            </a:r>
+            <a:r>
+              <a:rPr lang="en-US" altLang="ko-KR" b="0">
+                <a:solidFill>
+                  <a:srgbClr val="3B3B3B"/>
+                </a:solidFill>
+                <a:effectLst/>
+                <a:latin typeface="Consolas" panose="020B0609020204030204" pitchFamily="49" charset="0"/>
+              </a:rPr>
+              <a:t> </a:t>
+            </a:r>
+            <a:r>
+              <a:rPr lang="en-US" altLang="ko-KR" b="0">
+                <a:solidFill>
+                  <a:srgbClr val="000000"/>
+                </a:solidFill>
+                <a:effectLst/>
+                <a:latin typeface="Consolas" panose="020B0609020204030204" pitchFamily="49" charset="0"/>
+              </a:rPr>
+              <a:t>=</a:t>
+            </a:r>
+            <a:r>
+              <a:rPr lang="en-US" altLang="ko-KR" b="0">
+                <a:solidFill>
+                  <a:srgbClr val="3B3B3B"/>
+                </a:solidFill>
+                <a:effectLst/>
+                <a:latin typeface="Consolas" panose="020B0609020204030204" pitchFamily="49" charset="0"/>
+              </a:rPr>
+              <a:t> { </a:t>
+            </a:r>
+            <a:r>
+              <a:rPr lang="en-US" altLang="ko-KR" b="0">
+                <a:solidFill>
+                  <a:srgbClr val="001080"/>
+                </a:solidFill>
+                <a:effectLst/>
+                <a:latin typeface="Consolas" panose="020B0609020204030204" pitchFamily="49" charset="0"/>
+              </a:rPr>
+              <a:t>name:</a:t>
+            </a:r>
+            <a:r>
+              <a:rPr lang="en-US" altLang="ko-KR" b="0">
+                <a:solidFill>
+                  <a:srgbClr val="3B3B3B"/>
+                </a:solidFill>
+                <a:effectLst/>
+                <a:latin typeface="Consolas" panose="020B0609020204030204" pitchFamily="49" charset="0"/>
+              </a:rPr>
+              <a:t> </a:t>
+            </a:r>
+            <a:r>
+              <a:rPr lang="en-US" altLang="ko-KR" b="0">
+                <a:solidFill>
+                  <a:srgbClr val="A31515"/>
+                </a:solidFill>
+                <a:effectLst/>
+                <a:latin typeface="Consolas" panose="020B0609020204030204" pitchFamily="49" charset="0"/>
+              </a:rPr>
+              <a:t>'</a:t>
+            </a:r>
+            <a:r>
+              <a:rPr lang="ko-KR" altLang="en-US" b="0">
+                <a:solidFill>
+                  <a:srgbClr val="A31515"/>
+                </a:solidFill>
+                <a:effectLst/>
+                <a:latin typeface="Consolas" panose="020B0609020204030204" pitchFamily="49" charset="0"/>
+              </a:rPr>
+              <a:t>바로핑</a:t>
+            </a:r>
+            <a:r>
+              <a:rPr lang="en-US" altLang="ko-KR" b="0">
+                <a:solidFill>
+                  <a:srgbClr val="A31515"/>
+                </a:solidFill>
+                <a:effectLst/>
+                <a:latin typeface="Consolas" panose="020B0609020204030204" pitchFamily="49" charset="0"/>
+              </a:rPr>
+              <a:t>'</a:t>
+            </a:r>
+            <a:r>
+              <a:rPr lang="en-US" altLang="ko-KR" b="0">
+                <a:solidFill>
+                  <a:srgbClr val="3B3B3B"/>
+                </a:solidFill>
+                <a:effectLst/>
+                <a:latin typeface="Consolas" panose="020B0609020204030204" pitchFamily="49" charset="0"/>
+              </a:rPr>
+              <a:t>, </a:t>
+            </a:r>
+            <a:r>
+              <a:rPr lang="en-US" altLang="ko-KR" b="0">
+                <a:solidFill>
+                  <a:srgbClr val="001080"/>
+                </a:solidFill>
+                <a:effectLst/>
+                <a:latin typeface="Consolas" panose="020B0609020204030204" pitchFamily="49" charset="0"/>
+              </a:rPr>
+              <a:t>age:</a:t>
+            </a:r>
+            <a:r>
+              <a:rPr lang="en-US" altLang="ko-KR" b="0">
+                <a:solidFill>
+                  <a:srgbClr val="3B3B3B"/>
+                </a:solidFill>
+                <a:effectLst/>
+                <a:latin typeface="Consolas" panose="020B0609020204030204" pitchFamily="49" charset="0"/>
+              </a:rPr>
+              <a:t> </a:t>
+            </a:r>
+            <a:r>
+              <a:rPr lang="en-US" altLang="ko-KR" b="0">
+                <a:solidFill>
+                  <a:srgbClr val="098658"/>
+                </a:solidFill>
+                <a:effectLst/>
+                <a:latin typeface="Consolas" panose="020B0609020204030204" pitchFamily="49" charset="0"/>
+              </a:rPr>
+              <a:t>11</a:t>
+            </a:r>
+            <a:r>
+              <a:rPr lang="en-US" altLang="ko-KR" b="0">
+                <a:solidFill>
+                  <a:srgbClr val="3B3B3B"/>
+                </a:solidFill>
+                <a:effectLst/>
+                <a:latin typeface="Consolas" panose="020B0609020204030204" pitchFamily="49" charset="0"/>
+              </a:rPr>
+              <a:t>, </a:t>
+            </a:r>
+            <a:r>
+              <a:rPr lang="en-US" altLang="ko-KR" b="0">
+                <a:solidFill>
                   <a:srgbClr val="795E26"/>
                 </a:solidFill>
                 <a:effectLst/>
                 <a:latin typeface="Consolas" panose="020B0609020204030204" pitchFamily="49" charset="0"/>
               </a:rPr>
-              <a:t>getPingInfo</a:t>
+              <a:t>getName</a:t>
+            </a:r>
+            <a:r>
+              <a:rPr lang="en-US" altLang="ko-KR" b="0">
+                <a:solidFill>
+                  <a:srgbClr val="001080"/>
+                </a:solidFill>
+                <a:effectLst/>
+                <a:latin typeface="Consolas" panose="020B0609020204030204" pitchFamily="49" charset="0"/>
+              </a:rPr>
+              <a:t>:</a:t>
             </a:r>
             <a:r>
               <a:rPr lang="en-US" altLang="ko-KR" b="0">
@@ -11533,10 +11994,18 @@
                 <a:effectLst/>
                 <a:latin typeface="Consolas" panose="020B0609020204030204" pitchFamily="49" charset="0"/>
               </a:rPr>
-              <a:t>(){</a:t>
-            </a:r>
-          </a:p>
-          <a:p>
+              <a:t> </a:t>
+            </a:r>
+            <a:r>
+              <a:rPr lang="en-US" altLang="ko-KR" b="0">
+                <a:solidFill>
+                  <a:srgbClr val="795E26"/>
+                </a:solidFill>
+                <a:effectLst/>
+                <a:latin typeface="Consolas" panose="020B0609020204030204" pitchFamily="49" charset="0"/>
+              </a:rPr>
+              <a:t>getPingName</a:t>
+            </a:r>
             <a:r>
               <a:rPr lang="en-US" altLang="ko-KR" b="0">
                 <a:solidFill>
@@ -11545,7 +12014,69 @@
                 <a:effectLst/>
                 <a:latin typeface="Consolas" panose="020B0609020204030204" pitchFamily="49" charset="0"/>
               </a:rPr>
-              <a:t>  </a:t>
+              <a:t> };</a:t>
+            </a:r>
+          </a:p>
+          <a:p>
+            <a:r>
+              <a:rPr lang="en-US" altLang="ko-KR" b="0">
+                <a:solidFill>
+                  <a:srgbClr val="0000FF"/>
+                </a:solidFill>
+                <a:effectLst/>
+                <a:latin typeface="Consolas" panose="020B0609020204030204" pitchFamily="49" charset="0"/>
+              </a:rPr>
+              <a:t>const</a:t>
+            </a:r>
+            <a:r>
+              <a:rPr lang="en-US" altLang="ko-KR" b="0">
+                <a:solidFill>
+                  <a:srgbClr val="3B3B3B"/>
+                </a:solidFill>
+                <a:effectLst/>
+                <a:latin typeface="Consolas" panose="020B0609020204030204" pitchFamily="49" charset="0"/>
+              </a:rPr>
+              <a:t> </a:t>
+            </a:r>
+            <a:r>
+              <a:rPr lang="en-US" altLang="ko-KR" b="0">
+                <a:solidFill>
+                  <a:srgbClr val="0070C1"/>
+                </a:solidFill>
+                <a:effectLst/>
+                <a:latin typeface="Consolas" panose="020B0609020204030204" pitchFamily="49" charset="0"/>
+              </a:rPr>
+              <a:t>ping2</a:t>
+            </a:r>
+            <a:r>
+              <a:rPr lang="en-US" altLang="ko-KR" b="0">
+                <a:solidFill>
+                  <a:srgbClr val="3B3B3B"/>
+                </a:solidFill>
+                <a:effectLst/>
+                <a:latin typeface="Consolas" panose="020B0609020204030204" pitchFamily="49" charset="0"/>
+              </a:rPr>
+              <a:t> </a:t>
+            </a:r>
+            <a:r>
+              <a:rPr lang="en-US" altLang="ko-KR" b="0">
+                <a:solidFill>
+                  <a:srgbClr val="000000"/>
+                </a:solidFill>
+                <a:effectLst/>
+                <a:latin typeface="Consolas" panose="020B0609020204030204" pitchFamily="49" charset="0"/>
+              </a:rPr>
+              <a:t>=</a:t>
+            </a:r>
+            <a:r>
+              <a:rPr lang="en-US" altLang="ko-KR" b="0">
+                <a:solidFill>
+                  <a:srgbClr val="3B3B3B"/>
+                </a:solidFill>
+                <a:effectLst/>
+                <a:latin typeface="Consolas" panose="020B0609020204030204" pitchFamily="49" charset="0"/>
+              </a:rPr>
+              <a:t> { </a:t>
             </a:r>
             <a:r>
               <a:rPr lang="en-US" altLang="ko-KR" b="0">
@@ -11555,6 +12086,167 @@
                 <a:effectLst/>
                 <a:latin typeface="Consolas" panose="020B0609020204030204" pitchFamily="49" charset="0"/>
               </a:rPr>
+              <a:t>name:</a:t>
+            </a:r>
+            <a:r>
+              <a:rPr lang="en-US" altLang="ko-KR" b="0">
+                <a:solidFill>
+                  <a:srgbClr val="3B3B3B"/>
+                </a:solidFill>
+                <a:effectLst/>
+                <a:latin typeface="Consolas" panose="020B0609020204030204" pitchFamily="49" charset="0"/>
+              </a:rPr>
+              <a:t> </a:t>
+            </a:r>
+            <a:r>
+              <a:rPr lang="en-US" altLang="ko-KR" b="0">
+                <a:solidFill>
+                  <a:srgbClr val="A31515"/>
+                </a:solidFill>
+                <a:effectLst/>
+                <a:latin typeface="Consolas" panose="020B0609020204030204" pitchFamily="49" charset="0"/>
+              </a:rPr>
+              <a:t>'</a:t>
+            </a:r>
+            <a:r>
+              <a:rPr lang="ko-KR" altLang="en-US" b="0">
+                <a:solidFill>
+                  <a:srgbClr val="A31515"/>
+                </a:solidFill>
+                <a:effectLst/>
+                <a:latin typeface="Consolas" panose="020B0609020204030204" pitchFamily="49" charset="0"/>
+              </a:rPr>
+              <a:t>라라핑</a:t>
+            </a:r>
+            <a:r>
+              <a:rPr lang="en-US" altLang="ko-KR" b="0">
+                <a:solidFill>
+                  <a:srgbClr val="A31515"/>
+                </a:solidFill>
+                <a:effectLst/>
+                <a:latin typeface="Consolas" panose="020B0609020204030204" pitchFamily="49" charset="0"/>
+              </a:rPr>
+              <a:t>'</a:t>
+            </a:r>
+            <a:r>
+              <a:rPr lang="en-US" altLang="ko-KR" b="0">
+                <a:solidFill>
+                  <a:srgbClr val="3B3B3B"/>
+                </a:solidFill>
+                <a:effectLst/>
+                <a:latin typeface="Consolas" panose="020B0609020204030204" pitchFamily="49" charset="0"/>
+              </a:rPr>
+              <a:t>, </a:t>
+            </a:r>
+            <a:r>
+              <a:rPr lang="en-US" altLang="ko-KR" b="0">
+                <a:solidFill>
+                  <a:srgbClr val="001080"/>
+                </a:solidFill>
+                <a:effectLst/>
+                <a:latin typeface="Consolas" panose="020B0609020204030204" pitchFamily="49" charset="0"/>
+              </a:rPr>
+              <a:t>age:</a:t>
+            </a:r>
+            <a:r>
+              <a:rPr lang="en-US" altLang="ko-KR" b="0">
+                <a:solidFill>
+                  <a:srgbClr val="3B3B3B"/>
+                </a:solidFill>
+                <a:effectLst/>
+                <a:latin typeface="Consolas" panose="020B0609020204030204" pitchFamily="49" charset="0"/>
+              </a:rPr>
+              <a:t> </a:t>
+            </a:r>
+            <a:r>
+              <a:rPr lang="en-US" altLang="ko-KR" b="0">
+                <a:solidFill>
+                  <a:srgbClr val="098658"/>
+                </a:solidFill>
+                <a:effectLst/>
+                <a:latin typeface="Consolas" panose="020B0609020204030204" pitchFamily="49" charset="0"/>
+              </a:rPr>
+              <a:t>9</a:t>
+            </a:r>
+            <a:r>
+              <a:rPr lang="en-US" altLang="ko-KR" b="0">
+                <a:solidFill>
+                  <a:srgbClr val="3B3B3B"/>
+                </a:solidFill>
+                <a:effectLst/>
+                <a:latin typeface="Consolas" panose="020B0609020204030204" pitchFamily="49" charset="0"/>
+              </a:rPr>
+              <a:t>, </a:t>
+            </a:r>
+            <a:r>
+              <a:rPr lang="en-US" altLang="ko-KR" b="0">
+                <a:solidFill>
+                  <a:srgbClr val="795E26"/>
+                </a:solidFill>
+                <a:effectLst/>
+                <a:latin typeface="Consolas" panose="020B0609020204030204" pitchFamily="49" charset="0"/>
+              </a:rPr>
+              <a:t>getName</a:t>
+            </a:r>
+            <a:r>
+              <a:rPr lang="en-US" altLang="ko-KR" b="0">
+                <a:solidFill>
+                  <a:srgbClr val="001080"/>
+                </a:solidFill>
+                <a:effectLst/>
+                <a:latin typeface="Consolas" panose="020B0609020204030204" pitchFamily="49" charset="0"/>
+              </a:rPr>
+              <a:t>:</a:t>
+            </a:r>
+            <a:r>
+              <a:rPr lang="en-US" altLang="ko-KR" b="0">
+                <a:solidFill>
+                  <a:srgbClr val="3B3B3B"/>
+                </a:solidFill>
+                <a:effectLst/>
+                <a:latin typeface="Consolas" panose="020B0609020204030204" pitchFamily="49" charset="0"/>
+              </a:rPr>
+              <a:t> </a:t>
+            </a:r>
+            <a:r>
+              <a:rPr lang="en-US" altLang="ko-KR" b="0">
+                <a:solidFill>
+                  <a:srgbClr val="795E26"/>
+                </a:solidFill>
+                <a:effectLst/>
+                <a:latin typeface="Consolas" panose="020B0609020204030204" pitchFamily="49" charset="0"/>
+              </a:rPr>
+              <a:t>getPingName</a:t>
+            </a:r>
+            <a:r>
+              <a:rPr lang="en-US" altLang="ko-KR">
+                <a:solidFill>
+                  <a:srgbClr val="3B3B3B"/>
+                </a:solidFill>
+                <a:latin typeface="Consolas" panose="020B0609020204030204" pitchFamily="49" charset="0"/>
+              </a:rPr>
+              <a:t> </a:t>
+            </a:r>
+            <a:r>
+              <a:rPr lang="en-US" altLang="ko-KR" b="0">
+                <a:solidFill>
+                  <a:srgbClr val="3B3B3B"/>
+                </a:solidFill>
+                <a:effectLst/>
+                <a:latin typeface="Consolas" panose="020B0609020204030204" pitchFamily="49" charset="0"/>
+              </a:rPr>
+              <a:t>};</a:t>
+            </a:r>
+          </a:p>
+          <a:p>
+            <a:r>
+              <a:rPr lang="en-US" altLang="ko-KR" b="0">
+                <a:solidFill>
+                  <a:srgbClr val="001080"/>
+                </a:solidFill>
+                <a:effectLst/>
+                <a:latin typeface="Consolas" panose="020B0609020204030204" pitchFamily="49" charset="0"/>
+              </a:rPr>
               <a:t>console</a:t>
             </a:r>
             <a:r>
@@ -11590,12 +12282,12 @@
             <a:r>
               <a:rPr lang="en-US" altLang="ko-KR" b="0">
                 <a:solidFill>
-                  <a:srgbClr val="0000FF"/>
-                </a:solidFill>
-                <a:effectLst/>
-                <a:latin typeface="Consolas" panose="020B0609020204030204" pitchFamily="49" charset="0"/>
-              </a:rPr>
-              <a:t>this</a:t>
+                  <a:srgbClr val="0070C1"/>
+                </a:solidFill>
+                <a:effectLst/>
+                <a:latin typeface="Consolas" panose="020B0609020204030204" pitchFamily="49" charset="0"/>
+              </a:rPr>
+              <a:t>baro</a:t>
             </a:r>
             <a:r>
               <a:rPr lang="en-US" altLang="ko-KR" b="0">
@@ -11605,10 +12297,18 @@
                 <a:effectLst/>
                 <a:latin typeface="Consolas" panose="020B0609020204030204" pitchFamily="49" charset="0"/>
               </a:rPr>
-              <a:t>);</a:t>
-            </a:r>
-          </a:p>
-          <a:p>
+              <a:t>.</a:t>
+            </a:r>
+            <a:r>
+              <a:rPr lang="en-US" altLang="ko-KR" b="0">
+                <a:solidFill>
+                  <a:srgbClr val="001080"/>
+                </a:solidFill>
+                <a:effectLst/>
+                <a:latin typeface="Consolas" panose="020B0609020204030204" pitchFamily="49" charset="0"/>
+              </a:rPr>
+              <a:t>age</a:t>
+            </a:r>
             <a:r>
               <a:rPr lang="en-US" altLang="ko-KR" b="0">
                 <a:solidFill>
@@ -11617,17 +12317,17 @@
                 <a:effectLst/>
                 <a:latin typeface="Consolas" panose="020B0609020204030204" pitchFamily="49" charset="0"/>
               </a:rPr>
-              <a:t>  </a:t>
-            </a:r>
-            <a:r>
-              <a:rPr lang="en-US" altLang="ko-KR" b="0">
-                <a:solidFill>
-                  <a:srgbClr val="AF00DB"/>
-                </a:solidFill>
-                <a:effectLst/>
-                <a:latin typeface="Consolas" panose="020B0609020204030204" pitchFamily="49" charset="0"/>
-              </a:rPr>
-              <a:t>return</a:t>
+              <a:t>, </a:t>
+            </a:r>
+            <a:r>
+              <a:rPr lang="en-US" altLang="ko-KR" b="0">
+                <a:solidFill>
+                  <a:srgbClr val="0070C1"/>
+                </a:solidFill>
+                <a:effectLst/>
+                <a:latin typeface="Consolas" panose="020B0609020204030204" pitchFamily="49" charset="0"/>
+              </a:rPr>
+              <a:t>baro</a:t>
             </a:r>
             <a:r>
               <a:rPr lang="en-US" altLang="ko-KR" b="0">
@@ -11637,82 +12337,44 @@
                 <a:effectLst/>
                 <a:latin typeface="Consolas" panose="020B0609020204030204" pitchFamily="49" charset="0"/>
               </a:rPr>
-              <a:t> </a:t>
-            </a:r>
-            <a:r>
-              <a:rPr lang="en-US" altLang="ko-KR" b="0">
-                <a:solidFill>
-                  <a:srgbClr val="A31515"/>
-                </a:solidFill>
-                <a:effectLst/>
-                <a:latin typeface="Consolas" panose="020B0609020204030204" pitchFamily="49" charset="0"/>
-              </a:rPr>
-              <a:t>`</a:t>
-            </a:r>
-            <a:r>
-              <a:rPr lang="en-US" altLang="ko-KR" b="0">
-                <a:solidFill>
-                  <a:srgbClr val="0000FF"/>
-                </a:solidFill>
-                <a:effectLst/>
-                <a:latin typeface="Consolas" panose="020B0609020204030204" pitchFamily="49" charset="0"/>
-              </a:rPr>
-              <a:t>${this</a:t>
-            </a:r>
-            <a:r>
-              <a:rPr lang="en-US" altLang="ko-KR" b="0">
-                <a:solidFill>
-                  <a:srgbClr val="000000"/>
-                </a:solidFill>
-                <a:effectLst/>
-                <a:latin typeface="Consolas" panose="020B0609020204030204" pitchFamily="49" charset="0"/>
-              </a:rPr>
               <a:t>.</a:t>
             </a:r>
             <a:r>
               <a:rPr lang="en-US" altLang="ko-KR" b="0">
                 <a:solidFill>
+                  <a:srgbClr val="795E26"/>
+                </a:solidFill>
+                <a:effectLst/>
+                <a:latin typeface="Consolas" panose="020B0609020204030204" pitchFamily="49" charset="0"/>
+              </a:rPr>
+              <a:t>getName</a:t>
+            </a:r>
+            <a:r>
+              <a:rPr lang="en-US" altLang="ko-KR" b="0">
+                <a:solidFill>
+                  <a:srgbClr val="3B3B3B"/>
+                </a:solidFill>
+                <a:effectLst/>
+                <a:latin typeface="Consolas" panose="020B0609020204030204" pitchFamily="49" charset="0"/>
+              </a:rPr>
+              <a:t>());</a:t>
+            </a:r>
+          </a:p>
+          <a:p>
+            <a:r>
+              <a:rPr lang="en-US" altLang="ko-KR" b="0">
+                <a:solidFill>
                   <a:srgbClr val="001080"/>
                 </a:solidFill>
                 <a:effectLst/>
                 <a:latin typeface="Consolas" panose="020B0609020204030204" pitchFamily="49" charset="0"/>
               </a:rPr>
-              <a:t>name</a:t>
-            </a:r>
-            <a:r>
-              <a:rPr lang="en-US" altLang="ko-KR" b="0">
-                <a:solidFill>
-                  <a:srgbClr val="0000FF"/>
-                </a:solidFill>
-                <a:effectLst/>
-                <a:latin typeface="Consolas" panose="020B0609020204030204" pitchFamily="49" charset="0"/>
-              </a:rPr>
-              <a:t>}</a:t>
-            </a:r>
-            <a:r>
-              <a:rPr lang="ko-KR" altLang="en-US" b="0">
-                <a:solidFill>
-                  <a:srgbClr val="A31515"/>
-                </a:solidFill>
-                <a:effectLst/>
-                <a:latin typeface="Consolas" panose="020B0609020204030204" pitchFamily="49" charset="0"/>
-              </a:rPr>
-              <a:t>은 </a:t>
-            </a:r>
-            <a:r>
-              <a:rPr lang="en-US" altLang="ko-KR" b="0">
-                <a:solidFill>
-                  <a:srgbClr val="0000FF"/>
-                </a:solidFill>
-                <a:effectLst/>
-                <a:latin typeface="Consolas" panose="020B0609020204030204" pitchFamily="49" charset="0"/>
-              </a:rPr>
-              <a:t>${this</a:t>
-            </a:r>
-            <a:r>
-              <a:rPr lang="en-US" altLang="ko-KR" b="0">
-                <a:solidFill>
-                  <a:srgbClr val="000000"/>
+              <a:t>console</a:t>
+            </a:r>
+            <a:r>
+              <a:rPr lang="en-US" altLang="ko-KR" b="0">
+                <a:solidFill>
+                  <a:srgbClr val="3B3B3B"/>
                 </a:solidFill>
                 <a:effectLst/>
                 <a:latin typeface="Consolas" panose="020B0609020204030204" pitchFamily="49" charset="0"/>
@@ -11722,6 +12384,46 @@
             <a:r>
               <a:rPr lang="en-US" altLang="ko-KR" b="0">
                 <a:solidFill>
+                  <a:srgbClr val="795E26"/>
+                </a:solidFill>
+                <a:effectLst/>
+                <a:latin typeface="Consolas" panose="020B0609020204030204" pitchFamily="49" charset="0"/>
+              </a:rPr>
+              <a:t>log</a:t>
+            </a:r>
+            <a:r>
+              <a:rPr lang="en-US" altLang="ko-KR" b="0">
+                <a:solidFill>
+                  <a:srgbClr val="3B3B3B"/>
+                </a:solidFill>
+                <a:effectLst/>
+                <a:latin typeface="Consolas" panose="020B0609020204030204" pitchFamily="49" charset="0"/>
+              </a:rPr>
+              <a:t>(</a:t>
+            </a:r>
+            <a:r>
+              <a:rPr lang="en-US" altLang="ko-KR" b="0">
+                <a:solidFill>
+                  <a:srgbClr val="0070C1"/>
+                </a:solidFill>
+                <a:effectLst/>
+                <a:latin typeface="Consolas" panose="020B0609020204030204" pitchFamily="49" charset="0"/>
+              </a:rPr>
+              <a:t>rara</a:t>
+            </a:r>
+            <a:r>
+              <a:rPr lang="en-US" altLang="ko-KR" b="0">
+                <a:solidFill>
+                  <a:srgbClr val="3B3B3B"/>
+                </a:solidFill>
+                <a:effectLst/>
+                <a:latin typeface="Consolas" panose="020B0609020204030204" pitchFamily="49" charset="0"/>
+              </a:rPr>
+              <a:t>.</a:t>
+            </a:r>
+            <a:r>
+              <a:rPr lang="en-US" altLang="ko-KR" b="0">
+                <a:solidFill>
                   <a:srgbClr val="001080"/>
                 </a:solidFill>
                 <a:effectLst/>
@@ -11732,55 +12434,23 @@
             <a:r>
               <a:rPr lang="en-US" altLang="ko-KR" b="0">
                 <a:solidFill>
-                  <a:srgbClr val="0000FF"/>
-                </a:solidFill>
-                <a:effectLst/>
-                <a:latin typeface="Consolas" panose="020B0609020204030204" pitchFamily="49" charset="0"/>
-              </a:rPr>
-              <a:t>}</a:t>
-            </a:r>
-            <a:r>
-              <a:rPr lang="en-US" altLang="ko-KR" b="0">
-                <a:solidFill>
-                  <a:srgbClr val="A31515"/>
-                </a:solidFill>
-                <a:effectLst/>
-                <a:latin typeface="Consolas" panose="020B0609020204030204" pitchFamily="49" charset="0"/>
-              </a:rPr>
-              <a:t> </a:t>
-            </a:r>
-            <a:r>
-              <a:rPr lang="ko-KR" altLang="en-US" b="0">
-                <a:solidFill>
-                  <a:srgbClr val="A31515"/>
-                </a:solidFill>
-                <a:effectLst/>
-                <a:latin typeface="Consolas" panose="020B0609020204030204" pitchFamily="49" charset="0"/>
-              </a:rPr>
-              <a:t>살 입니다</a:t>
-            </a:r>
-            <a:r>
-              <a:rPr lang="en-US" altLang="ko-KR" b="0">
-                <a:solidFill>
-                  <a:srgbClr val="A31515"/>
-                </a:solidFill>
-                <a:effectLst/>
-                <a:latin typeface="Consolas" panose="020B0609020204030204" pitchFamily="49" charset="0"/>
-              </a:rPr>
-              <a:t>.`</a:t>
-            </a:r>
-            <a:r>
-              <a:rPr lang="en-US" altLang="ko-KR" b="0">
-                <a:solidFill>
                   <a:srgbClr val="3B3B3B"/>
                 </a:solidFill>
                 <a:effectLst/>
                 <a:latin typeface="Consolas" panose="020B0609020204030204" pitchFamily="49" charset="0"/>
               </a:rPr>
-              <a:t>;</a:t>
-            </a:r>
-          </a:p>
-          <a:p>
+              <a:t>, </a:t>
+            </a:r>
+            <a:r>
+              <a:rPr lang="en-US" altLang="ko-KR" b="0">
+                <a:solidFill>
+                  <a:srgbClr val="0070C1"/>
+                </a:solidFill>
+                <a:effectLst/>
+                <a:latin typeface="Consolas" panose="020B0609020204030204" pitchFamily="49" charset="0"/>
+              </a:rPr>
+              <a:t>rara</a:t>
+            </a:r>
             <a:r>
               <a:rPr lang="en-US" altLang="ko-KR" b="0">
                 <a:solidFill>
@@ -11789,169 +12459,7 @@
                 <a:effectLst/>
                 <a:latin typeface="Consolas" panose="020B0609020204030204" pitchFamily="49" charset="0"/>
               </a:rPr>
-              <a:t>};</a:t>
-            </a:r>
-          </a:p>
-          <a:p>
-            <a:r>
-              <a:rPr lang="en-US" altLang="ko-KR" b="0">
-                <a:solidFill>
-                  <a:srgbClr val="0000FF"/>
-                </a:solidFill>
-                <a:effectLst/>
-                <a:latin typeface="Consolas" panose="020B0609020204030204" pitchFamily="49" charset="0"/>
-              </a:rPr>
-              <a:t>const</a:t>
-            </a:r>
-            <a:r>
-              <a:rPr lang="en-US" altLang="ko-KR" b="0">
-                <a:solidFill>
-                  <a:srgbClr val="3B3B3B"/>
-                </a:solidFill>
-                <a:effectLst/>
-                <a:latin typeface="Consolas" panose="020B0609020204030204" pitchFamily="49" charset="0"/>
-              </a:rPr>
-              <a:t> </a:t>
-            </a:r>
-            <a:r>
-              <a:rPr lang="en-US" altLang="ko-KR" b="0">
-                <a:solidFill>
-                  <a:srgbClr val="0070C1"/>
-                </a:solidFill>
-                <a:effectLst/>
-                <a:latin typeface="Consolas" panose="020B0609020204030204" pitchFamily="49" charset="0"/>
-              </a:rPr>
-              <a:t>ping1</a:t>
-            </a:r>
-            <a:r>
-              <a:rPr lang="en-US" altLang="ko-KR" b="0">
-                <a:solidFill>
-                  <a:srgbClr val="3B3B3B"/>
-                </a:solidFill>
-                <a:effectLst/>
-                <a:latin typeface="Consolas" panose="020B0609020204030204" pitchFamily="49" charset="0"/>
-              </a:rPr>
-              <a:t> </a:t>
-            </a:r>
-            <a:r>
-              <a:rPr lang="en-US" altLang="ko-KR" b="0">
-                <a:solidFill>
-                  <a:srgbClr val="000000"/>
-                </a:solidFill>
-                <a:effectLst/>
-                <a:latin typeface="Consolas" panose="020B0609020204030204" pitchFamily="49" charset="0"/>
-              </a:rPr>
-              <a:t>=</a:t>
-            </a:r>
-            <a:r>
-              <a:rPr lang="en-US" altLang="ko-KR" b="0">
-                <a:solidFill>
-                  <a:srgbClr val="3B3B3B"/>
-                </a:solidFill>
-                <a:effectLst/>
-                <a:latin typeface="Consolas" panose="020B0609020204030204" pitchFamily="49" charset="0"/>
-              </a:rPr>
-              <a:t> { </a:t>
-            </a:r>
-            <a:r>
-              <a:rPr lang="en-US" altLang="ko-KR" b="0">
-                <a:solidFill>
-                  <a:srgbClr val="001080"/>
-                </a:solidFill>
-                <a:effectLst/>
-                <a:latin typeface="Consolas" panose="020B0609020204030204" pitchFamily="49" charset="0"/>
-              </a:rPr>
-              <a:t>name:</a:t>
-            </a:r>
-            <a:r>
-              <a:rPr lang="en-US" altLang="ko-KR" b="0">
-                <a:solidFill>
-                  <a:srgbClr val="3B3B3B"/>
-                </a:solidFill>
-                <a:effectLst/>
-                <a:latin typeface="Consolas" panose="020B0609020204030204" pitchFamily="49" charset="0"/>
-              </a:rPr>
-              <a:t> </a:t>
-            </a:r>
-            <a:r>
-              <a:rPr lang="en-US" altLang="ko-KR" b="0">
-                <a:solidFill>
-                  <a:srgbClr val="A31515"/>
-                </a:solidFill>
-                <a:effectLst/>
-                <a:latin typeface="Consolas" panose="020B0609020204030204" pitchFamily="49" charset="0"/>
-              </a:rPr>
-              <a:t>'</a:t>
-            </a:r>
-            <a:r>
-              <a:rPr lang="ko-KR" altLang="en-US" b="0">
-                <a:solidFill>
-                  <a:srgbClr val="A31515"/>
-                </a:solidFill>
-                <a:effectLst/>
-                <a:latin typeface="Consolas" panose="020B0609020204030204" pitchFamily="49" charset="0"/>
-              </a:rPr>
-              <a:t>바로핑</a:t>
-            </a:r>
-            <a:r>
-              <a:rPr lang="en-US" altLang="ko-KR" b="0">
-                <a:solidFill>
-                  <a:srgbClr val="A31515"/>
-                </a:solidFill>
-                <a:effectLst/>
-                <a:latin typeface="Consolas" panose="020B0609020204030204" pitchFamily="49" charset="0"/>
-              </a:rPr>
-              <a:t>'</a:t>
-            </a:r>
-            <a:r>
-              <a:rPr lang="en-US" altLang="ko-KR" b="0">
-                <a:solidFill>
-                  <a:srgbClr val="3B3B3B"/>
-                </a:solidFill>
-                <a:effectLst/>
-                <a:latin typeface="Consolas" panose="020B0609020204030204" pitchFamily="49" charset="0"/>
-              </a:rPr>
-              <a:t>, </a:t>
-            </a:r>
-            <a:r>
-              <a:rPr lang="en-US" altLang="ko-KR" b="0">
-                <a:solidFill>
-                  <a:srgbClr val="001080"/>
-                </a:solidFill>
-                <a:effectLst/>
-                <a:latin typeface="Consolas" panose="020B0609020204030204" pitchFamily="49" charset="0"/>
-              </a:rPr>
-              <a:t>age:</a:t>
-            </a:r>
-            <a:r>
-              <a:rPr lang="en-US" altLang="ko-KR" b="0">
-                <a:solidFill>
-                  <a:srgbClr val="3B3B3B"/>
-                </a:solidFill>
-                <a:effectLst/>
-                <a:latin typeface="Consolas" panose="020B0609020204030204" pitchFamily="49" charset="0"/>
-              </a:rPr>
-              <a:t> </a:t>
-            </a:r>
-            <a:r>
-              <a:rPr lang="en-US" altLang="ko-KR" b="0">
-                <a:solidFill>
-                  <a:srgbClr val="098658"/>
-                </a:solidFill>
-                <a:effectLst/>
-                <a:latin typeface="Consolas" panose="020B0609020204030204" pitchFamily="49" charset="0"/>
-              </a:rPr>
-              <a:t>11</a:t>
-            </a:r>
-            <a:r>
-              <a:rPr lang="en-US" altLang="ko-KR" b="0">
-                <a:solidFill>
-                  <a:srgbClr val="3B3B3B"/>
-                </a:solidFill>
-                <a:effectLst/>
-                <a:latin typeface="Consolas" panose="020B0609020204030204" pitchFamily="49" charset="0"/>
-              </a:rPr>
-              <a:t>, </a:t>
+              <a:t>.</a:t>
             </a:r>
             <a:r>
               <a:rPr lang="en-US" altLang="ko-KR" b="0">
@@ -11961,413 +12469,7 @@
                 <a:effectLst/>
                 <a:latin typeface="Consolas" panose="020B0609020204030204" pitchFamily="49" charset="0"/>
               </a:rPr>
-              <a:t>print</a:t>
-            </a:r>
-            <a:r>
-              <a:rPr lang="en-US" altLang="ko-KR" b="0">
-                <a:solidFill>
-                  <a:srgbClr val="001080"/>
-                </a:solidFill>
-                <a:effectLst/>
-                <a:latin typeface="Consolas" panose="020B0609020204030204" pitchFamily="49" charset="0"/>
-              </a:rPr>
-              <a:t>:</a:t>
-            </a:r>
-            <a:r>
-              <a:rPr lang="en-US" altLang="ko-KR" b="0">
-                <a:solidFill>
-                  <a:srgbClr val="3B3B3B"/>
-                </a:solidFill>
-                <a:effectLst/>
-                <a:latin typeface="Consolas" panose="020B0609020204030204" pitchFamily="49" charset="0"/>
-              </a:rPr>
-              <a:t> </a:t>
-            </a:r>
-            <a:r>
-              <a:rPr lang="en-US" altLang="ko-KR" b="0">
-                <a:solidFill>
-                  <a:srgbClr val="795E26"/>
-                </a:solidFill>
-                <a:effectLst/>
-                <a:latin typeface="Consolas" panose="020B0609020204030204" pitchFamily="49" charset="0"/>
-              </a:rPr>
-              <a:t>getPingInfo</a:t>
-            </a:r>
-            <a:r>
-              <a:rPr lang="en-US" altLang="ko-KR" b="0">
-                <a:solidFill>
-                  <a:srgbClr val="3B3B3B"/>
-                </a:solidFill>
-                <a:effectLst/>
-                <a:latin typeface="Consolas" panose="020B0609020204030204" pitchFamily="49" charset="0"/>
-              </a:rPr>
-              <a:t> };</a:t>
-            </a:r>
-          </a:p>
-          <a:p>
-            <a:r>
-              <a:rPr lang="en-US" altLang="ko-KR" b="0">
-                <a:solidFill>
-                  <a:srgbClr val="0000FF"/>
-                </a:solidFill>
-                <a:effectLst/>
-                <a:latin typeface="Consolas" panose="020B0609020204030204" pitchFamily="49" charset="0"/>
-              </a:rPr>
-              <a:t>const</a:t>
-            </a:r>
-            <a:r>
-              <a:rPr lang="en-US" altLang="ko-KR" b="0">
-                <a:solidFill>
-                  <a:srgbClr val="3B3B3B"/>
-                </a:solidFill>
-                <a:effectLst/>
-                <a:latin typeface="Consolas" panose="020B0609020204030204" pitchFamily="49" charset="0"/>
-              </a:rPr>
-              <a:t> </a:t>
-            </a:r>
-            <a:r>
-              <a:rPr lang="en-US" altLang="ko-KR" b="0">
-                <a:solidFill>
-                  <a:srgbClr val="0070C1"/>
-                </a:solidFill>
-                <a:effectLst/>
-                <a:latin typeface="Consolas" panose="020B0609020204030204" pitchFamily="49" charset="0"/>
-              </a:rPr>
-              <a:t>ping2</a:t>
-            </a:r>
-            <a:r>
-              <a:rPr lang="en-US" altLang="ko-KR" b="0">
-                <a:solidFill>
-                  <a:srgbClr val="3B3B3B"/>
-                </a:solidFill>
-                <a:effectLst/>
-                <a:latin typeface="Consolas" panose="020B0609020204030204" pitchFamily="49" charset="0"/>
-              </a:rPr>
-              <a:t> </a:t>
-            </a:r>
-            <a:r>
-              <a:rPr lang="en-US" altLang="ko-KR" b="0">
-                <a:solidFill>
-                  <a:srgbClr val="000000"/>
-                </a:solidFill>
-                <a:effectLst/>
-                <a:latin typeface="Consolas" panose="020B0609020204030204" pitchFamily="49" charset="0"/>
-              </a:rPr>
-              <a:t>=</a:t>
-            </a:r>
-            <a:r>
-              <a:rPr lang="en-US" altLang="ko-KR" b="0">
-                <a:solidFill>
-                  <a:srgbClr val="3B3B3B"/>
-                </a:solidFill>
-                <a:effectLst/>
-                <a:latin typeface="Consolas" panose="020B0609020204030204" pitchFamily="49" charset="0"/>
-              </a:rPr>
-              <a:t> { </a:t>
-            </a:r>
-            <a:r>
-              <a:rPr lang="en-US" altLang="ko-KR" b="0">
-                <a:solidFill>
-                  <a:srgbClr val="001080"/>
-                </a:solidFill>
-                <a:effectLst/>
-                <a:latin typeface="Consolas" panose="020B0609020204030204" pitchFamily="49" charset="0"/>
-              </a:rPr>
-              <a:t>name:</a:t>
-            </a:r>
-            <a:r>
-              <a:rPr lang="en-US" altLang="ko-KR" b="0">
-                <a:solidFill>
-                  <a:srgbClr val="3B3B3B"/>
-                </a:solidFill>
-                <a:effectLst/>
-                <a:latin typeface="Consolas" panose="020B0609020204030204" pitchFamily="49" charset="0"/>
-              </a:rPr>
-              <a:t> </a:t>
-            </a:r>
-            <a:r>
-              <a:rPr lang="en-US" altLang="ko-KR" b="0">
-                <a:solidFill>
-                  <a:srgbClr val="A31515"/>
-                </a:solidFill>
-                <a:effectLst/>
-                <a:latin typeface="Consolas" panose="020B0609020204030204" pitchFamily="49" charset="0"/>
-              </a:rPr>
-              <a:t>'</a:t>
-            </a:r>
-            <a:r>
-              <a:rPr lang="ko-KR" altLang="en-US" b="0">
-                <a:solidFill>
-                  <a:srgbClr val="A31515"/>
-                </a:solidFill>
-                <a:effectLst/>
-                <a:latin typeface="Consolas" panose="020B0609020204030204" pitchFamily="49" charset="0"/>
-              </a:rPr>
-              <a:t>라라핑</a:t>
-            </a:r>
-            <a:r>
-              <a:rPr lang="en-US" altLang="ko-KR" b="0">
-                <a:solidFill>
-                  <a:srgbClr val="A31515"/>
-                </a:solidFill>
-                <a:effectLst/>
-                <a:latin typeface="Consolas" panose="020B0609020204030204" pitchFamily="49" charset="0"/>
-              </a:rPr>
-              <a:t>'</a:t>
-            </a:r>
-            <a:r>
-              <a:rPr lang="en-US" altLang="ko-KR" b="0">
-                <a:solidFill>
-                  <a:srgbClr val="3B3B3B"/>
-                </a:solidFill>
-                <a:effectLst/>
-                <a:latin typeface="Consolas" panose="020B0609020204030204" pitchFamily="49" charset="0"/>
-              </a:rPr>
-              <a:t>, </a:t>
-            </a:r>
-            <a:r>
-              <a:rPr lang="en-US" altLang="ko-KR" b="0">
-                <a:solidFill>
-                  <a:srgbClr val="001080"/>
-                </a:solidFill>
-                <a:effectLst/>
-                <a:latin typeface="Consolas" panose="020B0609020204030204" pitchFamily="49" charset="0"/>
-              </a:rPr>
-              <a:t>age:</a:t>
-            </a:r>
-            <a:r>
-              <a:rPr lang="en-US" altLang="ko-KR" b="0">
-                <a:solidFill>
-                  <a:srgbClr val="3B3B3B"/>
-                </a:solidFill>
-                <a:effectLst/>
-                <a:latin typeface="Consolas" panose="020B0609020204030204" pitchFamily="49" charset="0"/>
-              </a:rPr>
-              <a:t> </a:t>
-            </a:r>
-            <a:r>
-              <a:rPr lang="en-US" altLang="ko-KR" b="0">
-                <a:solidFill>
-                  <a:srgbClr val="098658"/>
-                </a:solidFill>
-                <a:effectLst/>
-                <a:latin typeface="Consolas" panose="020B0609020204030204" pitchFamily="49" charset="0"/>
-              </a:rPr>
-              <a:t>9</a:t>
-            </a:r>
-            <a:r>
-              <a:rPr lang="en-US" altLang="ko-KR" b="0">
-                <a:solidFill>
-                  <a:srgbClr val="3B3B3B"/>
-                </a:solidFill>
-                <a:effectLst/>
-                <a:latin typeface="Consolas" panose="020B0609020204030204" pitchFamily="49" charset="0"/>
-              </a:rPr>
-              <a:t>, </a:t>
-            </a:r>
-            <a:r>
-              <a:rPr lang="en-US" altLang="ko-KR" b="0">
-                <a:solidFill>
-                  <a:srgbClr val="795E26"/>
-                </a:solidFill>
-                <a:effectLst/>
-                <a:latin typeface="Consolas" panose="020B0609020204030204" pitchFamily="49" charset="0"/>
-              </a:rPr>
-              <a:t>print</a:t>
-            </a:r>
-            <a:r>
-              <a:rPr lang="en-US" altLang="ko-KR" b="0">
-                <a:solidFill>
-                  <a:srgbClr val="001080"/>
-                </a:solidFill>
-                <a:effectLst/>
-                <a:latin typeface="Consolas" panose="020B0609020204030204" pitchFamily="49" charset="0"/>
-              </a:rPr>
-              <a:t>:</a:t>
-            </a:r>
-            <a:r>
-              <a:rPr lang="en-US" altLang="ko-KR" b="0">
-                <a:solidFill>
-                  <a:srgbClr val="3B3B3B"/>
-                </a:solidFill>
-                <a:effectLst/>
-                <a:latin typeface="Consolas" panose="020B0609020204030204" pitchFamily="49" charset="0"/>
-              </a:rPr>
-              <a:t> </a:t>
-            </a:r>
-            <a:r>
-              <a:rPr lang="en-US" altLang="ko-KR" b="0">
-                <a:solidFill>
-                  <a:srgbClr val="795E26"/>
-                </a:solidFill>
-                <a:effectLst/>
-                <a:latin typeface="Consolas" panose="020B0609020204030204" pitchFamily="49" charset="0"/>
-              </a:rPr>
-              <a:t>getPingInfo</a:t>
-            </a:r>
-            <a:r>
-              <a:rPr lang="en-US" altLang="ko-KR" b="0">
-                <a:solidFill>
-                  <a:srgbClr val="3B3B3B"/>
-                </a:solidFill>
-                <a:effectLst/>
-                <a:latin typeface="Consolas" panose="020B0609020204030204" pitchFamily="49" charset="0"/>
-              </a:rPr>
-              <a:t> };</a:t>
-            </a:r>
-          </a:p>
-          <a:p>
-            <a:r>
-              <a:rPr lang="en-US" altLang="ko-KR" b="0">
-                <a:solidFill>
-                  <a:srgbClr val="001080"/>
-                </a:solidFill>
-                <a:effectLst/>
-                <a:latin typeface="Consolas" panose="020B0609020204030204" pitchFamily="49" charset="0"/>
-              </a:rPr>
-              <a:t>console</a:t>
-            </a:r>
-            <a:r>
-              <a:rPr lang="en-US" altLang="ko-KR" b="0">
-                <a:solidFill>
-                  <a:srgbClr val="3B3B3B"/>
-                </a:solidFill>
-                <a:effectLst/>
-                <a:latin typeface="Consolas" panose="020B0609020204030204" pitchFamily="49" charset="0"/>
-              </a:rPr>
-              <a:t>.</a:t>
-            </a:r>
-            <a:r>
-              <a:rPr lang="en-US" altLang="ko-KR" b="0">
-                <a:solidFill>
-                  <a:srgbClr val="795E26"/>
-                </a:solidFill>
-                <a:effectLst/>
-                <a:latin typeface="Consolas" panose="020B0609020204030204" pitchFamily="49" charset="0"/>
-              </a:rPr>
-              <a:t>log</a:t>
-            </a:r>
-            <a:r>
-              <a:rPr lang="en-US" altLang="ko-KR" b="0">
-                <a:solidFill>
-                  <a:srgbClr val="3B3B3B"/>
-                </a:solidFill>
-                <a:effectLst/>
-                <a:latin typeface="Consolas" panose="020B0609020204030204" pitchFamily="49" charset="0"/>
-              </a:rPr>
-              <a:t>(</a:t>
-            </a:r>
-            <a:r>
-              <a:rPr lang="en-US" altLang="ko-KR" b="0">
-                <a:solidFill>
-                  <a:srgbClr val="0070C1"/>
-                </a:solidFill>
-                <a:effectLst/>
-                <a:latin typeface="Consolas" panose="020B0609020204030204" pitchFamily="49" charset="0"/>
-              </a:rPr>
-              <a:t>ping1</a:t>
-            </a:r>
-            <a:r>
-              <a:rPr lang="en-US" altLang="ko-KR" b="0">
-                <a:solidFill>
-                  <a:srgbClr val="3B3B3B"/>
-                </a:solidFill>
-                <a:effectLst/>
-                <a:latin typeface="Consolas" panose="020B0609020204030204" pitchFamily="49" charset="0"/>
-              </a:rPr>
-              <a:t>.</a:t>
-            </a:r>
-            <a:r>
-              <a:rPr lang="en-US" altLang="ko-KR" b="0">
-                <a:solidFill>
-                  <a:srgbClr val="795E26"/>
-                </a:solidFill>
-                <a:effectLst/>
-                <a:latin typeface="Consolas" panose="020B0609020204030204" pitchFamily="49" charset="0"/>
-              </a:rPr>
-              <a:t>print</a:t>
-            </a:r>
-            <a:r>
-              <a:rPr lang="en-US" altLang="ko-KR" b="0">
-                <a:solidFill>
-                  <a:srgbClr val="3B3B3B"/>
-                </a:solidFill>
-                <a:effectLst/>
-                <a:latin typeface="Consolas" panose="020B0609020204030204" pitchFamily="49" charset="0"/>
-              </a:rPr>
-              <a:t>());</a:t>
-            </a:r>
-          </a:p>
-          <a:p>
-            <a:r>
-              <a:rPr lang="en-US" altLang="ko-KR" b="0">
-                <a:solidFill>
-                  <a:srgbClr val="001080"/>
-                </a:solidFill>
-                <a:effectLst/>
-                <a:latin typeface="Consolas" panose="020B0609020204030204" pitchFamily="49" charset="0"/>
-              </a:rPr>
-              <a:t>console</a:t>
-            </a:r>
-            <a:r>
-              <a:rPr lang="en-US" altLang="ko-KR" b="0">
-                <a:solidFill>
-                  <a:srgbClr val="3B3B3B"/>
-                </a:solidFill>
-                <a:effectLst/>
-                <a:latin typeface="Consolas" panose="020B0609020204030204" pitchFamily="49" charset="0"/>
-              </a:rPr>
-              <a:t>.</a:t>
-            </a:r>
-            <a:r>
-              <a:rPr lang="en-US" altLang="ko-KR" b="0">
-                <a:solidFill>
-                  <a:srgbClr val="795E26"/>
-                </a:solidFill>
-                <a:effectLst/>
-                <a:latin typeface="Consolas" panose="020B0609020204030204" pitchFamily="49" charset="0"/>
-              </a:rPr>
-              <a:t>log</a:t>
-            </a:r>
-            <a:r>
-              <a:rPr lang="en-US" altLang="ko-KR" b="0">
-                <a:solidFill>
-                  <a:srgbClr val="3B3B3B"/>
-                </a:solidFill>
-                <a:effectLst/>
-                <a:latin typeface="Consolas" panose="020B0609020204030204" pitchFamily="49" charset="0"/>
-              </a:rPr>
-              <a:t>(</a:t>
-            </a:r>
-            <a:r>
-              <a:rPr lang="en-US" altLang="ko-KR" b="0">
-                <a:solidFill>
-                  <a:srgbClr val="0070C1"/>
-                </a:solidFill>
-                <a:effectLst/>
-                <a:latin typeface="Consolas" panose="020B0609020204030204" pitchFamily="49" charset="0"/>
-              </a:rPr>
-              <a:t>ping2</a:t>
-            </a:r>
-            <a:r>
-              <a:rPr lang="en-US" altLang="ko-KR" b="0">
-                <a:solidFill>
-                  <a:srgbClr val="3B3B3B"/>
-                </a:solidFill>
-                <a:effectLst/>
-                <a:latin typeface="Consolas" panose="020B0609020204030204" pitchFamily="49" charset="0"/>
-              </a:rPr>
-              <a:t>.</a:t>
-            </a:r>
-            <a:r>
-              <a:rPr lang="en-US" altLang="ko-KR" b="0">
-                <a:solidFill>
-                  <a:srgbClr val="795E26"/>
-                </a:solidFill>
-                <a:effectLst/>
-                <a:latin typeface="Consolas" panose="020B0609020204030204" pitchFamily="49" charset="0"/>
-              </a:rPr>
-              <a:t>print</a:t>
+              <a:t>getName</a:t>
             </a:r>
             <a:r>
               <a:rPr lang="en-US" altLang="ko-KR" b="0">
@@ -12452,7 +12554,7 @@
                 <a:latin typeface="Noto Sans CJK KR Regular" panose="020B0500000000000000" pitchFamily="34" charset="-127"/>
                 <a:ea typeface="Noto Sans CJK KR Regular" panose="020B0500000000000000" pitchFamily="34" charset="-127"/>
               </a:rPr>
-              <a:t>ex02-01.js, 02-14</a:t>
+              <a:t>ex02-15.js, 02-01</a:t>
             </a:r>
             <a:endParaRPr lang="ko-KR" altLang="en-US" dirty="0">
               <a:solidFill>
@@ -12481,8 +12583,8 @@
         </p:nvSpPr>
         <p:spPr>
           <a:xfrm>
-            <a:off x="1287263" y="5343244"/>
-            <a:ext cx="8460420" cy="1200329"/>
+            <a:off x="1287262" y="5343244"/>
+            <a:ext cx="8460421" cy="1200329"/>
           </a:xfrm>
           <a:prstGeom prst="rect">
             <a:avLst/>
@@ -12528,10 +12630,20 @@
                 <a:effectLst/>
                 <a:latin typeface="Consolas" panose="020B0609020204030204" pitchFamily="49" charset="0"/>
               </a:rPr>
-              <a:t>', age: 11, print: [Function: getPingInfo] }</a:t>
-            </a:r>
-          </a:p>
-          <a:p>
+              <a:t>', age: 11, getName: [Function: getPingName] }</a:t>
+            </a:r>
+          </a:p>
+          <a:p>
+            <a:r>
+              <a:rPr lang="en-US" altLang="ko-KR" b="0">
+                <a:solidFill>
+                  <a:srgbClr val="000000"/>
+                </a:solidFill>
+                <a:effectLst/>
+                <a:latin typeface="Consolas" panose="020B0609020204030204" pitchFamily="49" charset="0"/>
+              </a:rPr>
+              <a:t>11 </a:t>
+            </a:r>
             <a:r>
               <a:rPr lang="ko-KR" altLang="en-US" b="0">
                 <a:solidFill>
@@ -12540,8 +12652,10 @@
                 <a:effectLst/>
                 <a:latin typeface="Consolas" panose="020B0609020204030204" pitchFamily="49" charset="0"/>
               </a:rPr>
-              <a:t>바로핑은 </a:t>
-            </a:r>
+              <a:t>바로핑</a:t>
+            </a:r>
+          </a:p>
+          <a:p>
             <a:r>
               <a:rPr lang="en-US" altLang="ko-KR" b="0">
                 <a:solidFill>
@@ -12550,7 +12664,7 @@
                 <a:effectLst/>
                 <a:latin typeface="Consolas" panose="020B0609020204030204" pitchFamily="49" charset="0"/>
               </a:rPr>
-              <a:t>11 </a:t>
+              <a:t>{ name: '</a:t>
             </a:r>
             <a:r>
               <a:rPr lang="ko-KR" altLang="en-US" b="0">
@@ -12560,7 +12674,7 @@
                 <a:effectLst/>
                 <a:latin typeface="Consolas" panose="020B0609020204030204" pitchFamily="49" charset="0"/>
               </a:rPr>
-              <a:t>살 입니다</a:t>
+              <a:t>라라핑</a:t>
             </a:r>
             <a:r>
               <a:rPr lang="en-US" altLang="ko-KR" b="0">
@@ -12570,7 +12684,7 @@
                 <a:effectLst/>
                 <a:latin typeface="Consolas" panose="020B0609020204030204" pitchFamily="49" charset="0"/>
               </a:rPr>
-              <a:t>.</a:t>
+              <a:t>', age: 9, getName: [Function: getPingName] }</a:t>
             </a:r>
           </a:p>
           <a:p>
@@ -12582,7 +12696,7 @@
                 <a:effectLst/>
                 <a:latin typeface="Consolas" panose="020B0609020204030204" pitchFamily="49" charset="0"/>
               </a:rPr>
-              <a:t>{ name: '</a:t>
+              <a:t>9 </a:t>
             </a:r>
             <a:r>
               <a:rPr lang="ko-KR" altLang="en-US" b="0">
@@ -12594,65 +12708,6 @@
               </a:rPr>
               <a:t>라라핑</a:t>
             </a:r>
-            <a:r>
-              <a:rPr lang="en-US" altLang="ko-KR" b="0">
-                <a:solidFill>
-                  <a:srgbClr val="000000"/>
-                </a:solidFill>
-                <a:effectLst/>
-                <a:latin typeface="Consolas" panose="020B0609020204030204" pitchFamily="49" charset="0"/>
-              </a:rPr>
-              <a:t>', age: 9, print: [Function: getPingInfo] }</a:t>
-            </a:r>
-          </a:p>
-          <a:p>
-            <a:r>
-              <a:rPr lang="ko-KR" altLang="en-US" b="0">
-                <a:solidFill>
-                  <a:srgbClr val="000000"/>
-                </a:solidFill>
-                <a:effectLst/>
-                <a:latin typeface="Consolas" panose="020B0609020204030204" pitchFamily="49" charset="0"/>
-              </a:rPr>
-              <a:t>라라핑은 </a:t>
-            </a:r>
-            <a:r>
-              <a:rPr lang="en-US" altLang="ko-KR" b="0">
-                <a:solidFill>
-                  <a:srgbClr val="000000"/>
-                </a:solidFill>
-                <a:effectLst/>
-                <a:latin typeface="Consolas" panose="020B0609020204030204" pitchFamily="49" charset="0"/>
-              </a:rPr>
-              <a:t>9 </a:t>
-            </a:r>
-            <a:r>
-              <a:rPr lang="ko-KR" altLang="en-US" b="0">
-                <a:solidFill>
-                  <a:srgbClr val="000000"/>
-                </a:solidFill>
-                <a:effectLst/>
-                <a:latin typeface="Consolas" panose="020B0609020204030204" pitchFamily="49" charset="0"/>
-              </a:rPr>
-              <a:t>살 입니다</a:t>
-            </a:r>
-            <a:r>
-              <a:rPr lang="en-US" altLang="ko-KR" b="0">
-                <a:solidFill>
-                  <a:srgbClr val="000000"/>
-                </a:solidFill>
-                <a:effectLst/>
-                <a:latin typeface="Consolas" panose="020B0609020204030204" pitchFamily="49" charset="0"/>
-              </a:rPr>
-              <a:t>.</a:t>
-            </a:r>
-            <a:endParaRPr lang="ko-KR" altLang="en-US" b="0">
-              <a:solidFill>
-                <a:srgbClr val="000000"/>
-              </a:solidFill>
-              <a:effectLst/>
-              <a:latin typeface="Consolas" panose="020B0609020204030204" pitchFamily="49" charset="0"/>
-            </a:endParaRPr>
           </a:p>
         </p:txBody>
       </p:sp>
@@ -12762,7 +12817,7 @@
         <p:spPr bwMode="auto">
           <a:xfrm>
             <a:off x="395288" y="836613"/>
-            <a:ext cx="8353425" cy="954107"/>
+            <a:ext cx="9352395" cy="954107"/>
           </a:xfrm>
           <a:prstGeom prst="rect">
             <a:avLst/>
@@ -12776,7 +12831,7 @@
           </a:ln>
         </p:spPr>
         <p:txBody>
-          <a:bodyPr>
+          <a:bodyPr wrap="square">
             <a:spAutoFit/>
           </a:bodyPr>
           <a:lstStyle/>
@@ -13036,7 +13091,7 @@
                 <a:effectLst/>
                 <a:latin typeface="Consolas" panose="020B0609020204030204" pitchFamily="49" charset="0"/>
               </a:rPr>
-              <a:t>', age: 11, print: [Function: getPingInfo] }</a:t>
+              <a:t>', age: 11, info: [Function: getPingInfo] }</a:t>
             </a:r>
           </a:p>
           <a:p>
@@ -13120,7 +13175,7 @@
                 <a:effectLst/>
                 <a:latin typeface="Consolas" panose="020B0609020204030204" pitchFamily="49" charset="0"/>
               </a:rPr>
-              <a:t>', age: 9, print: [Function: getPingInfo] }</a:t>
+              <a:t>', age: 9, info: [Function: getPingInfo] }</a:t>
             </a:r>
           </a:p>
           <a:p>
@@ -13182,7 +13237,7 @@
         <p:spPr>
           <a:xfrm>
             <a:off x="1287263" y="1790720"/>
-            <a:ext cx="8460420" cy="3139321"/>
+            <a:ext cx="8460420" cy="2308324"/>
           </a:xfrm>
           <a:prstGeom prst="rect">
             <a:avLst/>
@@ -13208,7 +13263,7 @@
                 <a:effectLst/>
                 <a:latin typeface="Consolas" panose="020B0609020204030204" pitchFamily="49" charset="0"/>
               </a:rPr>
-              <a:t>function</a:t>
+              <a:t>const</a:t>
             </a:r>
             <a:r>
               <a:rPr lang="en-US" altLang="ko-KR" b="0">
@@ -13228,7 +13283,7 @@
                 <a:effectLst/>
                 <a:latin typeface="Consolas" panose="020B0609020204030204" pitchFamily="49" charset="0"/>
               </a:rPr>
-              <a:t>getPingInfo</a:t>
+              <a:t>getPingName</a:t>
             </a:r>
             <a:r>
               <a:rPr lang="en-US" altLang="ko-KR" b="0">
@@ -13238,10 +13293,18 @@
                 <a:effectLst/>
                 <a:latin typeface="Consolas" panose="020B0609020204030204" pitchFamily="49" charset="0"/>
               </a:rPr>
-              <a:t>(){</a:t>
-            </a:r>
-          </a:p>
-          <a:p>
+              <a:t> </a:t>
+            </a:r>
+            <a:r>
+              <a:rPr lang="en-US" altLang="ko-KR" b="0">
+                <a:solidFill>
+                  <a:srgbClr val="000000"/>
+                </a:solidFill>
+                <a:effectLst/>
+                <a:latin typeface="Consolas" panose="020B0609020204030204" pitchFamily="49" charset="0"/>
+              </a:rPr>
+              <a:t>=</a:t>
+            </a:r>
             <a:r>
               <a:rPr lang="en-US" altLang="ko-KR" b="0">
                 <a:solidFill>
@@ -13250,6 +13313,38 @@
                 <a:effectLst/>
                 <a:latin typeface="Consolas" panose="020B0609020204030204" pitchFamily="49" charset="0"/>
               </a:rPr>
+              <a:t> () </a:t>
+            </a:r>
+            <a:r>
+              <a:rPr lang="en-US" altLang="ko-KR" b="0">
+                <a:solidFill>
+                  <a:srgbClr val="0000FF"/>
+                </a:solidFill>
+                <a:effectLst/>
+                <a:latin typeface="Consolas" panose="020B0609020204030204" pitchFamily="49" charset="0"/>
+              </a:rPr>
+              <a:t>=&gt;</a:t>
+            </a:r>
+            <a:r>
+              <a:rPr lang="en-US" altLang="ko-KR" b="0">
+                <a:solidFill>
+                  <a:srgbClr val="3B3B3B"/>
+                </a:solidFill>
+                <a:effectLst/>
+                <a:latin typeface="Consolas" panose="020B0609020204030204" pitchFamily="49" charset="0"/>
+              </a:rPr>
+              <a:t> {</a:t>
+            </a:r>
+          </a:p>
+          <a:p>
+            <a:r>
+              <a:rPr lang="en-US" altLang="ko-KR" b="0">
+                <a:solidFill>
+                  <a:srgbClr val="3B3B3B"/>
+                </a:solidFill>
+                <a:effectLst/>
+                <a:latin typeface="Consolas" panose="020B0609020204030204" pitchFamily="49" charset="0"/>
+              </a:rPr>
               <a:t>  </a:t>
             </a:r>
             <a:r>
@@ -13327,11 +13422,85 @@
             <a:r>
               <a:rPr lang="en-US" altLang="ko-KR" b="0">
                 <a:solidFill>
+                  <a:srgbClr val="AF00DB"/>
+                </a:solidFill>
+                <a:effectLst/>
+                <a:latin typeface="Consolas" panose="020B0609020204030204" pitchFamily="49" charset="0"/>
+              </a:rPr>
+              <a:t>return</a:t>
+            </a:r>
+            <a:r>
+              <a:rPr lang="en-US" altLang="ko-KR" b="0">
+                <a:solidFill>
+                  <a:srgbClr val="3B3B3B"/>
+                </a:solidFill>
+                <a:effectLst/>
+                <a:latin typeface="Consolas" panose="020B0609020204030204" pitchFamily="49" charset="0"/>
+              </a:rPr>
+              <a:t> </a:t>
+            </a:r>
+            <a:r>
+              <a:rPr lang="en-US" altLang="ko-KR" b="0">
+                <a:solidFill>
                   <a:srgbClr val="0000FF"/>
                 </a:solidFill>
                 <a:effectLst/>
                 <a:latin typeface="Consolas" panose="020B0609020204030204" pitchFamily="49" charset="0"/>
               </a:rPr>
+              <a:t>this</a:t>
+            </a:r>
+            <a:r>
+              <a:rPr lang="en-US" altLang="ko-KR" b="0">
+                <a:solidFill>
+                  <a:srgbClr val="3B3B3B"/>
+                </a:solidFill>
+                <a:effectLst/>
+                <a:latin typeface="Consolas" panose="020B0609020204030204" pitchFamily="49" charset="0"/>
+              </a:rPr>
+              <a:t>.</a:t>
+            </a:r>
+            <a:r>
+              <a:rPr lang="en-US" altLang="ko-KR" b="0">
+                <a:solidFill>
+                  <a:srgbClr val="001080"/>
+                </a:solidFill>
+                <a:effectLst/>
+                <a:latin typeface="Consolas" panose="020B0609020204030204" pitchFamily="49" charset="0"/>
+              </a:rPr>
+              <a:t>name</a:t>
+            </a:r>
+            <a:r>
+              <a:rPr lang="en-US" altLang="ko-KR" b="0">
+                <a:solidFill>
+                  <a:srgbClr val="3B3B3B"/>
+                </a:solidFill>
+                <a:effectLst/>
+                <a:latin typeface="Consolas" panose="020B0609020204030204" pitchFamily="49" charset="0"/>
+              </a:rPr>
+              <a:t>;</a:t>
+            </a:r>
+          </a:p>
+          <a:p>
+            <a:r>
+              <a:rPr lang="en-US" altLang="ko-KR" b="0">
+                <a:solidFill>
+                  <a:srgbClr val="3B3B3B"/>
+                </a:solidFill>
+                <a:effectLst/>
+                <a:latin typeface="Consolas" panose="020B0609020204030204" pitchFamily="49" charset="0"/>
+              </a:rPr>
+              <a:t>};</a:t>
+            </a:r>
+          </a:p>
+          <a:p>
+            <a:r>
+              <a:rPr lang="en-US" altLang="ko-KR" b="0">
+                <a:solidFill>
+                  <a:srgbClr val="0000FF"/>
+                </a:solidFill>
+                <a:effectLst/>
+                <a:latin typeface="Consolas" panose="020B0609020204030204" pitchFamily="49" charset="0"/>
+              </a:rPr>
               <a:t>const</a:t>
             </a:r>
             <a:r>
@@ -13347,6 +13516,146 @@
             <a:r>
               <a:rPr lang="en-US" altLang="ko-KR" b="0">
                 <a:solidFill>
+                  <a:srgbClr val="0070C1"/>
+                </a:solidFill>
+                <a:effectLst/>
+                <a:latin typeface="Consolas" panose="020B0609020204030204" pitchFamily="49" charset="0"/>
+              </a:rPr>
+              <a:t>ping1</a:t>
+            </a:r>
+            <a:r>
+              <a:rPr lang="en-US" altLang="ko-KR" b="0">
+                <a:solidFill>
+                  <a:srgbClr val="3B3B3B"/>
+                </a:solidFill>
+                <a:effectLst/>
+                <a:latin typeface="Consolas" panose="020B0609020204030204" pitchFamily="49" charset="0"/>
+              </a:rPr>
+              <a:t> </a:t>
+            </a:r>
+            <a:r>
+              <a:rPr lang="en-US" altLang="ko-KR" b="0">
+                <a:solidFill>
+                  <a:srgbClr val="000000"/>
+                </a:solidFill>
+                <a:effectLst/>
+                <a:latin typeface="Consolas" panose="020B0609020204030204" pitchFamily="49" charset="0"/>
+              </a:rPr>
+              <a:t>=</a:t>
+            </a:r>
+            <a:r>
+              <a:rPr lang="en-US" altLang="ko-KR" b="0">
+                <a:solidFill>
+                  <a:srgbClr val="3B3B3B"/>
+                </a:solidFill>
+                <a:effectLst/>
+                <a:latin typeface="Consolas" panose="020B0609020204030204" pitchFamily="49" charset="0"/>
+              </a:rPr>
+              <a:t> { </a:t>
+            </a:r>
+            <a:r>
+              <a:rPr lang="en-US" altLang="ko-KR" b="0">
+                <a:solidFill>
+                  <a:srgbClr val="001080"/>
+                </a:solidFill>
+                <a:effectLst/>
+                <a:latin typeface="Consolas" panose="020B0609020204030204" pitchFamily="49" charset="0"/>
+              </a:rPr>
+              <a:t>name:</a:t>
+            </a:r>
+            <a:r>
+              <a:rPr lang="en-US" altLang="ko-KR" b="0">
+                <a:solidFill>
+                  <a:srgbClr val="3B3B3B"/>
+                </a:solidFill>
+                <a:effectLst/>
+                <a:latin typeface="Consolas" panose="020B0609020204030204" pitchFamily="49" charset="0"/>
+              </a:rPr>
+              <a:t> </a:t>
+            </a:r>
+            <a:r>
+              <a:rPr lang="en-US" altLang="ko-KR" b="0">
+                <a:solidFill>
+                  <a:srgbClr val="A31515"/>
+                </a:solidFill>
+                <a:effectLst/>
+                <a:latin typeface="Consolas" panose="020B0609020204030204" pitchFamily="49" charset="0"/>
+              </a:rPr>
+              <a:t>'</a:t>
+            </a:r>
+            <a:r>
+              <a:rPr lang="ko-KR" altLang="en-US" b="0">
+                <a:solidFill>
+                  <a:srgbClr val="A31515"/>
+                </a:solidFill>
+                <a:effectLst/>
+                <a:latin typeface="Consolas" panose="020B0609020204030204" pitchFamily="49" charset="0"/>
+              </a:rPr>
+              <a:t>바로핑</a:t>
+            </a:r>
+            <a:r>
+              <a:rPr lang="en-US" altLang="ko-KR" b="0">
+                <a:solidFill>
+                  <a:srgbClr val="A31515"/>
+                </a:solidFill>
+                <a:effectLst/>
+                <a:latin typeface="Consolas" panose="020B0609020204030204" pitchFamily="49" charset="0"/>
+              </a:rPr>
+              <a:t>'</a:t>
+            </a:r>
+            <a:r>
+              <a:rPr lang="en-US" altLang="ko-KR" b="0">
+                <a:solidFill>
+                  <a:srgbClr val="3B3B3B"/>
+                </a:solidFill>
+                <a:effectLst/>
+                <a:latin typeface="Consolas" panose="020B0609020204030204" pitchFamily="49" charset="0"/>
+              </a:rPr>
+              <a:t>, </a:t>
+            </a:r>
+            <a:r>
+              <a:rPr lang="en-US" altLang="ko-KR" b="0">
+                <a:solidFill>
+                  <a:srgbClr val="001080"/>
+                </a:solidFill>
+                <a:effectLst/>
+                <a:latin typeface="Consolas" panose="020B0609020204030204" pitchFamily="49" charset="0"/>
+              </a:rPr>
+              <a:t>age:</a:t>
+            </a:r>
+            <a:r>
+              <a:rPr lang="en-US" altLang="ko-KR" b="0">
+                <a:solidFill>
+                  <a:srgbClr val="3B3B3B"/>
+                </a:solidFill>
+                <a:effectLst/>
+                <a:latin typeface="Consolas" panose="020B0609020204030204" pitchFamily="49" charset="0"/>
+              </a:rPr>
+              <a:t> </a:t>
+            </a:r>
+            <a:r>
+              <a:rPr lang="en-US" altLang="ko-KR" b="0">
+                <a:solidFill>
+                  <a:srgbClr val="098658"/>
+                </a:solidFill>
+                <a:effectLst/>
+                <a:latin typeface="Consolas" panose="020B0609020204030204" pitchFamily="49" charset="0"/>
+              </a:rPr>
+              <a:t>11</a:t>
+            </a:r>
+            <a:r>
+              <a:rPr lang="en-US" altLang="ko-KR" b="0">
+                <a:solidFill>
+                  <a:srgbClr val="3B3B3B"/>
+                </a:solidFill>
+                <a:effectLst/>
+                <a:latin typeface="Consolas" panose="020B0609020204030204" pitchFamily="49" charset="0"/>
+              </a:rPr>
+              <a:t>, </a:t>
+            </a:r>
+            <a:r>
+              <a:rPr lang="en-US" altLang="ko-KR" b="0">
+                <a:solidFill>
                   <a:srgbClr val="795E26"/>
                 </a:solidFill>
                 <a:effectLst/>
@@ -13357,6 +13666,16 @@
             <a:r>
               <a:rPr lang="en-US" altLang="ko-KR" b="0">
                 <a:solidFill>
+                  <a:srgbClr val="001080"/>
+                </a:solidFill>
+                <a:effectLst/>
+                <a:latin typeface="Consolas" panose="020B0609020204030204" pitchFamily="49" charset="0"/>
+              </a:rPr>
+              <a:t>:</a:t>
+            </a:r>
+            <a:r>
+              <a:rPr lang="en-US" altLang="ko-KR" b="0">
+                <a:solidFill>
                   <a:srgbClr val="3B3B3B"/>
                 </a:solidFill>
                 <a:effectLst/>
@@ -13367,6 +13686,68 @@
             <a:r>
               <a:rPr lang="en-US" altLang="ko-KR" b="0">
                 <a:solidFill>
+                  <a:srgbClr val="795E26"/>
+                </a:solidFill>
+                <a:effectLst/>
+                <a:latin typeface="Consolas" panose="020B0609020204030204" pitchFamily="49" charset="0"/>
+              </a:rPr>
+              <a:t>getPingName</a:t>
+            </a:r>
+            <a:r>
+              <a:rPr lang="en-US" altLang="ko-KR" b="0">
+                <a:solidFill>
+                  <a:srgbClr val="3B3B3B"/>
+                </a:solidFill>
+                <a:effectLst/>
+                <a:latin typeface="Consolas" panose="020B0609020204030204" pitchFamily="49" charset="0"/>
+              </a:rPr>
+              <a:t> };</a:t>
+            </a:r>
+          </a:p>
+          <a:p>
+            <a:r>
+              <a:rPr lang="en-US" altLang="ko-KR" b="0">
+                <a:solidFill>
+                  <a:srgbClr val="0000FF"/>
+                </a:solidFill>
+                <a:effectLst/>
+                <a:latin typeface="Consolas" panose="020B0609020204030204" pitchFamily="49" charset="0"/>
+              </a:rPr>
+              <a:t>const</a:t>
+            </a:r>
+            <a:r>
+              <a:rPr lang="en-US" altLang="ko-KR" b="0">
+                <a:solidFill>
+                  <a:srgbClr val="3B3B3B"/>
+                </a:solidFill>
+                <a:effectLst/>
+                <a:latin typeface="Consolas" panose="020B0609020204030204" pitchFamily="49" charset="0"/>
+              </a:rPr>
+              <a:t> </a:t>
+            </a:r>
+            <a:r>
+              <a:rPr lang="en-US" altLang="ko-KR" b="0">
+                <a:solidFill>
+                  <a:srgbClr val="0070C1"/>
+                </a:solidFill>
+                <a:effectLst/>
+                <a:latin typeface="Consolas" panose="020B0609020204030204" pitchFamily="49" charset="0"/>
+              </a:rPr>
+              <a:t>ping2</a:t>
+            </a:r>
+            <a:r>
+              <a:rPr lang="en-US" altLang="ko-KR" b="0">
+                <a:solidFill>
+                  <a:srgbClr val="3B3B3B"/>
+                </a:solidFill>
+                <a:effectLst/>
+                <a:latin typeface="Consolas" panose="020B0609020204030204" pitchFamily="49" charset="0"/>
+              </a:rPr>
+              <a:t> </a:t>
+            </a:r>
+            <a:r>
+              <a:rPr lang="en-US" altLang="ko-KR" b="0">
+                <a:solidFill>
                   <a:srgbClr val="000000"/>
                 </a:solidFill>
                 <a:effectLst/>
@@ -13382,17 +13763,57 @@
                 <a:effectLst/>
                 <a:latin typeface="Consolas" panose="020B0609020204030204" pitchFamily="49" charset="0"/>
               </a:rPr>
+              <a:t> { </a:t>
+            </a:r>
+            <a:r>
+              <a:rPr lang="en-US" altLang="ko-KR" b="0">
+                <a:solidFill>
+                  <a:srgbClr val="001080"/>
+                </a:solidFill>
+                <a:effectLst/>
+                <a:latin typeface="Consolas" panose="020B0609020204030204" pitchFamily="49" charset="0"/>
+              </a:rPr>
+              <a:t>name:</a:t>
+            </a:r>
+            <a:r>
+              <a:rPr lang="en-US" altLang="ko-KR" b="0">
+                <a:solidFill>
+                  <a:srgbClr val="3B3B3B"/>
+                </a:solidFill>
+                <a:effectLst/>
+                <a:latin typeface="Consolas" panose="020B0609020204030204" pitchFamily="49" charset="0"/>
+              </a:rPr>
               <a:t> </a:t>
             </a:r>
             <a:r>
               <a:rPr lang="en-US" altLang="ko-KR" b="0">
                 <a:solidFill>
-                  <a:srgbClr val="0000FF"/>
-                </a:solidFill>
-                <a:effectLst/>
-                <a:latin typeface="Consolas" panose="020B0609020204030204" pitchFamily="49" charset="0"/>
-              </a:rPr>
-              <a:t>function</a:t>
+                  <a:srgbClr val="A31515"/>
+                </a:solidFill>
+                <a:effectLst/>
+                <a:latin typeface="Consolas" panose="020B0609020204030204" pitchFamily="49" charset="0"/>
+              </a:rPr>
+              <a:t>'</a:t>
+            </a:r>
+            <a:r>
+              <a:rPr lang="ko-KR" altLang="en-US" b="0">
+                <a:solidFill>
+                  <a:srgbClr val="A31515"/>
+                </a:solidFill>
+                <a:effectLst/>
+                <a:latin typeface="Consolas" panose="020B0609020204030204" pitchFamily="49" charset="0"/>
+              </a:rPr>
+              <a:t>라라핑</a:t>
+            </a:r>
+            <a:r>
+              <a:rPr lang="en-US" altLang="ko-KR" b="0">
+                <a:solidFill>
+                  <a:srgbClr val="A31515"/>
+                </a:solidFill>
+                <a:effectLst/>
+                <a:latin typeface="Consolas" panose="020B0609020204030204" pitchFamily="49" charset="0"/>
+              </a:rPr>
+              <a:t>'</a:t>
             </a:r>
             <a:r>
               <a:rPr lang="en-US" altLang="ko-KR" b="0">
@@ -13402,10 +13823,18 @@
                 <a:effectLst/>
                 <a:latin typeface="Consolas" panose="020B0609020204030204" pitchFamily="49" charset="0"/>
               </a:rPr>
-              <a:t>() {</a:t>
-            </a:r>
-          </a:p>
-          <a:p>
+              <a:t>, </a:t>
+            </a:r>
+            <a:r>
+              <a:rPr lang="en-US" altLang="ko-KR" b="0">
+                <a:solidFill>
+                  <a:srgbClr val="001080"/>
+                </a:solidFill>
+                <a:effectLst/>
+                <a:latin typeface="Consolas" panose="020B0609020204030204" pitchFamily="49" charset="0"/>
+              </a:rPr>
+              <a:t>age:</a:t>
+            </a:r>
             <a:r>
               <a:rPr lang="en-US" altLang="ko-KR" b="0">
                 <a:solidFill>
@@ -13414,17 +13843,17 @@
                 <a:effectLst/>
                 <a:latin typeface="Consolas" panose="020B0609020204030204" pitchFamily="49" charset="0"/>
               </a:rPr>
-              <a:t>    </a:t>
-            </a:r>
-            <a:r>
-              <a:rPr lang="en-US" altLang="ko-KR" b="0">
-                <a:solidFill>
-                  <a:srgbClr val="AF00DB"/>
-                </a:solidFill>
-                <a:effectLst/>
-                <a:latin typeface="Consolas" panose="020B0609020204030204" pitchFamily="49" charset="0"/>
-              </a:rPr>
-              <a:t>return</a:t>
+              <a:t> </a:t>
+            </a:r>
+            <a:r>
+              <a:rPr lang="en-US" altLang="ko-KR" b="0">
+                <a:solidFill>
+                  <a:srgbClr val="098658"/>
+                </a:solidFill>
+                <a:effectLst/>
+                <a:latin typeface="Consolas" panose="020B0609020204030204" pitchFamily="49" charset="0"/>
+              </a:rPr>
+              <a:t>9</a:t>
             </a:r>
             <a:r>
               <a:rPr lang="en-US" altLang="ko-KR" b="0">
@@ -13434,23 +13863,84 @@
                 <a:effectLst/>
                 <a:latin typeface="Consolas" panose="020B0609020204030204" pitchFamily="49" charset="0"/>
               </a:rPr>
+              <a:t>, </a:t>
+            </a:r>
+            <a:r>
+              <a:rPr lang="en-US" altLang="ko-KR" b="0">
+                <a:solidFill>
+                  <a:srgbClr val="795E26"/>
+                </a:solidFill>
+                <a:effectLst/>
+                <a:latin typeface="Consolas" panose="020B0609020204030204" pitchFamily="49" charset="0"/>
+              </a:rPr>
+              <a:t>getName</a:t>
+            </a:r>
+            <a:r>
+              <a:rPr lang="en-US" altLang="ko-KR" b="0">
+                <a:solidFill>
+                  <a:srgbClr val="001080"/>
+                </a:solidFill>
+                <a:effectLst/>
+                <a:latin typeface="Consolas" panose="020B0609020204030204" pitchFamily="49" charset="0"/>
+              </a:rPr>
+              <a:t>:</a:t>
+            </a:r>
+            <a:r>
+              <a:rPr lang="en-US" altLang="ko-KR" b="0">
+                <a:solidFill>
+                  <a:srgbClr val="3B3B3B"/>
+                </a:solidFill>
+                <a:effectLst/>
+                <a:latin typeface="Consolas" panose="020B0609020204030204" pitchFamily="49" charset="0"/>
+              </a:rPr>
               <a:t> </a:t>
             </a:r>
             <a:r>
               <a:rPr lang="en-US" altLang="ko-KR" b="0">
                 <a:solidFill>
-                  <a:srgbClr val="0000FF"/>
-                </a:solidFill>
-                <a:effectLst/>
-                <a:latin typeface="Consolas" panose="020B0609020204030204" pitchFamily="49" charset="0"/>
-              </a:rPr>
-              <a:t>this</a:t>
-            </a:r>
-            <a:r>
-              <a:rPr lang="en-US" altLang="ko-KR" b="0">
+                  <a:srgbClr val="795E26"/>
+                </a:solidFill>
+                <a:effectLst/>
+                <a:latin typeface="Consolas" panose="020B0609020204030204" pitchFamily="49" charset="0"/>
+              </a:rPr>
+              <a:t>getPingName</a:t>
+            </a:r>
+            <a:r>
+              <a:rPr lang="en-US" altLang="ko-KR">
                 <a:solidFill>
                   <a:srgbClr val="3B3B3B"/>
                 </a:solidFill>
+                <a:latin typeface="Consolas" panose="020B0609020204030204" pitchFamily="49" charset="0"/>
+              </a:rPr>
+              <a:t> </a:t>
+            </a:r>
+            <a:r>
+              <a:rPr lang="en-US" altLang="ko-KR" b="0">
+                <a:solidFill>
+                  <a:srgbClr val="3B3B3B"/>
+                </a:solidFill>
+                <a:effectLst/>
+                <a:latin typeface="Consolas" panose="020B0609020204030204" pitchFamily="49" charset="0"/>
+              </a:rPr>
+              <a:t>};</a:t>
+            </a:r>
+          </a:p>
+          <a:p>
+            <a:r>
+              <a:rPr lang="en-US" altLang="ko-KR" b="0">
+                <a:solidFill>
+                  <a:srgbClr val="001080"/>
+                </a:solidFill>
+                <a:effectLst/>
+                <a:latin typeface="Consolas" panose="020B0609020204030204" pitchFamily="49" charset="0"/>
+              </a:rPr>
+              <a:t>console</a:t>
+            </a:r>
+            <a:r>
+              <a:rPr lang="en-US" altLang="ko-KR" b="0">
+                <a:solidFill>
+                  <a:srgbClr val="3B3B3B"/>
+                </a:solidFill>
                 <a:effectLst/>
                 <a:latin typeface="Consolas" panose="020B0609020204030204" pitchFamily="49" charset="0"/>
               </a:rPr>
@@ -13459,12 +13949,52 @@
             <a:r>
               <a:rPr lang="en-US" altLang="ko-KR" b="0">
                 <a:solidFill>
+                  <a:srgbClr val="795E26"/>
+                </a:solidFill>
+                <a:effectLst/>
+                <a:latin typeface="Consolas" panose="020B0609020204030204" pitchFamily="49" charset="0"/>
+              </a:rPr>
+              <a:t>log</a:t>
+            </a:r>
+            <a:r>
+              <a:rPr lang="en-US" altLang="ko-KR" b="0">
+                <a:solidFill>
+                  <a:srgbClr val="3B3B3B"/>
+                </a:solidFill>
+                <a:effectLst/>
+                <a:latin typeface="Consolas" panose="020B0609020204030204" pitchFamily="49" charset="0"/>
+              </a:rPr>
+              <a:t>(</a:t>
+            </a:r>
+            <a:r>
+              <a:rPr lang="en-US" altLang="ko-KR" b="0">
+                <a:solidFill>
+                  <a:srgbClr val="0070C1"/>
+                </a:solidFill>
+                <a:effectLst/>
+                <a:latin typeface="Consolas" panose="020B0609020204030204" pitchFamily="49" charset="0"/>
+              </a:rPr>
+              <a:t>baro</a:t>
+            </a:r>
+            <a:r>
+              <a:rPr lang="en-US" altLang="ko-KR" b="0">
+                <a:solidFill>
+                  <a:srgbClr val="3B3B3B"/>
+                </a:solidFill>
+                <a:effectLst/>
+                <a:latin typeface="Consolas" panose="020B0609020204030204" pitchFamily="49" charset="0"/>
+              </a:rPr>
+              <a:t>.</a:t>
+            </a:r>
+            <a:r>
+              <a:rPr lang="en-US" altLang="ko-KR" b="0">
+                <a:solidFill>
                   <a:srgbClr val="001080"/>
                 </a:solidFill>
                 <a:effectLst/>
                 <a:latin typeface="Consolas" panose="020B0609020204030204" pitchFamily="49" charset="0"/>
               </a:rPr>
-              <a:t>name</a:t>
+              <a:t>age</a:t>
             </a:r>
             <a:r>
               <a:rPr lang="en-US" altLang="ko-KR" b="0">
@@ -13474,27 +14004,18 @@
                 <a:effectLst/>
                 <a:latin typeface="Consolas" panose="020B0609020204030204" pitchFamily="49" charset="0"/>
               </a:rPr>
-              <a:t>; </a:t>
-            </a:r>
-            <a:r>
-              <a:rPr lang="en-US" altLang="ko-KR" b="0">
-                <a:solidFill>
-                  <a:srgbClr val="008000"/>
-                </a:solidFill>
-                <a:effectLst/>
-                <a:latin typeface="Consolas" panose="020B0609020204030204" pitchFamily="49" charset="0"/>
-              </a:rPr>
-              <a:t>// window.name</a:t>
-            </a:r>
-            <a:endParaRPr lang="en-US" altLang="ko-KR" b="0">
-              <a:solidFill>
-                <a:srgbClr val="3B3B3B"/>
-              </a:solidFill>
-              <a:effectLst/>
-              <a:latin typeface="Consolas" panose="020B0609020204030204" pitchFamily="49" charset="0"/>
-            </a:endParaRPr>
-          </a:p>
-          <a:p>
+              <a:t>, </a:t>
+            </a:r>
+            <a:r>
+              <a:rPr lang="en-US" altLang="ko-KR" b="0">
+                <a:solidFill>
+                  <a:srgbClr val="0070C1"/>
+                </a:solidFill>
+                <a:effectLst/>
+                <a:latin typeface="Consolas" panose="020B0609020204030204" pitchFamily="49" charset="0"/>
+              </a:rPr>
+              <a:t>baro</a:t>
+            </a:r>
             <a:r>
               <a:rPr lang="en-US" altLang="ko-KR" b="0">
                 <a:solidFill>
@@ -13503,10 +14024,18 @@
                 <a:effectLst/>
                 <a:latin typeface="Consolas" panose="020B0609020204030204" pitchFamily="49" charset="0"/>
               </a:rPr>
-              <a:t>  }</a:t>
-            </a:r>
-          </a:p>
-          <a:p>
+              <a:t>.</a:t>
+            </a:r>
+            <a:r>
+              <a:rPr lang="en-US" altLang="ko-KR" b="0">
+                <a:solidFill>
+                  <a:srgbClr val="795E26"/>
+                </a:solidFill>
+                <a:effectLst/>
+                <a:latin typeface="Consolas" panose="020B0609020204030204" pitchFamily="49" charset="0"/>
+              </a:rPr>
+              <a:t>getName</a:t>
+            </a:r>
             <a:r>
               <a:rPr lang="en-US" altLang="ko-KR" b="0">
                 <a:solidFill>
@@ -13515,17 +14044,19 @@
                 <a:effectLst/>
                 <a:latin typeface="Consolas" panose="020B0609020204030204" pitchFamily="49" charset="0"/>
               </a:rPr>
-              <a:t>  </a:t>
-            </a:r>
-            <a:r>
-              <a:rPr lang="en-US" altLang="ko-KR" b="0">
-                <a:solidFill>
-                  <a:srgbClr val="AF00DB"/>
-                </a:solidFill>
-                <a:effectLst/>
-                <a:latin typeface="Consolas" panose="020B0609020204030204" pitchFamily="49" charset="0"/>
-              </a:rPr>
-              <a:t>return</a:t>
+              <a:t>());</a:t>
+            </a:r>
+          </a:p>
+          <a:p>
+            <a:r>
+              <a:rPr lang="en-US" altLang="ko-KR" b="0">
+                <a:solidFill>
+                  <a:srgbClr val="001080"/>
+                </a:solidFill>
+                <a:effectLst/>
+                <a:latin typeface="Consolas" panose="020B0609020204030204" pitchFamily="49" charset="0"/>
+              </a:rPr>
+              <a:t>console</a:t>
             </a:r>
             <a:r>
               <a:rPr lang="en-US" altLang="ko-KR" b="0">
@@ -13535,27 +14066,7 @@
                 <a:effectLst/>
                 <a:latin typeface="Consolas" panose="020B0609020204030204" pitchFamily="49" charset="0"/>
               </a:rPr>
-              <a:t> </a:t>
-            </a:r>
-            <a:r>
-              <a:rPr lang="en-US" altLang="ko-KR" b="0">
-                <a:solidFill>
-                  <a:srgbClr val="A31515"/>
-                </a:solidFill>
-                <a:effectLst/>
-                <a:latin typeface="Consolas" panose="020B0609020204030204" pitchFamily="49" charset="0"/>
-              </a:rPr>
-              <a:t>`</a:t>
-            </a:r>
-            <a:r>
-              <a:rPr lang="en-US" altLang="ko-KR" b="0">
-                <a:solidFill>
-                  <a:srgbClr val="0000FF"/>
-                </a:solidFill>
-                <a:effectLst/>
-                <a:latin typeface="Consolas" panose="020B0609020204030204" pitchFamily="49" charset="0"/>
-              </a:rPr>
-              <a:t>${</a:t>
+              <a:t>.</a:t>
             </a:r>
             <a:r>
               <a:rPr lang="en-US" altLang="ko-KR" b="0">
@@ -13565,707 +14076,87 @@
                 <a:effectLst/>
                 <a:latin typeface="Consolas" panose="020B0609020204030204" pitchFamily="49" charset="0"/>
               </a:rPr>
+              <a:t>log</a:t>
+            </a:r>
+            <a:r>
+              <a:rPr lang="en-US" altLang="ko-KR" b="0">
+                <a:solidFill>
+                  <a:srgbClr val="3B3B3B"/>
+                </a:solidFill>
+                <a:effectLst/>
+                <a:latin typeface="Consolas" panose="020B0609020204030204" pitchFamily="49" charset="0"/>
+              </a:rPr>
+              <a:t>(</a:t>
+            </a:r>
+            <a:r>
+              <a:rPr lang="en-US" altLang="ko-KR" b="0">
+                <a:solidFill>
+                  <a:srgbClr val="0070C1"/>
+                </a:solidFill>
+                <a:effectLst/>
+                <a:latin typeface="Consolas" panose="020B0609020204030204" pitchFamily="49" charset="0"/>
+              </a:rPr>
+              <a:t>rara</a:t>
+            </a:r>
+            <a:r>
+              <a:rPr lang="en-US" altLang="ko-KR" b="0">
+                <a:solidFill>
+                  <a:srgbClr val="3B3B3B"/>
+                </a:solidFill>
+                <a:effectLst/>
+                <a:latin typeface="Consolas" panose="020B0609020204030204" pitchFamily="49" charset="0"/>
+              </a:rPr>
+              <a:t>.</a:t>
+            </a:r>
+            <a:r>
+              <a:rPr lang="en-US" altLang="ko-KR" b="0">
+                <a:solidFill>
+                  <a:srgbClr val="001080"/>
+                </a:solidFill>
+                <a:effectLst/>
+                <a:latin typeface="Consolas" panose="020B0609020204030204" pitchFamily="49" charset="0"/>
+              </a:rPr>
+              <a:t>age</a:t>
+            </a:r>
+            <a:r>
+              <a:rPr lang="en-US" altLang="ko-KR" b="0">
+                <a:solidFill>
+                  <a:srgbClr val="3B3B3B"/>
+                </a:solidFill>
+                <a:effectLst/>
+                <a:latin typeface="Consolas" panose="020B0609020204030204" pitchFamily="49" charset="0"/>
+              </a:rPr>
+              <a:t>, </a:t>
+            </a:r>
+            <a:r>
+              <a:rPr lang="en-US" altLang="ko-KR" b="0">
+                <a:solidFill>
+                  <a:srgbClr val="0070C1"/>
+                </a:solidFill>
+                <a:effectLst/>
+                <a:latin typeface="Consolas" panose="020B0609020204030204" pitchFamily="49" charset="0"/>
+              </a:rPr>
+              <a:t>rara</a:t>
+            </a:r>
+            <a:r>
+              <a:rPr lang="en-US" altLang="ko-KR" b="0">
+                <a:solidFill>
+                  <a:srgbClr val="3B3B3B"/>
+                </a:solidFill>
+                <a:effectLst/>
+                <a:latin typeface="Consolas" panose="020B0609020204030204" pitchFamily="49" charset="0"/>
+              </a:rPr>
+              <a:t>.</a:t>
+            </a:r>
+            <a:r>
+              <a:rPr lang="en-US" altLang="ko-KR" b="0">
+                <a:solidFill>
+                  <a:srgbClr val="795E26"/>
+                </a:solidFill>
+                <a:effectLst/>
+                <a:latin typeface="Consolas" panose="020B0609020204030204" pitchFamily="49" charset="0"/>
+              </a:rPr>
               <a:t>getName</a:t>
-            </a:r>
-            <a:r>
-              <a:rPr lang="en-US" altLang="ko-KR" b="0">
-                <a:solidFill>
-                  <a:srgbClr val="000000"/>
-                </a:solidFill>
-                <a:effectLst/>
-                <a:latin typeface="Consolas" panose="020B0609020204030204" pitchFamily="49" charset="0"/>
-              </a:rPr>
-              <a:t>()</a:t>
-            </a:r>
-            <a:r>
-              <a:rPr lang="en-US" altLang="ko-KR" b="0">
-                <a:solidFill>
-                  <a:srgbClr val="0000FF"/>
-                </a:solidFill>
-                <a:effectLst/>
-                <a:latin typeface="Consolas" panose="020B0609020204030204" pitchFamily="49" charset="0"/>
-              </a:rPr>
-              <a:t>}</a:t>
-            </a:r>
-            <a:r>
-              <a:rPr lang="ko-KR" altLang="en-US" b="0">
-                <a:solidFill>
-                  <a:srgbClr val="A31515"/>
-                </a:solidFill>
-                <a:effectLst/>
-                <a:latin typeface="Consolas" panose="020B0609020204030204" pitchFamily="49" charset="0"/>
-              </a:rPr>
-              <a:t>은 </a:t>
-            </a:r>
-            <a:r>
-              <a:rPr lang="en-US" altLang="ko-KR" b="0">
-                <a:solidFill>
-                  <a:srgbClr val="0000FF"/>
-                </a:solidFill>
-                <a:effectLst/>
-                <a:latin typeface="Consolas" panose="020B0609020204030204" pitchFamily="49" charset="0"/>
-              </a:rPr>
-              <a:t>${this</a:t>
-            </a:r>
-            <a:r>
-              <a:rPr lang="en-US" altLang="ko-KR" b="0">
-                <a:solidFill>
-                  <a:srgbClr val="000000"/>
-                </a:solidFill>
-                <a:effectLst/>
-                <a:latin typeface="Consolas" panose="020B0609020204030204" pitchFamily="49" charset="0"/>
-              </a:rPr>
-              <a:t>.</a:t>
-            </a:r>
-            <a:r>
-              <a:rPr lang="en-US" altLang="ko-KR" b="0">
-                <a:solidFill>
-                  <a:srgbClr val="001080"/>
-                </a:solidFill>
-                <a:effectLst/>
-                <a:latin typeface="Consolas" panose="020B0609020204030204" pitchFamily="49" charset="0"/>
-              </a:rPr>
-              <a:t>age</a:t>
-            </a:r>
-            <a:r>
-              <a:rPr lang="en-US" altLang="ko-KR" b="0">
-                <a:solidFill>
-                  <a:srgbClr val="0000FF"/>
-                </a:solidFill>
-                <a:effectLst/>
-                <a:latin typeface="Consolas" panose="020B0609020204030204" pitchFamily="49" charset="0"/>
-              </a:rPr>
-              <a:t>}</a:t>
-            </a:r>
-            <a:r>
-              <a:rPr lang="en-US" altLang="ko-KR" b="0">
-                <a:solidFill>
-                  <a:srgbClr val="A31515"/>
-                </a:solidFill>
-                <a:effectLst/>
-                <a:latin typeface="Consolas" panose="020B0609020204030204" pitchFamily="49" charset="0"/>
-              </a:rPr>
-              <a:t> </a:t>
-            </a:r>
-            <a:r>
-              <a:rPr lang="ko-KR" altLang="en-US" b="0">
-                <a:solidFill>
-                  <a:srgbClr val="A31515"/>
-                </a:solidFill>
-                <a:effectLst/>
-                <a:latin typeface="Consolas" panose="020B0609020204030204" pitchFamily="49" charset="0"/>
-              </a:rPr>
-              <a:t>살 입니다</a:t>
-            </a:r>
-            <a:r>
-              <a:rPr lang="en-US" altLang="ko-KR" b="0">
-                <a:solidFill>
-                  <a:srgbClr val="A31515"/>
-                </a:solidFill>
-                <a:effectLst/>
-                <a:latin typeface="Consolas" panose="020B0609020204030204" pitchFamily="49" charset="0"/>
-              </a:rPr>
-              <a:t>.`</a:t>
-            </a:r>
-            <a:r>
-              <a:rPr lang="en-US" altLang="ko-KR" b="0">
-                <a:solidFill>
-                  <a:srgbClr val="3B3B3B"/>
-                </a:solidFill>
-                <a:effectLst/>
-                <a:latin typeface="Consolas" panose="020B0609020204030204" pitchFamily="49" charset="0"/>
-              </a:rPr>
-              <a:t>;</a:t>
-            </a:r>
-          </a:p>
-          <a:p>
-            <a:r>
-              <a:rPr lang="en-US" altLang="ko-KR" b="0">
-                <a:solidFill>
-                  <a:srgbClr val="3B3B3B"/>
-                </a:solidFill>
-                <a:effectLst/>
-                <a:latin typeface="Consolas" panose="020B0609020204030204" pitchFamily="49" charset="0"/>
-              </a:rPr>
-              <a:t>};</a:t>
-            </a:r>
-          </a:p>
-          <a:p>
-            <a:r>
-              <a:rPr lang="en-US" altLang="ko-KR" b="0">
-                <a:solidFill>
-                  <a:srgbClr val="0000FF"/>
-                </a:solidFill>
-                <a:effectLst/>
-                <a:latin typeface="Consolas" panose="020B0609020204030204" pitchFamily="49" charset="0"/>
-              </a:rPr>
-              <a:t>const</a:t>
-            </a:r>
-            <a:r>
-              <a:rPr lang="en-US" altLang="ko-KR" b="0">
-                <a:solidFill>
-                  <a:srgbClr val="3B3B3B"/>
-                </a:solidFill>
-                <a:effectLst/>
-                <a:latin typeface="Consolas" panose="020B0609020204030204" pitchFamily="49" charset="0"/>
-              </a:rPr>
-              <a:t> </a:t>
-            </a:r>
-            <a:r>
-              <a:rPr lang="en-US" altLang="ko-KR" b="0">
-                <a:solidFill>
-                  <a:srgbClr val="0070C1"/>
-                </a:solidFill>
-                <a:effectLst/>
-                <a:latin typeface="Consolas" panose="020B0609020204030204" pitchFamily="49" charset="0"/>
-              </a:rPr>
-              <a:t>ping1</a:t>
-            </a:r>
-            <a:r>
-              <a:rPr lang="en-US" altLang="ko-KR" b="0">
-                <a:solidFill>
-                  <a:srgbClr val="3B3B3B"/>
-                </a:solidFill>
-                <a:effectLst/>
-                <a:latin typeface="Consolas" panose="020B0609020204030204" pitchFamily="49" charset="0"/>
-              </a:rPr>
-              <a:t> </a:t>
-            </a:r>
-            <a:r>
-              <a:rPr lang="en-US" altLang="ko-KR" b="0">
-                <a:solidFill>
-                  <a:srgbClr val="000000"/>
-                </a:solidFill>
-                <a:effectLst/>
-                <a:latin typeface="Consolas" panose="020B0609020204030204" pitchFamily="49" charset="0"/>
-              </a:rPr>
-              <a:t>=</a:t>
-            </a:r>
-            <a:r>
-              <a:rPr lang="en-US" altLang="ko-KR" b="0">
-                <a:solidFill>
-                  <a:srgbClr val="3B3B3B"/>
-                </a:solidFill>
-                <a:effectLst/>
-                <a:latin typeface="Consolas" panose="020B0609020204030204" pitchFamily="49" charset="0"/>
-              </a:rPr>
-              <a:t> { </a:t>
-            </a:r>
-            <a:r>
-              <a:rPr lang="en-US" altLang="ko-KR" b="0">
-                <a:solidFill>
-                  <a:srgbClr val="001080"/>
-                </a:solidFill>
-                <a:effectLst/>
-                <a:latin typeface="Consolas" panose="020B0609020204030204" pitchFamily="49" charset="0"/>
-              </a:rPr>
-              <a:t>name:</a:t>
-            </a:r>
-            <a:r>
-              <a:rPr lang="en-US" altLang="ko-KR" b="0">
-                <a:solidFill>
-                  <a:srgbClr val="3B3B3B"/>
-                </a:solidFill>
-                <a:effectLst/>
-                <a:latin typeface="Consolas" panose="020B0609020204030204" pitchFamily="49" charset="0"/>
-              </a:rPr>
-              <a:t> </a:t>
-            </a:r>
-            <a:r>
-              <a:rPr lang="en-US" altLang="ko-KR" b="0">
-                <a:solidFill>
-                  <a:srgbClr val="A31515"/>
-                </a:solidFill>
-                <a:effectLst/>
-                <a:latin typeface="Consolas" panose="020B0609020204030204" pitchFamily="49" charset="0"/>
-              </a:rPr>
-              <a:t>'</a:t>
-            </a:r>
-            <a:r>
-              <a:rPr lang="ko-KR" altLang="en-US" b="0">
-                <a:solidFill>
-                  <a:srgbClr val="A31515"/>
-                </a:solidFill>
-                <a:effectLst/>
-                <a:latin typeface="Consolas" panose="020B0609020204030204" pitchFamily="49" charset="0"/>
-              </a:rPr>
-              <a:t>바로핑</a:t>
-            </a:r>
-            <a:r>
-              <a:rPr lang="en-US" altLang="ko-KR" b="0">
-                <a:solidFill>
-                  <a:srgbClr val="A31515"/>
-                </a:solidFill>
-                <a:effectLst/>
-                <a:latin typeface="Consolas" panose="020B0609020204030204" pitchFamily="49" charset="0"/>
-              </a:rPr>
-              <a:t>'</a:t>
-            </a:r>
-            <a:r>
-              <a:rPr lang="en-US" altLang="ko-KR" b="0">
-                <a:solidFill>
-                  <a:srgbClr val="3B3B3B"/>
-                </a:solidFill>
-                <a:effectLst/>
-                <a:latin typeface="Consolas" panose="020B0609020204030204" pitchFamily="49" charset="0"/>
-              </a:rPr>
-              <a:t>, </a:t>
-            </a:r>
-            <a:r>
-              <a:rPr lang="en-US" altLang="ko-KR" b="0">
-                <a:solidFill>
-                  <a:srgbClr val="001080"/>
-                </a:solidFill>
-                <a:effectLst/>
-                <a:latin typeface="Consolas" panose="020B0609020204030204" pitchFamily="49" charset="0"/>
-              </a:rPr>
-              <a:t>age:</a:t>
-            </a:r>
-            <a:r>
-              <a:rPr lang="en-US" altLang="ko-KR" b="0">
-                <a:solidFill>
-                  <a:srgbClr val="3B3B3B"/>
-                </a:solidFill>
-                <a:effectLst/>
-                <a:latin typeface="Consolas" panose="020B0609020204030204" pitchFamily="49" charset="0"/>
-              </a:rPr>
-              <a:t> </a:t>
-            </a:r>
-            <a:r>
-              <a:rPr lang="en-US" altLang="ko-KR" b="0">
-                <a:solidFill>
-                  <a:srgbClr val="098658"/>
-                </a:solidFill>
-                <a:effectLst/>
-                <a:latin typeface="Consolas" panose="020B0609020204030204" pitchFamily="49" charset="0"/>
-              </a:rPr>
-              <a:t>11</a:t>
-            </a:r>
-            <a:r>
-              <a:rPr lang="en-US" altLang="ko-KR" b="0">
-                <a:solidFill>
-                  <a:srgbClr val="3B3B3B"/>
-                </a:solidFill>
-                <a:effectLst/>
-                <a:latin typeface="Consolas" panose="020B0609020204030204" pitchFamily="49" charset="0"/>
-              </a:rPr>
-              <a:t>, </a:t>
-            </a:r>
-            <a:r>
-              <a:rPr lang="en-US" altLang="ko-KR" b="0">
-                <a:solidFill>
-                  <a:srgbClr val="795E26"/>
-                </a:solidFill>
-                <a:effectLst/>
-                <a:latin typeface="Consolas" panose="020B0609020204030204" pitchFamily="49" charset="0"/>
-              </a:rPr>
-              <a:t>print</a:t>
-            </a:r>
-            <a:r>
-              <a:rPr lang="en-US" altLang="ko-KR" b="0">
-                <a:solidFill>
-                  <a:srgbClr val="001080"/>
-                </a:solidFill>
-                <a:effectLst/>
-                <a:latin typeface="Consolas" panose="020B0609020204030204" pitchFamily="49" charset="0"/>
-              </a:rPr>
-              <a:t>:</a:t>
-            </a:r>
-            <a:r>
-              <a:rPr lang="en-US" altLang="ko-KR" b="0">
-                <a:solidFill>
-                  <a:srgbClr val="3B3B3B"/>
-                </a:solidFill>
-                <a:effectLst/>
-                <a:latin typeface="Consolas" panose="020B0609020204030204" pitchFamily="49" charset="0"/>
-              </a:rPr>
-              <a:t> </a:t>
-            </a:r>
-            <a:r>
-              <a:rPr lang="en-US" altLang="ko-KR" b="0">
-                <a:solidFill>
-                  <a:srgbClr val="795E26"/>
-                </a:solidFill>
-                <a:effectLst/>
-                <a:latin typeface="Consolas" panose="020B0609020204030204" pitchFamily="49" charset="0"/>
-              </a:rPr>
-              <a:t>getPingInfo</a:t>
-            </a:r>
-            <a:r>
-              <a:rPr lang="en-US" altLang="ko-KR" b="0">
-                <a:solidFill>
-                  <a:srgbClr val="3B3B3B"/>
-                </a:solidFill>
-                <a:effectLst/>
-                <a:latin typeface="Consolas" panose="020B0609020204030204" pitchFamily="49" charset="0"/>
-              </a:rPr>
-              <a:t> };</a:t>
-            </a:r>
-          </a:p>
-          <a:p>
-            <a:r>
-              <a:rPr lang="en-US" altLang="ko-KR" b="0">
-                <a:solidFill>
-                  <a:srgbClr val="0000FF"/>
-                </a:solidFill>
-                <a:effectLst/>
-                <a:latin typeface="Consolas" panose="020B0609020204030204" pitchFamily="49" charset="0"/>
-              </a:rPr>
-              <a:t>const</a:t>
-            </a:r>
-            <a:r>
-              <a:rPr lang="en-US" altLang="ko-KR" b="0">
-                <a:solidFill>
-                  <a:srgbClr val="3B3B3B"/>
-                </a:solidFill>
-                <a:effectLst/>
-                <a:latin typeface="Consolas" panose="020B0609020204030204" pitchFamily="49" charset="0"/>
-              </a:rPr>
-              <a:t> </a:t>
-            </a:r>
-            <a:r>
-              <a:rPr lang="en-US" altLang="ko-KR" b="0">
-                <a:solidFill>
-                  <a:srgbClr val="0070C1"/>
-                </a:solidFill>
-                <a:effectLst/>
-                <a:latin typeface="Consolas" panose="020B0609020204030204" pitchFamily="49" charset="0"/>
-              </a:rPr>
-              <a:t>ping2</a:t>
-            </a:r>
-            <a:r>
-              <a:rPr lang="en-US" altLang="ko-KR" b="0">
-                <a:solidFill>
-                  <a:srgbClr val="3B3B3B"/>
-                </a:solidFill>
-                <a:effectLst/>
-                <a:latin typeface="Consolas" panose="020B0609020204030204" pitchFamily="49" charset="0"/>
-              </a:rPr>
-              <a:t> </a:t>
-            </a:r>
-            <a:r>
-              <a:rPr lang="en-US" altLang="ko-KR" b="0">
-                <a:solidFill>
-                  <a:srgbClr val="000000"/>
-                </a:solidFill>
-                <a:effectLst/>
-                <a:latin typeface="Consolas" panose="020B0609020204030204" pitchFamily="49" charset="0"/>
-              </a:rPr>
-              <a:t>=</a:t>
-            </a:r>
-            <a:r>
-              <a:rPr lang="en-US" altLang="ko-KR" b="0">
-                <a:solidFill>
-                  <a:srgbClr val="3B3B3B"/>
-                </a:solidFill>
-                <a:effectLst/>
-                <a:latin typeface="Consolas" panose="020B0609020204030204" pitchFamily="49" charset="0"/>
-              </a:rPr>
-              <a:t> { </a:t>
-            </a:r>
-            <a:r>
-              <a:rPr lang="en-US" altLang="ko-KR" b="0">
-                <a:solidFill>
-                  <a:srgbClr val="001080"/>
-                </a:solidFill>
-                <a:effectLst/>
-                <a:latin typeface="Consolas" panose="020B0609020204030204" pitchFamily="49" charset="0"/>
-              </a:rPr>
-              <a:t>name:</a:t>
-            </a:r>
-            <a:r>
-              <a:rPr lang="en-US" altLang="ko-KR" b="0">
-                <a:solidFill>
-                  <a:srgbClr val="3B3B3B"/>
-                </a:solidFill>
-                <a:effectLst/>
-                <a:latin typeface="Consolas" panose="020B0609020204030204" pitchFamily="49" charset="0"/>
-              </a:rPr>
-              <a:t> </a:t>
-            </a:r>
-            <a:r>
-              <a:rPr lang="en-US" altLang="ko-KR" b="0">
-                <a:solidFill>
-                  <a:srgbClr val="A31515"/>
-                </a:solidFill>
-                <a:effectLst/>
-                <a:latin typeface="Consolas" panose="020B0609020204030204" pitchFamily="49" charset="0"/>
-              </a:rPr>
-              <a:t>'</a:t>
-            </a:r>
-            <a:r>
-              <a:rPr lang="ko-KR" altLang="en-US" b="0">
-                <a:solidFill>
-                  <a:srgbClr val="A31515"/>
-                </a:solidFill>
-                <a:effectLst/>
-                <a:latin typeface="Consolas" panose="020B0609020204030204" pitchFamily="49" charset="0"/>
-              </a:rPr>
-              <a:t>라라핑</a:t>
-            </a:r>
-            <a:r>
-              <a:rPr lang="en-US" altLang="ko-KR" b="0">
-                <a:solidFill>
-                  <a:srgbClr val="A31515"/>
-                </a:solidFill>
-                <a:effectLst/>
-                <a:latin typeface="Consolas" panose="020B0609020204030204" pitchFamily="49" charset="0"/>
-              </a:rPr>
-              <a:t>'</a:t>
-            </a:r>
-            <a:r>
-              <a:rPr lang="en-US" altLang="ko-KR" b="0">
-                <a:solidFill>
-                  <a:srgbClr val="3B3B3B"/>
-                </a:solidFill>
-                <a:effectLst/>
-                <a:latin typeface="Consolas" panose="020B0609020204030204" pitchFamily="49" charset="0"/>
-              </a:rPr>
-              <a:t>, </a:t>
-            </a:r>
-            <a:r>
-              <a:rPr lang="en-US" altLang="ko-KR" b="0">
-                <a:solidFill>
-                  <a:srgbClr val="001080"/>
-                </a:solidFill>
-                <a:effectLst/>
-                <a:latin typeface="Consolas" panose="020B0609020204030204" pitchFamily="49" charset="0"/>
-              </a:rPr>
-              <a:t>age:</a:t>
-            </a:r>
-            <a:r>
-              <a:rPr lang="en-US" altLang="ko-KR" b="0">
-                <a:solidFill>
-                  <a:srgbClr val="3B3B3B"/>
-                </a:solidFill>
-                <a:effectLst/>
-                <a:latin typeface="Consolas" panose="020B0609020204030204" pitchFamily="49" charset="0"/>
-              </a:rPr>
-              <a:t> </a:t>
-            </a:r>
-            <a:r>
-              <a:rPr lang="en-US" altLang="ko-KR" b="0">
-                <a:solidFill>
-                  <a:srgbClr val="098658"/>
-                </a:solidFill>
-                <a:effectLst/>
-                <a:latin typeface="Consolas" panose="020B0609020204030204" pitchFamily="49" charset="0"/>
-              </a:rPr>
-              <a:t>9</a:t>
-            </a:r>
-            <a:r>
-              <a:rPr lang="en-US" altLang="ko-KR" b="0">
-                <a:solidFill>
-                  <a:srgbClr val="3B3B3B"/>
-                </a:solidFill>
-                <a:effectLst/>
-                <a:latin typeface="Consolas" panose="020B0609020204030204" pitchFamily="49" charset="0"/>
-              </a:rPr>
-              <a:t>, </a:t>
-            </a:r>
-            <a:r>
-              <a:rPr lang="en-US" altLang="ko-KR" b="0">
-                <a:solidFill>
-                  <a:srgbClr val="795E26"/>
-                </a:solidFill>
-                <a:effectLst/>
-                <a:latin typeface="Consolas" panose="020B0609020204030204" pitchFamily="49" charset="0"/>
-              </a:rPr>
-              <a:t>print</a:t>
-            </a:r>
-            <a:r>
-              <a:rPr lang="en-US" altLang="ko-KR" b="0">
-                <a:solidFill>
-                  <a:srgbClr val="001080"/>
-                </a:solidFill>
-                <a:effectLst/>
-                <a:latin typeface="Consolas" panose="020B0609020204030204" pitchFamily="49" charset="0"/>
-              </a:rPr>
-              <a:t>:</a:t>
-            </a:r>
-            <a:r>
-              <a:rPr lang="en-US" altLang="ko-KR" b="0">
-                <a:solidFill>
-                  <a:srgbClr val="3B3B3B"/>
-                </a:solidFill>
-                <a:effectLst/>
-                <a:latin typeface="Consolas" panose="020B0609020204030204" pitchFamily="49" charset="0"/>
-              </a:rPr>
-              <a:t> </a:t>
-            </a:r>
-            <a:r>
-              <a:rPr lang="en-US" altLang="ko-KR" b="0">
-                <a:solidFill>
-                  <a:srgbClr val="795E26"/>
-                </a:solidFill>
-                <a:effectLst/>
-                <a:latin typeface="Consolas" panose="020B0609020204030204" pitchFamily="49" charset="0"/>
-              </a:rPr>
-              <a:t>getPingInfo</a:t>
-            </a:r>
-            <a:r>
-              <a:rPr lang="en-US" altLang="ko-KR" b="0">
-                <a:solidFill>
-                  <a:srgbClr val="3B3B3B"/>
-                </a:solidFill>
-                <a:effectLst/>
-                <a:latin typeface="Consolas" panose="020B0609020204030204" pitchFamily="49" charset="0"/>
-              </a:rPr>
-              <a:t> };</a:t>
-            </a:r>
-          </a:p>
-          <a:p>
-            <a:r>
-              <a:rPr lang="en-US" altLang="ko-KR" b="0">
-                <a:solidFill>
-                  <a:srgbClr val="001080"/>
-                </a:solidFill>
-                <a:effectLst/>
-                <a:latin typeface="Consolas" panose="020B0609020204030204" pitchFamily="49" charset="0"/>
-              </a:rPr>
-              <a:t>console</a:t>
-            </a:r>
-            <a:r>
-              <a:rPr lang="en-US" altLang="ko-KR" b="0">
-                <a:solidFill>
-                  <a:srgbClr val="3B3B3B"/>
-                </a:solidFill>
-                <a:effectLst/>
-                <a:latin typeface="Consolas" panose="020B0609020204030204" pitchFamily="49" charset="0"/>
-              </a:rPr>
-              <a:t>.</a:t>
-            </a:r>
-            <a:r>
-              <a:rPr lang="en-US" altLang="ko-KR" b="0">
-                <a:solidFill>
-                  <a:srgbClr val="795E26"/>
-                </a:solidFill>
-                <a:effectLst/>
-                <a:latin typeface="Consolas" panose="020B0609020204030204" pitchFamily="49" charset="0"/>
-              </a:rPr>
-              <a:t>log</a:t>
-            </a:r>
-            <a:r>
-              <a:rPr lang="en-US" altLang="ko-KR" b="0">
-                <a:solidFill>
-                  <a:srgbClr val="3B3B3B"/>
-                </a:solidFill>
-                <a:effectLst/>
-                <a:latin typeface="Consolas" panose="020B0609020204030204" pitchFamily="49" charset="0"/>
-              </a:rPr>
-              <a:t>(</a:t>
-            </a:r>
-            <a:r>
-              <a:rPr lang="en-US" altLang="ko-KR" b="0">
-                <a:solidFill>
-                  <a:srgbClr val="0070C1"/>
-                </a:solidFill>
-                <a:effectLst/>
-                <a:latin typeface="Consolas" panose="020B0609020204030204" pitchFamily="49" charset="0"/>
-              </a:rPr>
-              <a:t>ping1</a:t>
-            </a:r>
-            <a:r>
-              <a:rPr lang="en-US" altLang="ko-KR" b="0">
-                <a:solidFill>
-                  <a:srgbClr val="3B3B3B"/>
-                </a:solidFill>
-                <a:effectLst/>
-                <a:latin typeface="Consolas" panose="020B0609020204030204" pitchFamily="49" charset="0"/>
-              </a:rPr>
-              <a:t>.</a:t>
-            </a:r>
-            <a:r>
-              <a:rPr lang="en-US" altLang="ko-KR" b="0">
-                <a:solidFill>
-                  <a:srgbClr val="795E26"/>
-                </a:solidFill>
-                <a:effectLst/>
-                <a:latin typeface="Consolas" panose="020B0609020204030204" pitchFamily="49" charset="0"/>
-              </a:rPr>
-              <a:t>print</a:t>
-            </a:r>
-            <a:r>
-              <a:rPr lang="en-US" altLang="ko-KR" b="0">
-                <a:solidFill>
-                  <a:srgbClr val="3B3B3B"/>
-                </a:solidFill>
-                <a:effectLst/>
-                <a:latin typeface="Consolas" panose="020B0609020204030204" pitchFamily="49" charset="0"/>
-              </a:rPr>
-              <a:t>());</a:t>
-            </a:r>
-          </a:p>
-          <a:p>
-            <a:r>
-              <a:rPr lang="en-US" altLang="ko-KR" b="0">
-                <a:solidFill>
-                  <a:srgbClr val="001080"/>
-                </a:solidFill>
-                <a:effectLst/>
-                <a:latin typeface="Consolas" panose="020B0609020204030204" pitchFamily="49" charset="0"/>
-              </a:rPr>
-              <a:t>console</a:t>
-            </a:r>
-            <a:r>
-              <a:rPr lang="en-US" altLang="ko-KR" b="0">
-                <a:solidFill>
-                  <a:srgbClr val="3B3B3B"/>
-                </a:solidFill>
-                <a:effectLst/>
-                <a:latin typeface="Consolas" panose="020B0609020204030204" pitchFamily="49" charset="0"/>
-              </a:rPr>
-              <a:t>.</a:t>
-            </a:r>
-            <a:r>
-              <a:rPr lang="en-US" altLang="ko-KR" b="0">
-                <a:solidFill>
-                  <a:srgbClr val="795E26"/>
-                </a:solidFill>
-                <a:effectLst/>
-                <a:latin typeface="Consolas" panose="020B0609020204030204" pitchFamily="49" charset="0"/>
-              </a:rPr>
-              <a:t>log</a:t>
-            </a:r>
-            <a:r>
-              <a:rPr lang="en-US" altLang="ko-KR" b="0">
-                <a:solidFill>
-                  <a:srgbClr val="3B3B3B"/>
-                </a:solidFill>
-                <a:effectLst/>
-                <a:latin typeface="Consolas" panose="020B0609020204030204" pitchFamily="49" charset="0"/>
-              </a:rPr>
-              <a:t>(</a:t>
-            </a:r>
-            <a:r>
-              <a:rPr lang="en-US" altLang="ko-KR" b="0">
-                <a:solidFill>
-                  <a:srgbClr val="0070C1"/>
-                </a:solidFill>
-                <a:effectLst/>
-                <a:latin typeface="Consolas" panose="020B0609020204030204" pitchFamily="49" charset="0"/>
-              </a:rPr>
-              <a:t>ping2</a:t>
-            </a:r>
-            <a:r>
-              <a:rPr lang="en-US" altLang="ko-KR" b="0">
-                <a:solidFill>
-                  <a:srgbClr val="3B3B3B"/>
-                </a:solidFill>
-                <a:effectLst/>
-                <a:latin typeface="Consolas" panose="020B0609020204030204" pitchFamily="49" charset="0"/>
-              </a:rPr>
-              <a:t>.</a:t>
-            </a:r>
-            <a:r>
-              <a:rPr lang="en-US" altLang="ko-KR" b="0">
-                <a:solidFill>
-                  <a:srgbClr val="795E26"/>
-                </a:solidFill>
-                <a:effectLst/>
-                <a:latin typeface="Consolas" panose="020B0609020204030204" pitchFamily="49" charset="0"/>
-              </a:rPr>
-              <a:t>print</a:t>
             </a:r>
             <a:r>
               <a:rPr lang="en-US" altLang="ko-KR" b="0">
@@ -14280,12 +14171,42 @@
           </a:p>
         </p:txBody>
       </p:sp>
+      <p:pic>
+        <p:nvPicPr>
+          <p:cNvPr id="10" name="그림 9" descr="코딩아이콘.png">
+            <a:extLst>
+              <a:ext uri="{FF2B5EF4-FFF2-40B4-BE49-F238E27FC236}">
+                <a16:creationId xmlns:a16="http://schemas.microsoft.com/office/drawing/2014/main" id="{0E697D04-E047-4067-A406-4DD32E6D16D4}"/>
+              </a:ext>
+            </a:extLst>
+          </p:cNvPr>
+          <p:cNvPicPr>
+            <a:picLocks noChangeAspect="1"/>
+          </p:cNvPicPr>
+          <p:nvPr/>
+        </p:nvPicPr>
+        <p:blipFill>
+          <a:blip r:embed="rId3" cstate="print"/>
+          <a:stretch>
+            <a:fillRect/>
+          </a:stretch>
+        </p:blipFill>
+        <p:spPr>
+          <a:xfrm flipH="1">
+            <a:off x="11062105" y="692696"/>
+            <a:ext cx="504056" cy="440660"/>
+          </a:xfrm>
+          <a:prstGeom prst="rect">
+            <a:avLst/>
+          </a:prstGeom>
+        </p:spPr>
+      </p:pic>
       <p:sp>
         <p:nvSpPr>
-          <p:cNvPr id="16" name="TextBox 15">
+          <p:cNvPr id="12" name="TextBox 11">
             <a:extLst>
               <a:ext uri="{FF2B5EF4-FFF2-40B4-BE49-F238E27FC236}">
-                <a16:creationId xmlns:a16="http://schemas.microsoft.com/office/drawing/2014/main" id="{0E4F9A7D-0573-4D7D-9E69-F5B8F1E19B92}"/>
+                <a16:creationId xmlns:a16="http://schemas.microsoft.com/office/drawing/2014/main" id="{14BC5BB9-DE58-4510-AD93-0E2D8E47CF29}"/>
               </a:ext>
             </a:extLst>
           </p:cNvPr>
@@ -14294,250 +14215,47 @@
         </p:nvSpPr>
         <p:spPr>
           <a:xfrm>
-            <a:off x="6104649" y="2154691"/>
-            <a:ext cx="4095794" cy="923330"/>
+            <a:off x="7101665" y="764704"/>
+            <a:ext cx="3945035" cy="369332"/>
           </a:xfrm>
           <a:prstGeom prst="rect">
             <a:avLst/>
           </a:prstGeom>
-          <a:solidFill>
-            <a:schemeClr val="bg1"/>
-          </a:solidFill>
-          <a:ln>
-            <a:solidFill>
-              <a:schemeClr val="tx1"/>
-            </a:solidFill>
-          </a:ln>
+          <a:noFill/>
         </p:spPr>
         <p:txBody>
-          <a:bodyPr wrap="square">
+          <a:bodyPr wrap="square" rtlCol="0">
             <a:spAutoFit/>
           </a:bodyPr>
           <a:lstStyle/>
           <a:p>
-            <a:r>
-              <a:rPr lang="en-US" altLang="ko-KR" b="0">
-                <a:solidFill>
-                  <a:srgbClr val="3B3B3B"/>
-                </a:solidFill>
-                <a:effectLst/>
-                <a:latin typeface="Consolas" panose="020B0609020204030204" pitchFamily="49" charset="0"/>
-              </a:rPr>
-              <a:t>  </a:t>
-            </a:r>
-            <a:r>
-              <a:rPr lang="en-US" altLang="ko-KR" b="0">
-                <a:solidFill>
-                  <a:srgbClr val="0000FF"/>
-                </a:solidFill>
-                <a:effectLst/>
-                <a:latin typeface="Consolas" panose="020B0609020204030204" pitchFamily="49" charset="0"/>
-              </a:rPr>
-              <a:t>const</a:t>
-            </a:r>
-            <a:r>
-              <a:rPr lang="en-US" altLang="ko-KR" b="0">
-                <a:solidFill>
-                  <a:srgbClr val="3B3B3B"/>
-                </a:solidFill>
-                <a:effectLst/>
-                <a:latin typeface="Consolas" panose="020B0609020204030204" pitchFamily="49" charset="0"/>
-              </a:rPr>
-              <a:t> </a:t>
-            </a:r>
-            <a:r>
-              <a:rPr lang="en-US" altLang="ko-KR" b="0">
-                <a:solidFill>
-                  <a:srgbClr val="795E26"/>
-                </a:solidFill>
-                <a:effectLst/>
-                <a:latin typeface="Consolas" panose="020B0609020204030204" pitchFamily="49" charset="0"/>
-              </a:rPr>
-              <a:t>getName</a:t>
-            </a:r>
-            <a:r>
-              <a:rPr lang="en-US" altLang="ko-KR" b="0">
-                <a:solidFill>
-                  <a:srgbClr val="3B3B3B"/>
-                </a:solidFill>
-                <a:effectLst/>
-                <a:latin typeface="Consolas" panose="020B0609020204030204" pitchFamily="49" charset="0"/>
-              </a:rPr>
-              <a:t> </a:t>
-            </a:r>
-            <a:r>
-              <a:rPr lang="en-US" altLang="ko-KR" b="0">
-                <a:solidFill>
-                  <a:srgbClr val="000000"/>
-                </a:solidFill>
-                <a:effectLst/>
-                <a:latin typeface="Consolas" panose="020B0609020204030204" pitchFamily="49" charset="0"/>
-              </a:rPr>
-              <a:t>=</a:t>
-            </a:r>
-            <a:r>
-              <a:rPr lang="en-US" altLang="ko-KR" b="0">
-                <a:solidFill>
-                  <a:srgbClr val="3B3B3B"/>
-                </a:solidFill>
-                <a:effectLst/>
-                <a:latin typeface="Consolas" panose="020B0609020204030204" pitchFamily="49" charset="0"/>
-              </a:rPr>
-              <a:t> () </a:t>
-            </a:r>
-            <a:r>
-              <a:rPr lang="en-US" altLang="ko-KR" b="0">
-                <a:solidFill>
-                  <a:srgbClr val="0000FF"/>
-                </a:solidFill>
-                <a:effectLst/>
-                <a:latin typeface="Consolas" panose="020B0609020204030204" pitchFamily="49" charset="0"/>
-              </a:rPr>
-              <a:t>=&gt;</a:t>
-            </a:r>
-            <a:r>
-              <a:rPr lang="en-US" altLang="ko-KR" b="0">
-                <a:solidFill>
-                  <a:srgbClr val="3B3B3B"/>
-                </a:solidFill>
-                <a:effectLst/>
-                <a:latin typeface="Consolas" panose="020B0609020204030204" pitchFamily="49" charset="0"/>
-              </a:rPr>
-              <a:t> {</a:t>
-            </a:r>
-          </a:p>
-          <a:p>
-            <a:r>
-              <a:rPr lang="en-US" altLang="ko-KR" b="0">
-                <a:solidFill>
-                  <a:srgbClr val="3B3B3B"/>
-                </a:solidFill>
-                <a:effectLst/>
-                <a:latin typeface="Consolas" panose="020B0609020204030204" pitchFamily="49" charset="0"/>
-              </a:rPr>
-              <a:t>    </a:t>
-            </a:r>
-            <a:r>
-              <a:rPr lang="en-US" altLang="ko-KR" b="0">
-                <a:solidFill>
-                  <a:srgbClr val="AF00DB"/>
-                </a:solidFill>
-                <a:effectLst/>
-                <a:latin typeface="Consolas" panose="020B0609020204030204" pitchFamily="49" charset="0"/>
-              </a:rPr>
-              <a:t>return</a:t>
-            </a:r>
-            <a:r>
-              <a:rPr lang="en-US" altLang="ko-KR" b="0">
-                <a:solidFill>
-                  <a:srgbClr val="3B3B3B"/>
-                </a:solidFill>
-                <a:effectLst/>
-                <a:latin typeface="Consolas" panose="020B0609020204030204" pitchFamily="49" charset="0"/>
-              </a:rPr>
-              <a:t> </a:t>
-            </a:r>
-            <a:r>
-              <a:rPr lang="en-US" altLang="ko-KR" b="0">
-                <a:solidFill>
-                  <a:srgbClr val="0000FF"/>
-                </a:solidFill>
-                <a:effectLst/>
-                <a:latin typeface="Consolas" panose="020B0609020204030204" pitchFamily="49" charset="0"/>
-              </a:rPr>
-              <a:t>this</a:t>
-            </a:r>
-            <a:r>
-              <a:rPr lang="en-US" altLang="ko-KR" b="0">
-                <a:solidFill>
-                  <a:srgbClr val="3B3B3B"/>
-                </a:solidFill>
-                <a:effectLst/>
-                <a:latin typeface="Consolas" panose="020B0609020204030204" pitchFamily="49" charset="0"/>
-              </a:rPr>
-              <a:t>.</a:t>
-            </a:r>
-            <a:r>
-              <a:rPr lang="en-US" altLang="ko-KR" b="0">
-                <a:solidFill>
-                  <a:srgbClr val="001080"/>
-                </a:solidFill>
-                <a:effectLst/>
-                <a:latin typeface="Consolas" panose="020B0609020204030204" pitchFamily="49" charset="0"/>
-              </a:rPr>
-              <a:t>name</a:t>
-            </a:r>
-            <a:r>
-              <a:rPr lang="en-US" altLang="ko-KR" b="0">
-                <a:solidFill>
-                  <a:srgbClr val="3B3B3B"/>
-                </a:solidFill>
-                <a:effectLst/>
-                <a:latin typeface="Consolas" panose="020B0609020204030204" pitchFamily="49" charset="0"/>
-              </a:rPr>
-              <a:t>;</a:t>
-            </a:r>
-          </a:p>
-          <a:p>
-            <a:r>
-              <a:rPr lang="en-US" altLang="ko-KR" b="0">
-                <a:solidFill>
-                  <a:srgbClr val="3B3B3B"/>
-                </a:solidFill>
-                <a:effectLst/>
-                <a:latin typeface="Consolas" panose="020B0609020204030204" pitchFamily="49" charset="0"/>
-              </a:rPr>
-              <a:t>  }</a:t>
-            </a:r>
+            <a:pPr algn="r"/>
+            <a:r>
+              <a:rPr lang="en-US" altLang="ko-KR">
+                <a:solidFill>
+                  <a:schemeClr val="tx1">
+                    <a:lumMod val="65000"/>
+                    <a:lumOff val="35000"/>
+                  </a:schemeClr>
+                </a:solidFill>
+                <a:latin typeface="Noto Sans CJK KR Regular" panose="020B0500000000000000" pitchFamily="34" charset="-127"/>
+                <a:ea typeface="Noto Sans CJK KR Regular" panose="020B0500000000000000" pitchFamily="34" charset="-127"/>
+              </a:rPr>
+              <a:t>ex02-16.js</a:t>
+            </a:r>
+            <a:endParaRPr lang="ko-KR" altLang="en-US" dirty="0">
+              <a:solidFill>
+                <a:schemeClr val="tx1">
+                  <a:lumMod val="65000"/>
+                  <a:lumOff val="35000"/>
+                </a:schemeClr>
+              </a:solidFill>
+              <a:latin typeface="Noto Sans CJK KR Regular" panose="020B0500000000000000" pitchFamily="34" charset="-127"/>
+              <a:ea typeface="Noto Sans CJK KR Regular" panose="020B0500000000000000" pitchFamily="34" charset="-127"/>
+            </a:endParaRPr>
           </a:p>
         </p:txBody>
       </p:sp>
-      <p:cxnSp>
-        <p:nvCxnSpPr>
-          <p:cNvPr id="11" name="직선 화살표 연결선 10">
-            <a:extLst>
-              <a:ext uri="{FF2B5EF4-FFF2-40B4-BE49-F238E27FC236}">
-                <a16:creationId xmlns:a16="http://schemas.microsoft.com/office/drawing/2014/main" id="{4A2721A4-4F01-404A-9413-2DA7DC28317F}"/>
-              </a:ext>
-            </a:extLst>
-          </p:cNvPr>
-          <p:cNvCxnSpPr>
-            <a:cxnSpLocks/>
-          </p:cNvCxnSpPr>
-          <p:nvPr/>
-        </p:nvCxnSpPr>
-        <p:spPr>
-          <a:xfrm>
-            <a:off x="3648173" y="2253006"/>
-            <a:ext cx="3921551" cy="316730"/>
-          </a:xfrm>
-          <a:prstGeom prst="straightConnector1">
-            <a:avLst/>
-          </a:prstGeom>
-          <a:ln w="31750">
-            <a:solidFill>
-              <a:schemeClr val="accent1">
-                <a:alpha val="50000"/>
-              </a:schemeClr>
-            </a:solidFill>
-            <a:tailEnd type="triangle"/>
-          </a:ln>
-        </p:spPr>
-        <p:style>
-          <a:lnRef idx="1">
-            <a:schemeClr val="accent1"/>
-          </a:lnRef>
-          <a:fillRef idx="0">
-            <a:schemeClr val="accent1"/>
-          </a:fillRef>
-          <a:effectRef idx="0">
-            <a:schemeClr val="accent1"/>
-          </a:effectRef>
-          <a:fontRef idx="minor">
-            <a:schemeClr val="tx1"/>
-          </a:fontRef>
-        </p:style>
-      </p:cxnSp>
     </p:spTree>
     <p:extLst>
       <p:ext uri="{BB962C8B-B14F-4D97-AF65-F5344CB8AC3E}">
@@ -14548,183 +14266,6 @@
   <p:clrMapOvr>
     <a:masterClrMapping/>
   </p:clrMapOvr>
-  <p:timing>
-    <p:tnLst>
-      <p:par>
-        <p:cTn id="1" dur="indefinite" restart="never" nodeType="tmRoot">
-          <p:childTnLst>
-            <p:seq concurrent="1" nextAc="seek">
-              <p:cTn id="2" dur="indefinite" nodeType="mainSeq">
-                <p:childTnLst>
-                  <p:par>
-                    <p:cTn id="3" fill="hold">
-                      <p:stCondLst>
-                        <p:cond delay="indefinite"/>
-                      </p:stCondLst>
-                      <p:childTnLst>
-                        <p:par>
-                          <p:cTn id="4" fill="hold">
-                            <p:stCondLst>
-                              <p:cond delay="0"/>
-                            </p:stCondLst>
-                            <p:childTnLst>
-                              <p:par>
-                                <p:cTn id="5" presetID="2" presetClass="entr" presetSubtype="2" fill="hold" grpId="0" nodeType="clickEffect">
-                                  <p:stCondLst>
-                                    <p:cond delay="0"/>
-                                  </p:stCondLst>
-                                  <p:childTnLst>
-                                    <p:set>
-                                      <p:cBhvr>
-                                        <p:cTn id="6" dur="1" fill="hold">
-                                          <p:stCondLst>
-                                            <p:cond delay="0"/>
-                                          </p:stCondLst>
-                                        </p:cTn>
-                                        <p:tgtEl>
-                                          <p:spTgt spid="16"/>
-                                        </p:tgtEl>
-                                        <p:attrNameLst>
-                                          <p:attrName>style.visibility</p:attrName>
-                                        </p:attrNameLst>
-                                      </p:cBhvr>
-                                      <p:to>
-                                        <p:strVal val="visible"/>
-                                      </p:to>
-                                    </p:set>
-                                    <p:anim calcmode="lin" valueType="num">
-                                      <p:cBhvr additive="base">
-                                        <p:cTn id="7" dur="500" fill="hold"/>
-                                        <p:tgtEl>
-                                          <p:spTgt spid="16"/>
-                                        </p:tgtEl>
-                                        <p:attrNameLst>
-                                          <p:attrName>ppt_x</p:attrName>
-                                        </p:attrNameLst>
-                                      </p:cBhvr>
-                                      <p:tavLst>
-                                        <p:tav tm="0">
-                                          <p:val>
-                                            <p:strVal val="1+#ppt_w/2"/>
-                                          </p:val>
-                                        </p:tav>
-                                        <p:tav tm="100000">
-                                          <p:val>
-                                            <p:strVal val="#ppt_x"/>
-                                          </p:val>
-                                        </p:tav>
-                                      </p:tavLst>
-                                    </p:anim>
-                                    <p:anim calcmode="lin" valueType="num">
-                                      <p:cBhvr additive="base">
-                                        <p:cTn id="8" dur="500" fill="hold"/>
-                                        <p:tgtEl>
-                                          <p:spTgt spid="16"/>
-                                        </p:tgtEl>
-                                        <p:attrNameLst>
-                                          <p:attrName>ppt_y</p:attrName>
-                                        </p:attrNameLst>
-                                      </p:cBhvr>
-                                      <p:tavLst>
-                                        <p:tav tm="0">
-                                          <p:val>
-                                            <p:strVal val="#ppt_y"/>
-                                          </p:val>
-                                        </p:tav>
-                                        <p:tav tm="100000">
-                                          <p:val>
-                                            <p:strVal val="#ppt_y"/>
-                                          </p:val>
-                                        </p:tav>
-                                      </p:tavLst>
-                                    </p:anim>
-                                  </p:childTnLst>
-                                </p:cTn>
-                              </p:par>
-                            </p:childTnLst>
-                          </p:cTn>
-                        </p:par>
-                      </p:childTnLst>
-                    </p:cTn>
-                  </p:par>
-                  <p:par>
-                    <p:cTn id="9" fill="hold">
-                      <p:stCondLst>
-                        <p:cond delay="indefinite"/>
-                      </p:stCondLst>
-                      <p:childTnLst>
-                        <p:par>
-                          <p:cTn id="10" fill="hold">
-                            <p:stCondLst>
-                              <p:cond delay="0"/>
-                            </p:stCondLst>
-                            <p:childTnLst>
-                              <p:par>
-                                <p:cTn id="11" presetID="22" presetClass="entr" presetSubtype="8" fill="hold" nodeType="clickEffect">
-                                  <p:stCondLst>
-                                    <p:cond delay="0"/>
-                                  </p:stCondLst>
-                                  <p:childTnLst>
-                                    <p:set>
-                                      <p:cBhvr>
-                                        <p:cTn id="12" dur="1" fill="hold">
-                                          <p:stCondLst>
-                                            <p:cond delay="0"/>
-                                          </p:stCondLst>
-                                        </p:cTn>
-                                        <p:tgtEl>
-                                          <p:spTgt spid="11"/>
-                                        </p:tgtEl>
-                                        <p:attrNameLst>
-                                          <p:attrName>style.visibility</p:attrName>
-                                        </p:attrNameLst>
-                                      </p:cBhvr>
-                                      <p:to>
-                                        <p:strVal val="visible"/>
-                                      </p:to>
-                                    </p:set>
-                                    <p:animEffect transition="in" filter="wipe(left)">
-                                      <p:cBhvr>
-                                        <p:cTn id="13" dur="500"/>
-                                        <p:tgtEl>
-                                          <p:spTgt spid="11"/>
-                                        </p:tgtEl>
-                                      </p:cBhvr>
-                                    </p:animEffect>
-                                  </p:childTnLst>
-                                </p:cTn>
-                              </p:par>
-                            </p:childTnLst>
-                          </p:cTn>
-                        </p:par>
-                      </p:childTnLst>
-                    </p:cTn>
-                  </p:par>
-                </p:childTnLst>
-              </p:cTn>
-              <p:prevCondLst>
-                <p:cond evt="onPrev" delay="0">
-                  <p:tgtEl>
-                    <p:sldTgt/>
-                  </p:tgtEl>
-                </p:cond>
-              </p:prevCondLst>
-              <p:nextCondLst>
-                <p:cond evt="onNext" delay="0">
-                  <p:tgtEl>
-                    <p:sldTgt/>
-                  </p:tgtEl>
-                </p:cond>
-              </p:nextCondLst>
-            </p:seq>
-          </p:childTnLst>
-        </p:cTn>
-      </p:par>
-    </p:tnLst>
-    <p:bldLst>
-      <p:bldP spid="16" grpId="0" animBg="1"/>
-    </p:bldLst>
-  </p:timing>
 </p:sld>
 </file>
 
@@ -15618,7 +15159,7 @@
                 <a:latin typeface="Noto Sans CJK KR Regular" panose="020B0500000000000000" pitchFamily="34" charset="-127"/>
                 <a:ea typeface="Noto Sans CJK KR Regular" panose="020B0500000000000000" pitchFamily="34" charset="-127"/>
               </a:rPr>
-              <a:t>ex02-14.js, 05, 15, 15-01, 15-02, 15-03</a:t>
+              <a:t>ex02-05.js, 15, 17</a:t>
             </a:r>
             <a:endParaRPr lang="ko-KR" altLang="en-US" dirty="0">
               <a:solidFill>
@@ -16777,7 +16318,7 @@
                 <a:latin typeface="Noto Sans CJK KR Regular" panose="020B0500000000000000" pitchFamily="34" charset="-127"/>
                 <a:ea typeface="Noto Sans CJK KR Regular" panose="020B0500000000000000" pitchFamily="34" charset="-127"/>
               </a:rPr>
-              <a:t>ex02-16.js</a:t>
+              <a:t>ex02-18.js</a:t>
             </a:r>
             <a:endParaRPr lang="ko-KR" altLang="en-US" dirty="0">
               <a:solidFill>
@@ -19349,7 +18890,7 @@
                 <a:latin typeface="Noto Sans CJK KR Regular" panose="020B0500000000000000" pitchFamily="34" charset="-127"/>
                 <a:ea typeface="Noto Sans CJK KR Regular" panose="020B0500000000000000" pitchFamily="34" charset="-127"/>
               </a:rPr>
-              <a:t>ex02-17, 18</a:t>
+              <a:t>ex02-19, 20</a:t>
             </a:r>
             <a:endParaRPr lang="ko-KR" altLang="en-US" dirty="0">
               <a:solidFill>
@@ -21593,7 +21134,7 @@
                 <a:latin typeface="Noto Sans CJK KR Regular" panose="020B0500000000000000" pitchFamily="34" charset="-127"/>
                 <a:ea typeface="Noto Sans CJK KR Regular" panose="020B0500000000000000" pitchFamily="34" charset="-127"/>
               </a:rPr>
-              <a:t>ex02-19.</a:t>
+              <a:t>ex02-21.</a:t>
             </a:r>
             <a:r>
               <a:rPr lang="en-US" altLang="ko-KR" dirty="0">
@@ -22564,91 +22105,6 @@
           </a:p>
         </p:txBody>
       </p:sp>
-      <p:pic>
-        <p:nvPicPr>
-          <p:cNvPr id="6" name="그림 5" descr="코딩아이콘.png">
-            <a:extLst>
-              <a:ext uri="{FF2B5EF4-FFF2-40B4-BE49-F238E27FC236}">
-                <a16:creationId xmlns:a16="http://schemas.microsoft.com/office/drawing/2014/main" id="{07D1E533-75A6-4117-8569-B9BB9F076D1D}"/>
-              </a:ext>
-            </a:extLst>
-          </p:cNvPr>
-          <p:cNvPicPr>
-            <a:picLocks noChangeAspect="1"/>
-          </p:cNvPicPr>
-          <p:nvPr/>
-        </p:nvPicPr>
-        <p:blipFill>
-          <a:blip r:embed="rId3" cstate="print"/>
-          <a:stretch>
-            <a:fillRect/>
-          </a:stretch>
-        </p:blipFill>
-        <p:spPr>
-          <a:xfrm flipH="1">
-            <a:off x="11062105" y="692696"/>
-            <a:ext cx="504056" cy="440660"/>
-          </a:xfrm>
-          <a:prstGeom prst="rect">
-            <a:avLst/>
-          </a:prstGeom>
-        </p:spPr>
-      </p:pic>
-      <p:sp>
-        <p:nvSpPr>
-          <p:cNvPr id="7" name="TextBox 6">
-            <a:extLst>
-              <a:ext uri="{FF2B5EF4-FFF2-40B4-BE49-F238E27FC236}">
-                <a16:creationId xmlns:a16="http://schemas.microsoft.com/office/drawing/2014/main" id="{2382519C-D4EA-4B1C-BBE6-96FAA5EC438A}"/>
-              </a:ext>
-            </a:extLst>
-          </p:cNvPr>
-          <p:cNvSpPr txBox="1"/>
-          <p:nvPr/>
-        </p:nvSpPr>
-        <p:spPr>
-          <a:xfrm>
-            <a:off x="7389697" y="764704"/>
-            <a:ext cx="3657003" cy="369332"/>
-          </a:xfrm>
-          <a:prstGeom prst="rect">
-            <a:avLst/>
-          </a:prstGeom>
-          <a:noFill/>
-        </p:spPr>
-        <p:txBody>
-          <a:bodyPr wrap="square" rtlCol="0">
-            <a:spAutoFit/>
-          </a:bodyPr>
-          <a:lstStyle/>
-          <a:p>
-            <a:pPr algn="r"/>
-            <a:r>
-              <a:rPr lang="en-US" altLang="ko-KR">
-                <a:solidFill>
-                  <a:schemeClr val="tx1">
-                    <a:lumMod val="65000"/>
-                    <a:lumOff val="35000"/>
-                  </a:schemeClr>
-                </a:solidFill>
-                <a:latin typeface="Noto Sans CJK KR Regular" panose="020B0500000000000000" pitchFamily="34" charset="-127"/>
-                <a:ea typeface="Noto Sans CJK KR Regular" panose="020B0500000000000000" pitchFamily="34" charset="-127"/>
-              </a:rPr>
-              <a:t>ex02-20-01.js</a:t>
-            </a:r>
-            <a:endParaRPr lang="ko-KR" altLang="en-US" dirty="0">
-              <a:solidFill>
-                <a:schemeClr val="tx1">
-                  <a:lumMod val="65000"/>
-                  <a:lumOff val="35000"/>
-                </a:schemeClr>
-              </a:solidFill>
-              <a:latin typeface="Noto Sans CJK KR Regular" panose="020B0500000000000000" pitchFamily="34" charset="-127"/>
-              <a:ea typeface="Noto Sans CJK KR Regular" panose="020B0500000000000000" pitchFamily="34" charset="-127"/>
-            </a:endParaRPr>
-          </a:p>
-        </p:txBody>
-      </p:sp>
       <p:sp>
         <p:nvSpPr>
           <p:cNvPr id="9" name="TextBox 8">
@@ -24670,7 +24126,7 @@
                 <a:latin typeface="Noto Sans CJK KR Regular" panose="020B0500000000000000" pitchFamily="34" charset="-127"/>
                 <a:ea typeface="Noto Sans CJK KR Regular" panose="020B0500000000000000" pitchFamily="34" charset="-127"/>
               </a:rPr>
-              <a:t>ex02-20-01.js</a:t>
+              <a:t>ex02-22.js</a:t>
             </a:r>
             <a:endParaRPr lang="ko-KR" altLang="en-US" dirty="0">
               <a:solidFill>
@@ -25346,7 +24802,7 @@
                 <a:latin typeface="Noto Sans CJK KR Regular" panose="020B0500000000000000" pitchFamily="34" charset="-127"/>
                 <a:ea typeface="Noto Sans CJK KR Regular" panose="020B0500000000000000" pitchFamily="34" charset="-127"/>
               </a:rPr>
-              <a:t>ex02-21.</a:t>
+              <a:t>ex02-23.</a:t>
             </a:r>
             <a:r>
               <a:rPr lang="en-US" altLang="ko-KR" dirty="0">
@@ -31204,7 +30660,7 @@
                 <a:latin typeface="Noto Sans CJK KR Regular" panose="020B0500000000000000" pitchFamily="34" charset="-127"/>
                 <a:ea typeface="Noto Sans CJK KR Regular" panose="020B0500000000000000" pitchFamily="34" charset="-127"/>
               </a:rPr>
-              <a:t>ex02-11.js, 12</a:t>
+              <a:t>ex02-11.js</a:t>
             </a:r>
             <a:endParaRPr lang="ko-KR" altLang="en-US" dirty="0">
               <a:solidFill>

--- a/PPT/02.자바스크립트 - 함수.pptx
+++ b/PPT/02.자바스크립트 - 함수.pptx
@@ -7315,7 +7315,20 @@
                 <a:latin typeface="Noto Sans CJK KR DemiLight" panose="020B0400000000000000" pitchFamily="34" charset="-128"/>
                 <a:ea typeface="Noto Sans CJK KR DemiLight" panose="020B0400000000000000" pitchFamily="34" charset="-128"/>
               </a:rPr>
-              <a:t>  호이스팅</a:t>
+              <a:t>  호이스팅 </a:t>
+            </a:r>
+            <a:r>
+              <a:rPr kumimoji="1" lang="en-US" altLang="ko-KR" sz="1600" spc="-60">
+                <a:solidFill>
+                  <a:schemeClr val="tx1">
+                    <a:lumMod val="75000"/>
+                    <a:lumOff val="25000"/>
+                  </a:schemeClr>
+                </a:solidFill>
+                <a:latin typeface="Noto Sans CJK KR DemiLight" panose="020B0400000000000000" pitchFamily="34" charset="-128"/>
+                <a:ea typeface="Noto Sans CJK KR DemiLight" panose="020B0400000000000000" pitchFamily="34" charset="-128"/>
+              </a:rPr>
+              <a:t>(hoisting)</a:t>
             </a:r>
             <a:endParaRPr kumimoji="1" lang="ko-KR" altLang="en-US" sz="1600" spc="-60" dirty="0">
               <a:solidFill>
@@ -30099,7 +30112,20 @@
                 <a:latin typeface="Noto Sans CJK KR DemiLight" panose="020B0400000000000000" pitchFamily="34" charset="-128"/>
                 <a:ea typeface="Noto Sans CJK KR DemiLight" panose="020B0400000000000000" pitchFamily="34" charset="-128"/>
               </a:rPr>
-              <a:t>  호이스팅</a:t>
+              <a:t>  호이스팅 </a:t>
+            </a:r>
+            <a:r>
+              <a:rPr kumimoji="1" lang="en-US" altLang="ko-KR" sz="1600" spc="-60">
+                <a:solidFill>
+                  <a:schemeClr val="tx1">
+                    <a:lumMod val="75000"/>
+                    <a:lumOff val="25000"/>
+                  </a:schemeClr>
+                </a:solidFill>
+                <a:latin typeface="Noto Sans CJK KR DemiLight" panose="020B0400000000000000" pitchFamily="34" charset="-128"/>
+                <a:ea typeface="Noto Sans CJK KR DemiLight" panose="020B0400000000000000" pitchFamily="34" charset="-128"/>
+              </a:rPr>
+              <a:t>(hoisting)</a:t>
             </a:r>
             <a:endParaRPr kumimoji="1" lang="ko-KR" altLang="en-US" sz="1600" spc="-60" dirty="0">
               <a:solidFill>

--- a/PPT/02.자바스크립트 - 함수.pptx
+++ b/PPT/02.자바스크립트 - 함수.pptx
@@ -11563,7 +11563,7 @@
         <p:spPr>
           <a:xfrm>
             <a:off x="1287263" y="2898716"/>
-            <a:ext cx="8460420" cy="2308324"/>
+            <a:ext cx="8460420" cy="2031325"/>
           </a:xfrm>
           <a:prstGeom prst="rect">
             <a:avLst/>
@@ -11676,12 +11676,52 @@
             <a:r>
               <a:rPr lang="en-US" altLang="ko-KR" b="0">
                 <a:solidFill>
+                  <a:srgbClr val="AF00DB"/>
+                </a:solidFill>
+                <a:effectLst/>
+                <a:latin typeface="Consolas" panose="020B0609020204030204" pitchFamily="49" charset="0"/>
+              </a:rPr>
+              <a:t>return</a:t>
+            </a:r>
+            <a:r>
+              <a:rPr lang="en-US" altLang="ko-KR" b="0">
+                <a:solidFill>
+                  <a:srgbClr val="3B3B3B"/>
+                </a:solidFill>
+                <a:effectLst/>
+                <a:latin typeface="Consolas" panose="020B0609020204030204" pitchFamily="49" charset="0"/>
+              </a:rPr>
+              <a:t> </a:t>
+            </a:r>
+            <a:r>
+              <a:rPr lang="en-US" altLang="ko-KR" b="0">
+                <a:solidFill>
+                  <a:srgbClr val="0000FF"/>
+                </a:solidFill>
+                <a:effectLst/>
+                <a:latin typeface="Consolas" panose="020B0609020204030204" pitchFamily="49" charset="0"/>
+              </a:rPr>
+              <a:t>this</a:t>
+            </a:r>
+            <a:r>
+              <a:rPr lang="en-US" altLang="ko-KR" b="0">
+                <a:solidFill>
+                  <a:srgbClr val="3B3B3B"/>
+                </a:solidFill>
+                <a:effectLst/>
+                <a:latin typeface="Consolas" panose="020B0609020204030204" pitchFamily="49" charset="0"/>
+              </a:rPr>
+              <a:t>.</a:t>
+            </a:r>
+            <a:r>
+              <a:rPr lang="en-US" altLang="ko-KR" b="0">
+                <a:solidFill>
                   <a:srgbClr val="001080"/>
                 </a:solidFill>
                 <a:effectLst/>
                 <a:latin typeface="Consolas" panose="020B0609020204030204" pitchFamily="49" charset="0"/>
               </a:rPr>
-              <a:t>console</a:t>
+              <a:t>name</a:t>
             </a:r>
             <a:r>
               <a:rPr lang="en-US" altLang="ko-KR" b="0">
@@ -11691,7 +11731,190 @@
                 <a:effectLst/>
                 <a:latin typeface="Consolas" panose="020B0609020204030204" pitchFamily="49" charset="0"/>
               </a:rPr>
-              <a:t>.</a:t>
+              <a:t>;</a:t>
+            </a:r>
+          </a:p>
+          <a:p>
+            <a:r>
+              <a:rPr lang="en-US" altLang="ko-KR" b="0">
+                <a:solidFill>
+                  <a:srgbClr val="3B3B3B"/>
+                </a:solidFill>
+                <a:effectLst/>
+                <a:latin typeface="Consolas" panose="020B0609020204030204" pitchFamily="49" charset="0"/>
+              </a:rPr>
+              <a:t>};</a:t>
+            </a:r>
+          </a:p>
+          <a:p>
+            <a:r>
+              <a:rPr lang="en-US" altLang="ko-KR" b="0">
+                <a:solidFill>
+                  <a:srgbClr val="0000FF"/>
+                </a:solidFill>
+                <a:effectLst/>
+                <a:latin typeface="Consolas" panose="020B0609020204030204" pitchFamily="49" charset="0"/>
+              </a:rPr>
+              <a:t>const</a:t>
+            </a:r>
+            <a:r>
+              <a:rPr lang="en-US" altLang="ko-KR" b="0">
+                <a:solidFill>
+                  <a:srgbClr val="3B3B3B"/>
+                </a:solidFill>
+                <a:effectLst/>
+                <a:latin typeface="Consolas" panose="020B0609020204030204" pitchFamily="49" charset="0"/>
+              </a:rPr>
+              <a:t> </a:t>
+            </a:r>
+            <a:r>
+              <a:rPr lang="en-US" altLang="ko-KR" b="0">
+                <a:solidFill>
+                  <a:srgbClr val="0070C1"/>
+                </a:solidFill>
+                <a:effectLst/>
+                <a:latin typeface="Consolas" panose="020B0609020204030204" pitchFamily="49" charset="0"/>
+              </a:rPr>
+              <a:t>b</a:t>
+            </a:r>
+            <a:r>
+              <a:rPr lang="en-US" altLang="ko-KR">
+                <a:solidFill>
+                  <a:srgbClr val="0070C1"/>
+                </a:solidFill>
+                <a:latin typeface="Consolas" panose="020B0609020204030204" pitchFamily="49" charset="0"/>
+              </a:rPr>
+              <a:t>aro</a:t>
+            </a:r>
+            <a:r>
+              <a:rPr lang="en-US" altLang="ko-KR" b="0">
+                <a:solidFill>
+                  <a:srgbClr val="3B3B3B"/>
+                </a:solidFill>
+                <a:effectLst/>
+                <a:latin typeface="Consolas" panose="020B0609020204030204" pitchFamily="49" charset="0"/>
+              </a:rPr>
+              <a:t> </a:t>
+            </a:r>
+            <a:r>
+              <a:rPr lang="en-US" altLang="ko-KR" b="0">
+                <a:solidFill>
+                  <a:srgbClr val="000000"/>
+                </a:solidFill>
+                <a:effectLst/>
+                <a:latin typeface="Consolas" panose="020B0609020204030204" pitchFamily="49" charset="0"/>
+              </a:rPr>
+              <a:t>=</a:t>
+            </a:r>
+            <a:r>
+              <a:rPr lang="en-US" altLang="ko-KR" b="0">
+                <a:solidFill>
+                  <a:srgbClr val="3B3B3B"/>
+                </a:solidFill>
+                <a:effectLst/>
+                <a:latin typeface="Consolas" panose="020B0609020204030204" pitchFamily="49" charset="0"/>
+              </a:rPr>
+              <a:t> { </a:t>
+            </a:r>
+            <a:r>
+              <a:rPr lang="en-US" altLang="ko-KR" b="0">
+                <a:solidFill>
+                  <a:srgbClr val="001080"/>
+                </a:solidFill>
+                <a:effectLst/>
+                <a:latin typeface="Consolas" panose="020B0609020204030204" pitchFamily="49" charset="0"/>
+              </a:rPr>
+              <a:t>name:</a:t>
+            </a:r>
+            <a:r>
+              <a:rPr lang="en-US" altLang="ko-KR" b="0">
+                <a:solidFill>
+                  <a:srgbClr val="3B3B3B"/>
+                </a:solidFill>
+                <a:effectLst/>
+                <a:latin typeface="Consolas" panose="020B0609020204030204" pitchFamily="49" charset="0"/>
+              </a:rPr>
+              <a:t> </a:t>
+            </a:r>
+            <a:r>
+              <a:rPr lang="en-US" altLang="ko-KR" b="0">
+                <a:solidFill>
+                  <a:srgbClr val="A31515"/>
+                </a:solidFill>
+                <a:effectLst/>
+                <a:latin typeface="Consolas" panose="020B0609020204030204" pitchFamily="49" charset="0"/>
+              </a:rPr>
+              <a:t>'</a:t>
+            </a:r>
+            <a:r>
+              <a:rPr lang="ko-KR" altLang="en-US" b="0">
+                <a:solidFill>
+                  <a:srgbClr val="A31515"/>
+                </a:solidFill>
+                <a:effectLst/>
+                <a:latin typeface="Consolas" panose="020B0609020204030204" pitchFamily="49" charset="0"/>
+              </a:rPr>
+              <a:t>바로핑</a:t>
+            </a:r>
+            <a:r>
+              <a:rPr lang="en-US" altLang="ko-KR" b="0">
+                <a:solidFill>
+                  <a:srgbClr val="A31515"/>
+                </a:solidFill>
+                <a:effectLst/>
+                <a:latin typeface="Consolas" panose="020B0609020204030204" pitchFamily="49" charset="0"/>
+              </a:rPr>
+              <a:t>'</a:t>
+            </a:r>
+            <a:r>
+              <a:rPr lang="en-US" altLang="ko-KR" b="0">
+                <a:solidFill>
+                  <a:srgbClr val="3B3B3B"/>
+                </a:solidFill>
+                <a:effectLst/>
+                <a:latin typeface="Consolas" panose="020B0609020204030204" pitchFamily="49" charset="0"/>
+              </a:rPr>
+              <a:t>, </a:t>
+            </a:r>
+            <a:r>
+              <a:rPr lang="en-US" altLang="ko-KR" b="0">
+                <a:solidFill>
+                  <a:srgbClr val="001080"/>
+                </a:solidFill>
+                <a:effectLst/>
+                <a:latin typeface="Consolas" panose="020B0609020204030204" pitchFamily="49" charset="0"/>
+              </a:rPr>
+              <a:t>age:</a:t>
+            </a:r>
+            <a:r>
+              <a:rPr lang="en-US" altLang="ko-KR" b="0">
+                <a:solidFill>
+                  <a:srgbClr val="3B3B3B"/>
+                </a:solidFill>
+                <a:effectLst/>
+                <a:latin typeface="Consolas" panose="020B0609020204030204" pitchFamily="49" charset="0"/>
+              </a:rPr>
+              <a:t> </a:t>
+            </a:r>
+            <a:r>
+              <a:rPr lang="en-US" altLang="ko-KR" b="0">
+                <a:solidFill>
+                  <a:srgbClr val="098658"/>
+                </a:solidFill>
+                <a:effectLst/>
+                <a:latin typeface="Consolas" panose="020B0609020204030204" pitchFamily="49" charset="0"/>
+              </a:rPr>
+              <a:t>11</a:t>
+            </a:r>
+            <a:r>
+              <a:rPr lang="en-US" altLang="ko-KR" b="0">
+                <a:solidFill>
+                  <a:srgbClr val="3B3B3B"/>
+                </a:solidFill>
+                <a:effectLst/>
+                <a:latin typeface="Consolas" panose="020B0609020204030204" pitchFamily="49" charset="0"/>
+              </a:rPr>
+              <a:t>, </a:t>
             </a:r>
             <a:r>
               <a:rPr lang="en-US" altLang="ko-KR" b="0">
@@ -11701,7 +11924,17 @@
                 <a:effectLst/>
                 <a:latin typeface="Consolas" panose="020B0609020204030204" pitchFamily="49" charset="0"/>
               </a:rPr>
-              <a:t>log</a:t>
+              <a:t>getName</a:t>
+            </a:r>
+            <a:r>
+              <a:rPr lang="en-US" altLang="ko-KR" b="0">
+                <a:solidFill>
+                  <a:srgbClr val="001080"/>
+                </a:solidFill>
+                <a:effectLst/>
+                <a:latin typeface="Consolas" panose="020B0609020204030204" pitchFamily="49" charset="0"/>
+              </a:rPr>
+              <a:t>:</a:t>
             </a:r>
             <a:r>
               <a:rPr lang="en-US" altLang="ko-KR" b="0">
@@ -11711,8 +11944,30 @@
                 <a:effectLst/>
                 <a:latin typeface="Consolas" panose="020B0609020204030204" pitchFamily="49" charset="0"/>
               </a:rPr>
-              <a:t>(</a:t>
-            </a:r>
+              <a:t> </a:t>
+            </a:r>
+            <a:r>
+              <a:rPr lang="en-US" altLang="ko-KR" b="0">
+                <a:solidFill>
+                  <a:srgbClr val="795E26"/>
+                </a:solidFill>
+                <a:effectLst/>
+                <a:latin typeface="Consolas" panose="020B0609020204030204" pitchFamily="49" charset="0"/>
+              </a:rPr>
+              <a:t>getPingName</a:t>
+            </a:r>
+            <a:r>
+              <a:rPr lang="en-US" altLang="ko-KR" b="0">
+                <a:solidFill>
+                  <a:srgbClr val="3B3B3B"/>
+                </a:solidFill>
+                <a:effectLst/>
+                <a:latin typeface="Consolas" panose="020B0609020204030204" pitchFamily="49" charset="0"/>
+              </a:rPr>
+              <a:t> };</a:t>
+            </a:r>
+          </a:p>
+          <a:p>
             <a:r>
               <a:rPr lang="en-US" altLang="ko-KR" b="0">
                 <a:solidFill>
@@ -11721,7 +11976,7 @@
                 <a:effectLst/>
                 <a:latin typeface="Consolas" panose="020B0609020204030204" pitchFamily="49" charset="0"/>
               </a:rPr>
-              <a:t>this</a:t>
+              <a:t>const</a:t>
             </a:r>
             <a:r>
               <a:rPr lang="en-US" altLang="ko-KR" b="0">
@@ -11731,335 +11986,16 @@
                 <a:effectLst/>
                 <a:latin typeface="Consolas" panose="020B0609020204030204" pitchFamily="49" charset="0"/>
               </a:rPr>
-              <a:t>);</a:t>
-            </a:r>
-          </a:p>
-          <a:p>
-            <a:r>
-              <a:rPr lang="en-US" altLang="ko-KR" b="0">
-                <a:solidFill>
-                  <a:srgbClr val="3B3B3B"/>
-                </a:solidFill>
-                <a:effectLst/>
-                <a:latin typeface="Consolas" panose="020B0609020204030204" pitchFamily="49" charset="0"/>
-              </a:rPr>
-              <a:t>  </a:t>
-            </a:r>
-            <a:r>
-              <a:rPr lang="en-US" altLang="ko-KR" b="0">
-                <a:solidFill>
-                  <a:srgbClr val="AF00DB"/>
-                </a:solidFill>
-                <a:effectLst/>
-                <a:latin typeface="Consolas" panose="020B0609020204030204" pitchFamily="49" charset="0"/>
-              </a:rPr>
-              <a:t>return</a:t>
-            </a:r>
-            <a:r>
-              <a:rPr lang="en-US" altLang="ko-KR" b="0">
-                <a:solidFill>
-                  <a:srgbClr val="3B3B3B"/>
-                </a:solidFill>
-                <a:effectLst/>
-                <a:latin typeface="Consolas" panose="020B0609020204030204" pitchFamily="49" charset="0"/>
-              </a:rPr>
               <a:t> </a:t>
             </a:r>
             <a:r>
-              <a:rPr lang="en-US" altLang="ko-KR" b="0">
-                <a:solidFill>
-                  <a:srgbClr val="0000FF"/>
-                </a:solidFill>
-                <a:effectLst/>
-                <a:latin typeface="Consolas" panose="020B0609020204030204" pitchFamily="49" charset="0"/>
-              </a:rPr>
-              <a:t>this</a:t>
-            </a:r>
-            <a:r>
-              <a:rPr lang="en-US" altLang="ko-KR" b="0">
-                <a:solidFill>
-                  <a:srgbClr val="3B3B3B"/>
-                </a:solidFill>
-                <a:effectLst/>
-                <a:latin typeface="Consolas" panose="020B0609020204030204" pitchFamily="49" charset="0"/>
-              </a:rPr>
-              <a:t>.</a:t>
-            </a:r>
-            <a:r>
-              <a:rPr lang="en-US" altLang="ko-KR" b="0">
-                <a:solidFill>
-                  <a:srgbClr val="001080"/>
-                </a:solidFill>
-                <a:effectLst/>
-                <a:latin typeface="Consolas" panose="020B0609020204030204" pitchFamily="49" charset="0"/>
-              </a:rPr>
-              <a:t>name</a:t>
-            </a:r>
-            <a:r>
-              <a:rPr lang="en-US" altLang="ko-KR" b="0">
-                <a:solidFill>
-                  <a:srgbClr val="3B3B3B"/>
-                </a:solidFill>
-                <a:effectLst/>
-                <a:latin typeface="Consolas" panose="020B0609020204030204" pitchFamily="49" charset="0"/>
-              </a:rPr>
-              <a:t>;</a:t>
-            </a:r>
-          </a:p>
-          <a:p>
-            <a:r>
-              <a:rPr lang="en-US" altLang="ko-KR" b="0">
-                <a:solidFill>
-                  <a:srgbClr val="3B3B3B"/>
-                </a:solidFill>
-                <a:effectLst/>
-                <a:latin typeface="Consolas" panose="020B0609020204030204" pitchFamily="49" charset="0"/>
-              </a:rPr>
-              <a:t>};</a:t>
-            </a:r>
-          </a:p>
-          <a:p>
-            <a:r>
-              <a:rPr lang="en-US" altLang="ko-KR" b="0">
-                <a:solidFill>
-                  <a:srgbClr val="0000FF"/>
-                </a:solidFill>
-                <a:effectLst/>
-                <a:latin typeface="Consolas" panose="020B0609020204030204" pitchFamily="49" charset="0"/>
-              </a:rPr>
-              <a:t>const</a:t>
-            </a:r>
-            <a:r>
-              <a:rPr lang="en-US" altLang="ko-KR" b="0">
-                <a:solidFill>
-                  <a:srgbClr val="3B3B3B"/>
-                </a:solidFill>
-                <a:effectLst/>
-                <a:latin typeface="Consolas" panose="020B0609020204030204" pitchFamily="49" charset="0"/>
-              </a:rPr>
-              <a:t> </a:t>
-            </a:r>
-            <a:r>
-              <a:rPr lang="en-US" altLang="ko-KR" b="0">
+              <a:rPr lang="en-US" altLang="ko-KR">
                 <a:solidFill>
                   <a:srgbClr val="0070C1"/>
                 </a:solidFill>
-                <a:effectLst/>
-                <a:latin typeface="Consolas" panose="020B0609020204030204" pitchFamily="49" charset="0"/>
-              </a:rPr>
-              <a:t>ping1</a:t>
-            </a:r>
-            <a:r>
-              <a:rPr lang="en-US" altLang="ko-KR" b="0">
-                <a:solidFill>
-                  <a:srgbClr val="3B3B3B"/>
-                </a:solidFill>
-                <a:effectLst/>
-                <a:latin typeface="Consolas" panose="020B0609020204030204" pitchFamily="49" charset="0"/>
-              </a:rPr>
-              <a:t> </a:t>
-            </a:r>
-            <a:r>
-              <a:rPr lang="en-US" altLang="ko-KR" b="0">
-                <a:solidFill>
-                  <a:srgbClr val="000000"/>
-                </a:solidFill>
-                <a:effectLst/>
-                <a:latin typeface="Consolas" panose="020B0609020204030204" pitchFamily="49" charset="0"/>
-              </a:rPr>
-              <a:t>=</a:t>
-            </a:r>
-            <a:r>
-              <a:rPr lang="en-US" altLang="ko-KR" b="0">
-                <a:solidFill>
-                  <a:srgbClr val="3B3B3B"/>
-                </a:solidFill>
-                <a:effectLst/>
-                <a:latin typeface="Consolas" panose="020B0609020204030204" pitchFamily="49" charset="0"/>
-              </a:rPr>
-              <a:t> { </a:t>
-            </a:r>
-            <a:r>
-              <a:rPr lang="en-US" altLang="ko-KR" b="0">
-                <a:solidFill>
-                  <a:srgbClr val="001080"/>
-                </a:solidFill>
-                <a:effectLst/>
-                <a:latin typeface="Consolas" panose="020B0609020204030204" pitchFamily="49" charset="0"/>
-              </a:rPr>
-              <a:t>name:</a:t>
-            </a:r>
-            <a:r>
-              <a:rPr lang="en-US" altLang="ko-KR" b="0">
-                <a:solidFill>
-                  <a:srgbClr val="3B3B3B"/>
-                </a:solidFill>
-                <a:effectLst/>
-                <a:latin typeface="Consolas" panose="020B0609020204030204" pitchFamily="49" charset="0"/>
-              </a:rPr>
-              <a:t> </a:t>
-            </a:r>
-            <a:r>
-              <a:rPr lang="en-US" altLang="ko-KR" b="0">
-                <a:solidFill>
-                  <a:srgbClr val="A31515"/>
-                </a:solidFill>
-                <a:effectLst/>
-                <a:latin typeface="Consolas" panose="020B0609020204030204" pitchFamily="49" charset="0"/>
-              </a:rPr>
-              <a:t>'</a:t>
-            </a:r>
-            <a:r>
-              <a:rPr lang="ko-KR" altLang="en-US" b="0">
-                <a:solidFill>
-                  <a:srgbClr val="A31515"/>
-                </a:solidFill>
-                <a:effectLst/>
-                <a:latin typeface="Consolas" panose="020B0609020204030204" pitchFamily="49" charset="0"/>
-              </a:rPr>
-              <a:t>바로핑</a:t>
-            </a:r>
-            <a:r>
-              <a:rPr lang="en-US" altLang="ko-KR" b="0">
-                <a:solidFill>
-                  <a:srgbClr val="A31515"/>
-                </a:solidFill>
-                <a:effectLst/>
-                <a:latin typeface="Consolas" panose="020B0609020204030204" pitchFamily="49" charset="0"/>
-              </a:rPr>
-              <a:t>'</a:t>
-            </a:r>
-            <a:r>
-              <a:rPr lang="en-US" altLang="ko-KR" b="0">
-                <a:solidFill>
-                  <a:srgbClr val="3B3B3B"/>
-                </a:solidFill>
-                <a:effectLst/>
-                <a:latin typeface="Consolas" panose="020B0609020204030204" pitchFamily="49" charset="0"/>
-              </a:rPr>
-              <a:t>, </a:t>
-            </a:r>
-            <a:r>
-              <a:rPr lang="en-US" altLang="ko-KR" b="0">
-                <a:solidFill>
-                  <a:srgbClr val="001080"/>
-                </a:solidFill>
-                <a:effectLst/>
-                <a:latin typeface="Consolas" panose="020B0609020204030204" pitchFamily="49" charset="0"/>
-              </a:rPr>
-              <a:t>age:</a:t>
-            </a:r>
-            <a:r>
-              <a:rPr lang="en-US" altLang="ko-KR" b="0">
-                <a:solidFill>
-                  <a:srgbClr val="3B3B3B"/>
-                </a:solidFill>
-                <a:effectLst/>
-                <a:latin typeface="Consolas" panose="020B0609020204030204" pitchFamily="49" charset="0"/>
-              </a:rPr>
-              <a:t> </a:t>
-            </a:r>
-            <a:r>
-              <a:rPr lang="en-US" altLang="ko-KR" b="0">
-                <a:solidFill>
-                  <a:srgbClr val="098658"/>
-                </a:solidFill>
-                <a:effectLst/>
-                <a:latin typeface="Consolas" panose="020B0609020204030204" pitchFamily="49" charset="0"/>
-              </a:rPr>
-              <a:t>11</a:t>
-            </a:r>
-            <a:r>
-              <a:rPr lang="en-US" altLang="ko-KR" b="0">
-                <a:solidFill>
-                  <a:srgbClr val="3B3B3B"/>
-                </a:solidFill>
-                <a:effectLst/>
-                <a:latin typeface="Consolas" panose="020B0609020204030204" pitchFamily="49" charset="0"/>
-              </a:rPr>
-              <a:t>, </a:t>
-            </a:r>
-            <a:r>
-              <a:rPr lang="en-US" altLang="ko-KR" b="0">
-                <a:solidFill>
-                  <a:srgbClr val="795E26"/>
-                </a:solidFill>
-                <a:effectLst/>
-                <a:latin typeface="Consolas" panose="020B0609020204030204" pitchFamily="49" charset="0"/>
-              </a:rPr>
-              <a:t>getName</a:t>
-            </a:r>
-            <a:r>
-              <a:rPr lang="en-US" altLang="ko-KR" b="0">
-                <a:solidFill>
-                  <a:srgbClr val="001080"/>
-                </a:solidFill>
-                <a:effectLst/>
-                <a:latin typeface="Consolas" panose="020B0609020204030204" pitchFamily="49" charset="0"/>
-              </a:rPr>
-              <a:t>:</a:t>
-            </a:r>
-            <a:r>
-              <a:rPr lang="en-US" altLang="ko-KR" b="0">
-                <a:solidFill>
-                  <a:srgbClr val="3B3B3B"/>
-                </a:solidFill>
-                <a:effectLst/>
-                <a:latin typeface="Consolas" panose="020B0609020204030204" pitchFamily="49" charset="0"/>
-              </a:rPr>
-              <a:t> </a:t>
-            </a:r>
-            <a:r>
-              <a:rPr lang="en-US" altLang="ko-KR" b="0">
-                <a:solidFill>
-                  <a:srgbClr val="795E26"/>
-                </a:solidFill>
-                <a:effectLst/>
-                <a:latin typeface="Consolas" panose="020B0609020204030204" pitchFamily="49" charset="0"/>
-              </a:rPr>
-              <a:t>getPingName</a:t>
-            </a:r>
-            <a:r>
-              <a:rPr lang="en-US" altLang="ko-KR" b="0">
-                <a:solidFill>
-                  <a:srgbClr val="3B3B3B"/>
-                </a:solidFill>
-                <a:effectLst/>
-                <a:latin typeface="Consolas" panose="020B0609020204030204" pitchFamily="49" charset="0"/>
-              </a:rPr>
-              <a:t> };</a:t>
-            </a:r>
-          </a:p>
-          <a:p>
-            <a:r>
-              <a:rPr lang="en-US" altLang="ko-KR" b="0">
-                <a:solidFill>
-                  <a:srgbClr val="0000FF"/>
-                </a:solidFill>
-                <a:effectLst/>
-                <a:latin typeface="Consolas" panose="020B0609020204030204" pitchFamily="49" charset="0"/>
-              </a:rPr>
-              <a:t>const</a:t>
-            </a:r>
-            <a:r>
-              <a:rPr lang="en-US" altLang="ko-KR" b="0">
-                <a:solidFill>
-                  <a:srgbClr val="3B3B3B"/>
-                </a:solidFill>
-                <a:effectLst/>
-                <a:latin typeface="Consolas" panose="020B0609020204030204" pitchFamily="49" charset="0"/>
-              </a:rPr>
-              <a:t> </a:t>
-            </a:r>
-            <a:r>
-              <a:rPr lang="en-US" altLang="ko-KR" b="0">
-                <a:solidFill>
-                  <a:srgbClr val="0070C1"/>
-                </a:solidFill>
-                <a:effectLst/>
-                <a:latin typeface="Consolas" panose="020B0609020204030204" pitchFamily="49" charset="0"/>
-              </a:rPr>
-              <a:t>ping2</a:t>
+                <a:latin typeface="Consolas" panose="020B0609020204030204" pitchFamily="49" charset="0"/>
+              </a:rPr>
+              <a:t>rara</a:t>
             </a:r>
             <a:r>
               <a:rPr lang="en-US" altLang="ko-KR" b="0">
@@ -12567,7 +12503,7 @@
                 <a:latin typeface="Noto Sans CJK KR Regular" panose="020B0500000000000000" pitchFamily="34" charset="-127"/>
                 <a:ea typeface="Noto Sans CJK KR Regular" panose="020B0500000000000000" pitchFamily="34" charset="-127"/>
               </a:rPr>
-              <a:t>ex02-15.js, 02-01</a:t>
+              <a:t>ex02-15.js, 01</a:t>
             </a:r>
             <a:endParaRPr lang="ko-KR" altLang="en-US" dirty="0">
               <a:solidFill>
@@ -12597,7 +12533,7 @@
         <p:spPr>
           <a:xfrm>
             <a:off x="1287262" y="5343244"/>
-            <a:ext cx="8460421" cy="1200329"/>
+            <a:ext cx="8460421" cy="646331"/>
           </a:xfrm>
           <a:prstGeom prst="rect">
             <a:avLst/>
@@ -12623,7 +12559,7 @@
                 <a:effectLst/>
                 <a:latin typeface="Consolas" panose="020B0609020204030204" pitchFamily="49" charset="0"/>
               </a:rPr>
-              <a:t>{ name: '</a:t>
+              <a:t>11 '</a:t>
             </a:r>
             <a:r>
               <a:rPr lang="ko-KR" altLang="en-US" b="0">
@@ -12643,8 +12579,15 @@
                 <a:effectLst/>
                 <a:latin typeface="Consolas" panose="020B0609020204030204" pitchFamily="49" charset="0"/>
               </a:rPr>
-              <a:t>', age: 11, getName: [Function: getPingName] }</a:t>
-            </a:r>
+              <a:t>'</a:t>
+            </a:r>
+            <a:endParaRPr lang="ko-KR" altLang="en-US" b="0">
+              <a:solidFill>
+                <a:srgbClr val="000000"/>
+              </a:solidFill>
+              <a:effectLst/>
+              <a:latin typeface="Consolas" panose="020B0609020204030204" pitchFamily="49" charset="0"/>
+            </a:endParaRPr>
           </a:p>
           <a:p>
             <a:r>
@@ -12655,7 +12598,7 @@
                 <a:effectLst/>
                 <a:latin typeface="Consolas" panose="020B0609020204030204" pitchFamily="49" charset="0"/>
               </a:rPr>
-              <a:t>11 </a:t>
+              <a:t>9 '</a:t>
             </a:r>
             <a:r>
               <a:rPr lang="ko-KR" altLang="en-US" b="0">
@@ -12665,10 +12608,8 @@
                 <a:effectLst/>
                 <a:latin typeface="Consolas" panose="020B0609020204030204" pitchFamily="49" charset="0"/>
               </a:rPr>
-              <a:t>바로핑</a:t>
-            </a:r>
-          </a:p>
-          <a:p>
+              <a:t>라라핑</a:t>
+            </a:r>
             <a:r>
               <a:rPr lang="en-US" altLang="ko-KR" b="0">
                 <a:solidFill>
@@ -12677,50 +12618,15 @@
                 <a:effectLst/>
                 <a:latin typeface="Consolas" panose="020B0609020204030204" pitchFamily="49" charset="0"/>
               </a:rPr>
-              <a:t>{ name: '</a:t>
-            </a:r>
-            <a:r>
-              <a:rPr lang="ko-KR" altLang="en-US" b="0">
-                <a:solidFill>
-                  <a:srgbClr val="000000"/>
-                </a:solidFill>
-                <a:effectLst/>
-                <a:latin typeface="Consolas" panose="020B0609020204030204" pitchFamily="49" charset="0"/>
-              </a:rPr>
-              <a:t>라라핑</a:t>
-            </a:r>
-            <a:r>
-              <a:rPr lang="en-US" altLang="ko-KR" b="0">
-                <a:solidFill>
-                  <a:srgbClr val="000000"/>
-                </a:solidFill>
-                <a:effectLst/>
-                <a:latin typeface="Consolas" panose="020B0609020204030204" pitchFamily="49" charset="0"/>
-              </a:rPr>
-              <a:t>', age: 9, getName: [Function: getPingName] }</a:t>
-            </a:r>
-          </a:p>
-          <a:p>
-            <a:r>
-              <a:rPr lang="en-US" altLang="ko-KR" b="0">
-                <a:solidFill>
-                  <a:srgbClr val="000000"/>
-                </a:solidFill>
-                <a:effectLst/>
-                <a:latin typeface="Consolas" panose="020B0609020204030204" pitchFamily="49" charset="0"/>
-              </a:rPr>
-              <a:t>9 </a:t>
-            </a:r>
-            <a:r>
-              <a:rPr lang="ko-KR" altLang="en-US" b="0">
-                <a:solidFill>
-                  <a:srgbClr val="000000"/>
-                </a:solidFill>
-                <a:effectLst/>
-                <a:latin typeface="Consolas" panose="020B0609020204030204" pitchFamily="49" charset="0"/>
-              </a:rPr>
-              <a:t>라라핑</a:t>
-            </a:r>
+              <a:t>'</a:t>
+            </a:r>
+            <a:endParaRPr lang="ko-KR" altLang="en-US" b="0">
+              <a:solidFill>
+                <a:srgbClr val="000000"/>
+              </a:solidFill>
+              <a:effectLst/>
+              <a:latin typeface="Consolas" panose="020B0609020204030204" pitchFamily="49" charset="0"/>
+            </a:endParaRPr>
           </a:p>
         </p:txBody>
       </p:sp>
@@ -13057,8 +12963,8 @@
         </p:nvSpPr>
         <p:spPr>
           <a:xfrm>
-            <a:off x="1287263" y="5195413"/>
-            <a:ext cx="8460420" cy="1200329"/>
+            <a:off x="1287263" y="4452986"/>
+            <a:ext cx="8460420" cy="646331"/>
           </a:xfrm>
           <a:prstGeom prst="rect">
             <a:avLst/>
@@ -13084,17 +12990,18 @@
                 <a:effectLst/>
                 <a:latin typeface="Consolas" panose="020B0609020204030204" pitchFamily="49" charset="0"/>
               </a:rPr>
-              <a:t>{ name: '</a:t>
-            </a:r>
-            <a:r>
-              <a:rPr lang="ko-KR" altLang="en-US" b="0">
+              <a:t>11 ''</a:t>
+            </a:r>
+          </a:p>
+          <a:p>
+            <a:r>
+              <a:rPr lang="en-US" altLang="ko-KR">
                 <a:solidFill>
                   <a:srgbClr val="000000"/>
                 </a:solidFill>
-                <a:effectLst/>
-                <a:latin typeface="Consolas" panose="020B0609020204030204" pitchFamily="49" charset="0"/>
-              </a:rPr>
-              <a:t>바로핑</a:t>
+                <a:latin typeface="Consolas" panose="020B0609020204030204" pitchFamily="49" charset="0"/>
+              </a:rPr>
+              <a:t>9</a:t>
             </a:r>
             <a:r>
               <a:rPr lang="en-US" altLang="ko-KR" b="0">
@@ -13104,134 +13011,15 @@
                 <a:effectLst/>
                 <a:latin typeface="Consolas" panose="020B0609020204030204" pitchFamily="49" charset="0"/>
               </a:rPr>
-              <a:t>', age: 11, info: [Function: getPingInfo] }</a:t>
-            </a:r>
-          </a:p>
-          <a:p>
-            <a:r>
-              <a:rPr lang="en-US" altLang="ko-KR" b="0">
-                <a:solidFill>
-                  <a:srgbClr val="000000"/>
-                </a:solidFill>
-                <a:effectLst/>
-                <a:latin typeface="Consolas" panose="020B0609020204030204" pitchFamily="49" charset="0"/>
-              </a:rPr>
-              <a:t>undefined</a:t>
-            </a:r>
-            <a:r>
-              <a:rPr lang="ko-KR" altLang="en-US" b="0">
-                <a:solidFill>
-                  <a:srgbClr val="000000"/>
-                </a:solidFill>
-                <a:effectLst/>
-                <a:latin typeface="Consolas" panose="020B0609020204030204" pitchFamily="49" charset="0"/>
-              </a:rPr>
-              <a:t>은 </a:t>
-            </a:r>
-            <a:r>
-              <a:rPr lang="en-US" altLang="ko-KR" b="0">
-                <a:solidFill>
-                  <a:srgbClr val="000000"/>
-                </a:solidFill>
-                <a:effectLst/>
-                <a:latin typeface="Consolas" panose="020B0609020204030204" pitchFamily="49" charset="0"/>
-              </a:rPr>
-              <a:t>11 </a:t>
-            </a:r>
-            <a:r>
-              <a:rPr lang="ko-KR" altLang="en-US" b="0">
-                <a:solidFill>
-                  <a:srgbClr val="000000"/>
-                </a:solidFill>
-                <a:effectLst/>
-                <a:latin typeface="Consolas" panose="020B0609020204030204" pitchFamily="49" charset="0"/>
-              </a:rPr>
-              <a:t>살 입니다</a:t>
-            </a:r>
-            <a:r>
-              <a:rPr lang="en-US" altLang="ko-KR" b="0">
-                <a:solidFill>
-                  <a:srgbClr val="000000"/>
-                </a:solidFill>
-                <a:effectLst/>
-                <a:latin typeface="Consolas" panose="020B0609020204030204" pitchFamily="49" charset="0"/>
-              </a:rPr>
-              <a:t>.</a:t>
-            </a:r>
-          </a:p>
-          <a:p>
-            <a:r>
-              <a:rPr lang="en-US" altLang="ko-KR" b="0">
-                <a:solidFill>
-                  <a:srgbClr val="000000"/>
-                </a:solidFill>
-                <a:effectLst/>
-                <a:latin typeface="Consolas" panose="020B0609020204030204" pitchFamily="49" charset="0"/>
-              </a:rPr>
-              <a:t>{ name: '</a:t>
-            </a:r>
-            <a:r>
-              <a:rPr lang="ko-KR" altLang="en-US" b="0">
-                <a:solidFill>
-                  <a:srgbClr val="000000"/>
-                </a:solidFill>
-                <a:effectLst/>
-                <a:latin typeface="Consolas" panose="020B0609020204030204" pitchFamily="49" charset="0"/>
-              </a:rPr>
-              <a:t>라라핑</a:t>
-            </a:r>
-            <a:r>
-              <a:rPr lang="en-US" altLang="ko-KR" b="0">
-                <a:solidFill>
-                  <a:srgbClr val="000000"/>
-                </a:solidFill>
-                <a:effectLst/>
-                <a:latin typeface="Consolas" panose="020B0609020204030204" pitchFamily="49" charset="0"/>
-              </a:rPr>
-              <a:t>', age: 9, info: [Function: getPingInfo] }</a:t>
-            </a:r>
-          </a:p>
-          <a:p>
-            <a:r>
-              <a:rPr lang="en-US" altLang="ko-KR" b="0">
-                <a:solidFill>
-                  <a:srgbClr val="000000"/>
-                </a:solidFill>
-                <a:effectLst/>
-                <a:latin typeface="Consolas" panose="020B0609020204030204" pitchFamily="49" charset="0"/>
-              </a:rPr>
-              <a:t>undefined</a:t>
-            </a:r>
-            <a:r>
-              <a:rPr lang="ko-KR" altLang="en-US" b="0">
-                <a:solidFill>
-                  <a:srgbClr val="000000"/>
-                </a:solidFill>
-                <a:effectLst/>
-                <a:latin typeface="Consolas" panose="020B0609020204030204" pitchFamily="49" charset="0"/>
-              </a:rPr>
-              <a:t>은 </a:t>
-            </a:r>
-            <a:r>
-              <a:rPr lang="en-US" altLang="ko-KR" b="0">
-                <a:solidFill>
-                  <a:srgbClr val="000000"/>
-                </a:solidFill>
-                <a:effectLst/>
-                <a:latin typeface="Consolas" panose="020B0609020204030204" pitchFamily="49" charset="0"/>
-              </a:rPr>
-              <a:t>9 </a:t>
-            </a:r>
-            <a:r>
-              <a:rPr lang="ko-KR" altLang="en-US" b="0">
-                <a:solidFill>
-                  <a:srgbClr val="000000"/>
-                </a:solidFill>
-                <a:effectLst/>
-                <a:latin typeface="Consolas" panose="020B0609020204030204" pitchFamily="49" charset="0"/>
-              </a:rPr>
-              <a:t>살 입니다</a:t>
-            </a:r>
+              <a:t> ''</a:t>
+            </a:r>
+            <a:endParaRPr lang="ko-KR" altLang="en-US" b="0">
+              <a:solidFill>
+                <a:srgbClr val="000000"/>
+              </a:solidFill>
+              <a:effectLst/>
+              <a:latin typeface="Consolas" panose="020B0609020204030204" pitchFamily="49" charset="0"/>
+            </a:endParaRPr>
           </a:p>
         </p:txBody>
       </p:sp>
@@ -13250,7 +13038,7 @@
         <p:spPr>
           <a:xfrm>
             <a:off x="1287263" y="1790720"/>
-            <a:ext cx="8460420" cy="2308324"/>
+            <a:ext cx="8460420" cy="2031325"/>
           </a:xfrm>
           <a:prstGeom prst="rect">
             <a:avLst/>
@@ -13363,12 +13151,52 @@
             <a:r>
               <a:rPr lang="en-US" altLang="ko-KR" b="0">
                 <a:solidFill>
+                  <a:srgbClr val="AF00DB"/>
+                </a:solidFill>
+                <a:effectLst/>
+                <a:latin typeface="Consolas" panose="020B0609020204030204" pitchFamily="49" charset="0"/>
+              </a:rPr>
+              <a:t>return</a:t>
+            </a:r>
+            <a:r>
+              <a:rPr lang="en-US" altLang="ko-KR" b="0">
+                <a:solidFill>
+                  <a:srgbClr val="3B3B3B"/>
+                </a:solidFill>
+                <a:effectLst/>
+                <a:latin typeface="Consolas" panose="020B0609020204030204" pitchFamily="49" charset="0"/>
+              </a:rPr>
+              <a:t> </a:t>
+            </a:r>
+            <a:r>
+              <a:rPr lang="en-US" altLang="ko-KR" b="0">
+                <a:solidFill>
+                  <a:srgbClr val="0000FF"/>
+                </a:solidFill>
+                <a:effectLst/>
+                <a:latin typeface="Consolas" panose="020B0609020204030204" pitchFamily="49" charset="0"/>
+              </a:rPr>
+              <a:t>this</a:t>
+            </a:r>
+            <a:r>
+              <a:rPr lang="en-US" altLang="ko-KR" b="0">
+                <a:solidFill>
+                  <a:srgbClr val="3B3B3B"/>
+                </a:solidFill>
+                <a:effectLst/>
+                <a:latin typeface="Consolas" panose="020B0609020204030204" pitchFamily="49" charset="0"/>
+              </a:rPr>
+              <a:t>.</a:t>
+            </a:r>
+            <a:r>
+              <a:rPr lang="en-US" altLang="ko-KR" b="0">
+                <a:solidFill>
                   <a:srgbClr val="001080"/>
                 </a:solidFill>
                 <a:effectLst/>
                 <a:latin typeface="Consolas" panose="020B0609020204030204" pitchFamily="49" charset="0"/>
               </a:rPr>
-              <a:t>console</a:t>
+              <a:t>name</a:t>
             </a:r>
             <a:r>
               <a:rPr lang="en-US" altLang="ko-KR" b="0">
@@ -13378,7 +13206,181 @@
                 <a:effectLst/>
                 <a:latin typeface="Consolas" panose="020B0609020204030204" pitchFamily="49" charset="0"/>
               </a:rPr>
-              <a:t>.</a:t>
+              <a:t>;</a:t>
+            </a:r>
+          </a:p>
+          <a:p>
+            <a:r>
+              <a:rPr lang="en-US" altLang="ko-KR" b="0">
+                <a:solidFill>
+                  <a:srgbClr val="3B3B3B"/>
+                </a:solidFill>
+                <a:effectLst/>
+                <a:latin typeface="Consolas" panose="020B0609020204030204" pitchFamily="49" charset="0"/>
+              </a:rPr>
+              <a:t>};</a:t>
+            </a:r>
+          </a:p>
+          <a:p>
+            <a:r>
+              <a:rPr lang="en-US" altLang="ko-KR" b="0">
+                <a:solidFill>
+                  <a:srgbClr val="0000FF"/>
+                </a:solidFill>
+                <a:effectLst/>
+                <a:latin typeface="Consolas" panose="020B0609020204030204" pitchFamily="49" charset="0"/>
+              </a:rPr>
+              <a:t>const</a:t>
+            </a:r>
+            <a:r>
+              <a:rPr lang="en-US" altLang="ko-KR" b="0">
+                <a:solidFill>
+                  <a:srgbClr val="3B3B3B"/>
+                </a:solidFill>
+                <a:effectLst/>
+                <a:latin typeface="Consolas" panose="020B0609020204030204" pitchFamily="49" charset="0"/>
+              </a:rPr>
+              <a:t> </a:t>
+            </a:r>
+            <a:r>
+              <a:rPr lang="en-US" altLang="ko-KR" b="0">
+                <a:solidFill>
+                  <a:srgbClr val="0070C1"/>
+                </a:solidFill>
+                <a:effectLst/>
+                <a:latin typeface="Consolas" panose="020B0609020204030204" pitchFamily="49" charset="0"/>
+              </a:rPr>
+              <a:t>baro</a:t>
+            </a:r>
+            <a:r>
+              <a:rPr lang="en-US" altLang="ko-KR" b="0">
+                <a:solidFill>
+                  <a:srgbClr val="3B3B3B"/>
+                </a:solidFill>
+                <a:effectLst/>
+                <a:latin typeface="Consolas" panose="020B0609020204030204" pitchFamily="49" charset="0"/>
+              </a:rPr>
+              <a:t> </a:t>
+            </a:r>
+            <a:r>
+              <a:rPr lang="en-US" altLang="ko-KR" b="0">
+                <a:solidFill>
+                  <a:srgbClr val="000000"/>
+                </a:solidFill>
+                <a:effectLst/>
+                <a:latin typeface="Consolas" panose="020B0609020204030204" pitchFamily="49" charset="0"/>
+              </a:rPr>
+              <a:t>=</a:t>
+            </a:r>
+            <a:r>
+              <a:rPr lang="en-US" altLang="ko-KR" b="0">
+                <a:solidFill>
+                  <a:srgbClr val="3B3B3B"/>
+                </a:solidFill>
+                <a:effectLst/>
+                <a:latin typeface="Consolas" panose="020B0609020204030204" pitchFamily="49" charset="0"/>
+              </a:rPr>
+              <a:t> { </a:t>
+            </a:r>
+            <a:r>
+              <a:rPr lang="en-US" altLang="ko-KR" b="0">
+                <a:solidFill>
+                  <a:srgbClr val="001080"/>
+                </a:solidFill>
+                <a:effectLst/>
+                <a:latin typeface="Consolas" panose="020B0609020204030204" pitchFamily="49" charset="0"/>
+              </a:rPr>
+              <a:t>name:</a:t>
+            </a:r>
+            <a:r>
+              <a:rPr lang="en-US" altLang="ko-KR" b="0">
+                <a:solidFill>
+                  <a:srgbClr val="3B3B3B"/>
+                </a:solidFill>
+                <a:effectLst/>
+                <a:latin typeface="Consolas" panose="020B0609020204030204" pitchFamily="49" charset="0"/>
+              </a:rPr>
+              <a:t> </a:t>
+            </a:r>
+            <a:r>
+              <a:rPr lang="en-US" altLang="ko-KR" b="0">
+                <a:solidFill>
+                  <a:srgbClr val="A31515"/>
+                </a:solidFill>
+                <a:effectLst/>
+                <a:latin typeface="Consolas" panose="020B0609020204030204" pitchFamily="49" charset="0"/>
+              </a:rPr>
+              <a:t>'</a:t>
+            </a:r>
+            <a:r>
+              <a:rPr lang="ko-KR" altLang="en-US" b="0">
+                <a:solidFill>
+                  <a:srgbClr val="A31515"/>
+                </a:solidFill>
+                <a:effectLst/>
+                <a:latin typeface="Consolas" panose="020B0609020204030204" pitchFamily="49" charset="0"/>
+              </a:rPr>
+              <a:t>바로핑</a:t>
+            </a:r>
+            <a:r>
+              <a:rPr lang="en-US" altLang="ko-KR" b="0">
+                <a:solidFill>
+                  <a:srgbClr val="A31515"/>
+                </a:solidFill>
+                <a:effectLst/>
+                <a:latin typeface="Consolas" panose="020B0609020204030204" pitchFamily="49" charset="0"/>
+              </a:rPr>
+              <a:t>'</a:t>
+            </a:r>
+            <a:r>
+              <a:rPr lang="en-US" altLang="ko-KR" b="0">
+                <a:solidFill>
+                  <a:srgbClr val="3B3B3B"/>
+                </a:solidFill>
+                <a:effectLst/>
+                <a:latin typeface="Consolas" panose="020B0609020204030204" pitchFamily="49" charset="0"/>
+              </a:rPr>
+              <a:t>, </a:t>
+            </a:r>
+            <a:r>
+              <a:rPr lang="en-US" altLang="ko-KR" b="0">
+                <a:solidFill>
+                  <a:srgbClr val="001080"/>
+                </a:solidFill>
+                <a:effectLst/>
+                <a:latin typeface="Consolas" panose="020B0609020204030204" pitchFamily="49" charset="0"/>
+              </a:rPr>
+              <a:t>age:</a:t>
+            </a:r>
+            <a:r>
+              <a:rPr lang="en-US" altLang="ko-KR" b="0">
+                <a:solidFill>
+                  <a:srgbClr val="3B3B3B"/>
+                </a:solidFill>
+                <a:effectLst/>
+                <a:latin typeface="Consolas" panose="020B0609020204030204" pitchFamily="49" charset="0"/>
+              </a:rPr>
+              <a:t> </a:t>
+            </a:r>
+            <a:r>
+              <a:rPr lang="en-US" altLang="ko-KR" b="0">
+                <a:solidFill>
+                  <a:srgbClr val="098658"/>
+                </a:solidFill>
+                <a:effectLst/>
+                <a:latin typeface="Consolas" panose="020B0609020204030204" pitchFamily="49" charset="0"/>
+              </a:rPr>
+              <a:t>11</a:t>
+            </a:r>
+            <a:r>
+              <a:rPr lang="en-US" altLang="ko-KR" b="0">
+                <a:solidFill>
+                  <a:srgbClr val="3B3B3B"/>
+                </a:solidFill>
+                <a:effectLst/>
+                <a:latin typeface="Consolas" panose="020B0609020204030204" pitchFamily="49" charset="0"/>
+              </a:rPr>
+              <a:t>, </a:t>
             </a:r>
             <a:r>
               <a:rPr lang="en-US" altLang="ko-KR" b="0">
@@ -13388,7 +13390,17 @@
                 <a:effectLst/>
                 <a:latin typeface="Consolas" panose="020B0609020204030204" pitchFamily="49" charset="0"/>
               </a:rPr>
-              <a:t>log</a:t>
+              <a:t>getName</a:t>
+            </a:r>
+            <a:r>
+              <a:rPr lang="en-US" altLang="ko-KR" b="0">
+                <a:solidFill>
+                  <a:srgbClr val="001080"/>
+                </a:solidFill>
+                <a:effectLst/>
+                <a:latin typeface="Consolas" panose="020B0609020204030204" pitchFamily="49" charset="0"/>
+              </a:rPr>
+              <a:t>:</a:t>
             </a:r>
             <a:r>
               <a:rPr lang="en-US" altLang="ko-KR" b="0">
@@ -13398,8 +13410,30 @@
                 <a:effectLst/>
                 <a:latin typeface="Consolas" panose="020B0609020204030204" pitchFamily="49" charset="0"/>
               </a:rPr>
-              <a:t>(</a:t>
-            </a:r>
+              <a:t> </a:t>
+            </a:r>
+            <a:r>
+              <a:rPr lang="en-US" altLang="ko-KR" b="0">
+                <a:solidFill>
+                  <a:srgbClr val="795E26"/>
+                </a:solidFill>
+                <a:effectLst/>
+                <a:latin typeface="Consolas" panose="020B0609020204030204" pitchFamily="49" charset="0"/>
+              </a:rPr>
+              <a:t>getPingName</a:t>
+            </a:r>
+            <a:r>
+              <a:rPr lang="en-US" altLang="ko-KR" b="0">
+                <a:solidFill>
+                  <a:srgbClr val="3B3B3B"/>
+                </a:solidFill>
+                <a:effectLst/>
+                <a:latin typeface="Consolas" panose="020B0609020204030204" pitchFamily="49" charset="0"/>
+              </a:rPr>
+              <a:t> };</a:t>
+            </a:r>
+          </a:p>
+          <a:p>
             <a:r>
               <a:rPr lang="en-US" altLang="ko-KR" b="0">
                 <a:solidFill>
@@ -13408,7 +13442,7 @@
                 <a:effectLst/>
                 <a:latin typeface="Consolas" panose="020B0609020204030204" pitchFamily="49" charset="0"/>
               </a:rPr>
-              <a:t>this</a:t>
+              <a:t>const</a:t>
             </a:r>
             <a:r>
               <a:rPr lang="en-US" altLang="ko-KR" b="0">
@@ -13418,335 +13452,17 @@
                 <a:effectLst/>
                 <a:latin typeface="Consolas" panose="020B0609020204030204" pitchFamily="49" charset="0"/>
               </a:rPr>
-              <a:t>);</a:t>
-            </a:r>
-          </a:p>
-          <a:p>
-            <a:r>
-              <a:rPr lang="en-US" altLang="ko-KR" b="0">
-                <a:solidFill>
-                  <a:srgbClr val="3B3B3B"/>
-                </a:solidFill>
-                <a:effectLst/>
-                <a:latin typeface="Consolas" panose="020B0609020204030204" pitchFamily="49" charset="0"/>
-              </a:rPr>
-              <a:t>  </a:t>
-            </a:r>
-            <a:r>
-              <a:rPr lang="en-US" altLang="ko-KR" b="0">
-                <a:solidFill>
-                  <a:srgbClr val="AF00DB"/>
-                </a:solidFill>
-                <a:effectLst/>
-                <a:latin typeface="Consolas" panose="020B0609020204030204" pitchFamily="49" charset="0"/>
-              </a:rPr>
-              <a:t>return</a:t>
-            </a:r>
-            <a:r>
-              <a:rPr lang="en-US" altLang="ko-KR" b="0">
-                <a:solidFill>
-                  <a:srgbClr val="3B3B3B"/>
-                </a:solidFill>
-                <a:effectLst/>
-                <a:latin typeface="Consolas" panose="020B0609020204030204" pitchFamily="49" charset="0"/>
-              </a:rPr>
               <a:t> </a:t>
             </a:r>
             <a:r>
               <a:rPr lang="en-US" altLang="ko-KR" b="0">
                 <a:solidFill>
-                  <a:srgbClr val="0000FF"/>
-                </a:solidFill>
-                <a:effectLst/>
-                <a:latin typeface="Consolas" panose="020B0609020204030204" pitchFamily="49" charset="0"/>
-              </a:rPr>
-              <a:t>this</a:t>
-            </a:r>
-            <a:r>
-              <a:rPr lang="en-US" altLang="ko-KR" b="0">
-                <a:solidFill>
-                  <a:srgbClr val="3B3B3B"/>
-                </a:solidFill>
-                <a:effectLst/>
-                <a:latin typeface="Consolas" panose="020B0609020204030204" pitchFamily="49" charset="0"/>
-              </a:rPr>
-              <a:t>.</a:t>
-            </a:r>
-            <a:r>
-              <a:rPr lang="en-US" altLang="ko-KR" b="0">
-                <a:solidFill>
-                  <a:srgbClr val="001080"/>
-                </a:solidFill>
-                <a:effectLst/>
-                <a:latin typeface="Consolas" panose="020B0609020204030204" pitchFamily="49" charset="0"/>
-              </a:rPr>
-              <a:t>name</a:t>
-            </a:r>
-            <a:r>
-              <a:rPr lang="en-US" altLang="ko-KR" b="0">
-                <a:solidFill>
-                  <a:srgbClr val="3B3B3B"/>
-                </a:solidFill>
-                <a:effectLst/>
-                <a:latin typeface="Consolas" panose="020B0609020204030204" pitchFamily="49" charset="0"/>
-              </a:rPr>
-              <a:t>;</a:t>
-            </a:r>
-          </a:p>
-          <a:p>
-            <a:r>
-              <a:rPr lang="en-US" altLang="ko-KR" b="0">
-                <a:solidFill>
-                  <a:srgbClr val="3B3B3B"/>
-                </a:solidFill>
-                <a:effectLst/>
-                <a:latin typeface="Consolas" panose="020B0609020204030204" pitchFamily="49" charset="0"/>
-              </a:rPr>
-              <a:t>};</a:t>
-            </a:r>
-          </a:p>
-          <a:p>
-            <a:r>
-              <a:rPr lang="en-US" altLang="ko-KR" b="0">
-                <a:solidFill>
-                  <a:srgbClr val="0000FF"/>
-                </a:solidFill>
-                <a:effectLst/>
-                <a:latin typeface="Consolas" panose="020B0609020204030204" pitchFamily="49" charset="0"/>
-              </a:rPr>
-              <a:t>const</a:t>
-            </a:r>
-            <a:r>
-              <a:rPr lang="en-US" altLang="ko-KR" b="0">
-                <a:solidFill>
-                  <a:srgbClr val="3B3B3B"/>
-                </a:solidFill>
-                <a:effectLst/>
-                <a:latin typeface="Consolas" panose="020B0609020204030204" pitchFamily="49" charset="0"/>
-              </a:rPr>
-              <a:t> </a:t>
-            </a:r>
-            <a:r>
-              <a:rPr lang="en-US" altLang="ko-KR" b="0">
-                <a:solidFill>
                   <a:srgbClr val="0070C1"/>
                 </a:solidFill>
                 <a:effectLst/>
                 <a:latin typeface="Consolas" panose="020B0609020204030204" pitchFamily="49" charset="0"/>
               </a:rPr>
-              <a:t>ping1</a:t>
-            </a:r>
-            <a:r>
-              <a:rPr lang="en-US" altLang="ko-KR" b="0">
-                <a:solidFill>
-                  <a:srgbClr val="3B3B3B"/>
-                </a:solidFill>
-                <a:effectLst/>
-                <a:latin typeface="Consolas" panose="020B0609020204030204" pitchFamily="49" charset="0"/>
-              </a:rPr>
-              <a:t> </a:t>
-            </a:r>
-            <a:r>
-              <a:rPr lang="en-US" altLang="ko-KR" b="0">
-                <a:solidFill>
-                  <a:srgbClr val="000000"/>
-                </a:solidFill>
-                <a:effectLst/>
-                <a:latin typeface="Consolas" panose="020B0609020204030204" pitchFamily="49" charset="0"/>
-              </a:rPr>
-              <a:t>=</a:t>
-            </a:r>
-            <a:r>
-              <a:rPr lang="en-US" altLang="ko-KR" b="0">
-                <a:solidFill>
-                  <a:srgbClr val="3B3B3B"/>
-                </a:solidFill>
-                <a:effectLst/>
-                <a:latin typeface="Consolas" panose="020B0609020204030204" pitchFamily="49" charset="0"/>
-              </a:rPr>
-              <a:t> { </a:t>
-            </a:r>
-            <a:r>
-              <a:rPr lang="en-US" altLang="ko-KR" b="0">
-                <a:solidFill>
-                  <a:srgbClr val="001080"/>
-                </a:solidFill>
-                <a:effectLst/>
-                <a:latin typeface="Consolas" panose="020B0609020204030204" pitchFamily="49" charset="0"/>
-              </a:rPr>
-              <a:t>name:</a:t>
-            </a:r>
-            <a:r>
-              <a:rPr lang="en-US" altLang="ko-KR" b="0">
-                <a:solidFill>
-                  <a:srgbClr val="3B3B3B"/>
-                </a:solidFill>
-                <a:effectLst/>
-                <a:latin typeface="Consolas" panose="020B0609020204030204" pitchFamily="49" charset="0"/>
-              </a:rPr>
-              <a:t> </a:t>
-            </a:r>
-            <a:r>
-              <a:rPr lang="en-US" altLang="ko-KR" b="0">
-                <a:solidFill>
-                  <a:srgbClr val="A31515"/>
-                </a:solidFill>
-                <a:effectLst/>
-                <a:latin typeface="Consolas" panose="020B0609020204030204" pitchFamily="49" charset="0"/>
-              </a:rPr>
-              <a:t>'</a:t>
-            </a:r>
-            <a:r>
-              <a:rPr lang="ko-KR" altLang="en-US" b="0">
-                <a:solidFill>
-                  <a:srgbClr val="A31515"/>
-                </a:solidFill>
-                <a:effectLst/>
-                <a:latin typeface="Consolas" panose="020B0609020204030204" pitchFamily="49" charset="0"/>
-              </a:rPr>
-              <a:t>바로핑</a:t>
-            </a:r>
-            <a:r>
-              <a:rPr lang="en-US" altLang="ko-KR" b="0">
-                <a:solidFill>
-                  <a:srgbClr val="A31515"/>
-                </a:solidFill>
-                <a:effectLst/>
-                <a:latin typeface="Consolas" panose="020B0609020204030204" pitchFamily="49" charset="0"/>
-              </a:rPr>
-              <a:t>'</a:t>
-            </a:r>
-            <a:r>
-              <a:rPr lang="en-US" altLang="ko-KR" b="0">
-                <a:solidFill>
-                  <a:srgbClr val="3B3B3B"/>
-                </a:solidFill>
-                <a:effectLst/>
-                <a:latin typeface="Consolas" panose="020B0609020204030204" pitchFamily="49" charset="0"/>
-              </a:rPr>
-              <a:t>, </a:t>
-            </a:r>
-            <a:r>
-              <a:rPr lang="en-US" altLang="ko-KR" b="0">
-                <a:solidFill>
-                  <a:srgbClr val="001080"/>
-                </a:solidFill>
-                <a:effectLst/>
-                <a:latin typeface="Consolas" panose="020B0609020204030204" pitchFamily="49" charset="0"/>
-              </a:rPr>
-              <a:t>age:</a:t>
-            </a:r>
-            <a:r>
-              <a:rPr lang="en-US" altLang="ko-KR" b="0">
-                <a:solidFill>
-                  <a:srgbClr val="3B3B3B"/>
-                </a:solidFill>
-                <a:effectLst/>
-                <a:latin typeface="Consolas" panose="020B0609020204030204" pitchFamily="49" charset="0"/>
-              </a:rPr>
-              <a:t> </a:t>
-            </a:r>
-            <a:r>
-              <a:rPr lang="en-US" altLang="ko-KR" b="0">
-                <a:solidFill>
-                  <a:srgbClr val="098658"/>
-                </a:solidFill>
-                <a:effectLst/>
-                <a:latin typeface="Consolas" panose="020B0609020204030204" pitchFamily="49" charset="0"/>
-              </a:rPr>
-              <a:t>11</a:t>
-            </a:r>
-            <a:r>
-              <a:rPr lang="en-US" altLang="ko-KR" b="0">
-                <a:solidFill>
-                  <a:srgbClr val="3B3B3B"/>
-                </a:solidFill>
-                <a:effectLst/>
-                <a:latin typeface="Consolas" panose="020B0609020204030204" pitchFamily="49" charset="0"/>
-              </a:rPr>
-              <a:t>, </a:t>
-            </a:r>
-            <a:r>
-              <a:rPr lang="en-US" altLang="ko-KR" b="0">
-                <a:solidFill>
-                  <a:srgbClr val="795E26"/>
-                </a:solidFill>
-                <a:effectLst/>
-                <a:latin typeface="Consolas" panose="020B0609020204030204" pitchFamily="49" charset="0"/>
-              </a:rPr>
-              <a:t>getName</a:t>
-            </a:r>
-            <a:r>
-              <a:rPr lang="en-US" altLang="ko-KR" b="0">
-                <a:solidFill>
-                  <a:srgbClr val="001080"/>
-                </a:solidFill>
-                <a:effectLst/>
-                <a:latin typeface="Consolas" panose="020B0609020204030204" pitchFamily="49" charset="0"/>
-              </a:rPr>
-              <a:t>:</a:t>
-            </a:r>
-            <a:r>
-              <a:rPr lang="en-US" altLang="ko-KR" b="0">
-                <a:solidFill>
-                  <a:srgbClr val="3B3B3B"/>
-                </a:solidFill>
-                <a:effectLst/>
-                <a:latin typeface="Consolas" panose="020B0609020204030204" pitchFamily="49" charset="0"/>
-              </a:rPr>
-              <a:t> </a:t>
-            </a:r>
-            <a:r>
-              <a:rPr lang="en-US" altLang="ko-KR" b="0">
-                <a:solidFill>
-                  <a:srgbClr val="795E26"/>
-                </a:solidFill>
-                <a:effectLst/>
-                <a:latin typeface="Consolas" panose="020B0609020204030204" pitchFamily="49" charset="0"/>
-              </a:rPr>
-              <a:t>getPingName</a:t>
-            </a:r>
-            <a:r>
-              <a:rPr lang="en-US" altLang="ko-KR" b="0">
-                <a:solidFill>
-                  <a:srgbClr val="3B3B3B"/>
-                </a:solidFill>
-                <a:effectLst/>
-                <a:latin typeface="Consolas" panose="020B0609020204030204" pitchFamily="49" charset="0"/>
-              </a:rPr>
-              <a:t> };</a:t>
-            </a:r>
-          </a:p>
-          <a:p>
-            <a:r>
-              <a:rPr lang="en-US" altLang="ko-KR" b="0">
-                <a:solidFill>
-                  <a:srgbClr val="0000FF"/>
-                </a:solidFill>
-                <a:effectLst/>
-                <a:latin typeface="Consolas" panose="020B0609020204030204" pitchFamily="49" charset="0"/>
-              </a:rPr>
-              <a:t>const</a:t>
-            </a:r>
-            <a:r>
-              <a:rPr lang="en-US" altLang="ko-KR" b="0">
-                <a:solidFill>
-                  <a:srgbClr val="3B3B3B"/>
-                </a:solidFill>
-                <a:effectLst/>
-                <a:latin typeface="Consolas" panose="020B0609020204030204" pitchFamily="49" charset="0"/>
-              </a:rPr>
-              <a:t> </a:t>
-            </a:r>
-            <a:r>
-              <a:rPr lang="en-US" altLang="ko-KR" b="0">
-                <a:solidFill>
-                  <a:srgbClr val="0070C1"/>
-                </a:solidFill>
-                <a:effectLst/>
-                <a:latin typeface="Consolas" panose="020B0609020204030204" pitchFamily="49" charset="0"/>
-              </a:rPr>
-              <a:t>ping2</a:t>
+              <a:t>rara</a:t>
             </a:r>
             <a:r>
               <a:rPr lang="en-US" altLang="ko-KR" b="0">
@@ -15787,6 +15503,91 @@
           </a:p>
         </p:txBody>
       </p:sp>
+      <p:pic>
+        <p:nvPicPr>
+          <p:cNvPr id="6" name="그림 5" descr="코딩아이콘.png">
+            <a:extLst>
+              <a:ext uri="{FF2B5EF4-FFF2-40B4-BE49-F238E27FC236}">
+                <a16:creationId xmlns:a16="http://schemas.microsoft.com/office/drawing/2014/main" id="{F218E1F6-E964-488A-BB7A-214DD6CDC288}"/>
+              </a:ext>
+            </a:extLst>
+          </p:cNvPr>
+          <p:cNvPicPr>
+            <a:picLocks noChangeAspect="1"/>
+          </p:cNvPicPr>
+          <p:nvPr/>
+        </p:nvPicPr>
+        <p:blipFill>
+          <a:blip r:embed="rId3" cstate="print"/>
+          <a:stretch>
+            <a:fillRect/>
+          </a:stretch>
+        </p:blipFill>
+        <p:spPr>
+          <a:xfrm flipH="1">
+            <a:off x="11062105" y="692696"/>
+            <a:ext cx="504056" cy="440660"/>
+          </a:xfrm>
+          <a:prstGeom prst="rect">
+            <a:avLst/>
+          </a:prstGeom>
+        </p:spPr>
+      </p:pic>
+      <p:sp>
+        <p:nvSpPr>
+          <p:cNvPr id="9" name="TextBox 8">
+            <a:extLst>
+              <a:ext uri="{FF2B5EF4-FFF2-40B4-BE49-F238E27FC236}">
+                <a16:creationId xmlns:a16="http://schemas.microsoft.com/office/drawing/2014/main" id="{21ECE93A-11DB-48DB-A483-72555AA4410F}"/>
+              </a:ext>
+            </a:extLst>
+          </p:cNvPr>
+          <p:cNvSpPr txBox="1"/>
+          <p:nvPr/>
+        </p:nvSpPr>
+        <p:spPr>
+          <a:xfrm>
+            <a:off x="7389697" y="764704"/>
+            <a:ext cx="3657003" cy="369332"/>
+          </a:xfrm>
+          <a:prstGeom prst="rect">
+            <a:avLst/>
+          </a:prstGeom>
+          <a:noFill/>
+        </p:spPr>
+        <p:txBody>
+          <a:bodyPr wrap="square" rtlCol="0">
+            <a:spAutoFit/>
+          </a:bodyPr>
+          <a:lstStyle/>
+          <a:p>
+            <a:pPr algn="r"/>
+            <a:r>
+              <a:rPr lang="en-US" altLang="ko-KR">
+                <a:solidFill>
+                  <a:schemeClr val="tx1">
+                    <a:lumMod val="65000"/>
+                    <a:lumOff val="35000"/>
+                  </a:schemeClr>
+                </a:solidFill>
+                <a:latin typeface="Noto Sans CJK KR Regular" panose="020B0500000000000000" pitchFamily="34" charset="-127"/>
+                <a:ea typeface="Noto Sans CJK KR Regular" panose="020B0500000000000000" pitchFamily="34" charset="-127"/>
+              </a:rPr>
+              <a:t>ex01-28.js</a:t>
+            </a:r>
+            <a:endParaRPr lang="ko-KR" altLang="en-US" dirty="0">
+              <a:solidFill>
+                <a:schemeClr val="tx1">
+                  <a:lumMod val="65000"/>
+                  <a:lumOff val="35000"/>
+                </a:schemeClr>
+              </a:solidFill>
+              <a:latin typeface="Noto Sans CJK KR Regular" panose="020B0500000000000000" pitchFamily="34" charset="-127"/>
+              <a:ea typeface="Noto Sans CJK KR Regular" panose="020B0500000000000000" pitchFamily="34" charset="-127"/>
+            </a:endParaRPr>
+          </a:p>
+        </p:txBody>
+      </p:sp>
     </p:spTree>
     <p:extLst>
       <p:ext uri="{BB962C8B-B14F-4D97-AF65-F5344CB8AC3E}">
@@ -17111,6 +16912,91 @@
               <a:t>생성할 객체를 나타내는 명사로 이름 짓고 대문자로 시작</a:t>
             </a:r>
             <a:endParaRPr lang="en-US" altLang="ko-KR" dirty="0">
+              <a:latin typeface="Noto Sans CJK KR Regular" panose="020B0500000000000000" pitchFamily="34" charset="-127"/>
+              <a:ea typeface="Noto Sans CJK KR Regular" panose="020B0500000000000000" pitchFamily="34" charset="-127"/>
+            </a:endParaRPr>
+          </a:p>
+        </p:txBody>
+      </p:sp>
+      <p:pic>
+        <p:nvPicPr>
+          <p:cNvPr id="6" name="그림 5" descr="코딩아이콘.png">
+            <a:extLst>
+              <a:ext uri="{FF2B5EF4-FFF2-40B4-BE49-F238E27FC236}">
+                <a16:creationId xmlns:a16="http://schemas.microsoft.com/office/drawing/2014/main" id="{F673FD27-9465-4BD6-8EAF-FBBBB012549D}"/>
+              </a:ext>
+            </a:extLst>
+          </p:cNvPr>
+          <p:cNvPicPr>
+            <a:picLocks noChangeAspect="1"/>
+          </p:cNvPicPr>
+          <p:nvPr/>
+        </p:nvPicPr>
+        <p:blipFill>
+          <a:blip r:embed="rId3" cstate="print"/>
+          <a:stretch>
+            <a:fillRect/>
+          </a:stretch>
+        </p:blipFill>
+        <p:spPr>
+          <a:xfrm flipH="1">
+            <a:off x="11062105" y="692696"/>
+            <a:ext cx="504056" cy="440660"/>
+          </a:xfrm>
+          <a:prstGeom prst="rect">
+            <a:avLst/>
+          </a:prstGeom>
+        </p:spPr>
+      </p:pic>
+      <p:sp>
+        <p:nvSpPr>
+          <p:cNvPr id="7" name="TextBox 6">
+            <a:extLst>
+              <a:ext uri="{FF2B5EF4-FFF2-40B4-BE49-F238E27FC236}">
+                <a16:creationId xmlns:a16="http://schemas.microsoft.com/office/drawing/2014/main" id="{F057FE09-326E-4D69-9394-2D9F1FD8B66C}"/>
+              </a:ext>
+            </a:extLst>
+          </p:cNvPr>
+          <p:cNvSpPr txBox="1"/>
+          <p:nvPr/>
+        </p:nvSpPr>
+        <p:spPr>
+          <a:xfrm>
+            <a:off x="7389697" y="764704"/>
+            <a:ext cx="3657003" cy="369332"/>
+          </a:xfrm>
+          <a:prstGeom prst="rect">
+            <a:avLst/>
+          </a:prstGeom>
+          <a:noFill/>
+        </p:spPr>
+        <p:txBody>
+          <a:bodyPr wrap="square" rtlCol="0">
+            <a:spAutoFit/>
+          </a:bodyPr>
+          <a:lstStyle/>
+          <a:p>
+            <a:pPr algn="r"/>
+            <a:r>
+              <a:rPr lang="en-US" altLang="ko-KR">
+                <a:solidFill>
+                  <a:schemeClr val="tx1">
+                    <a:lumMod val="65000"/>
+                    <a:lumOff val="35000"/>
+                  </a:schemeClr>
+                </a:solidFill>
+                <a:latin typeface="Noto Sans CJK KR Regular" panose="020B0500000000000000" pitchFamily="34" charset="-127"/>
+                <a:ea typeface="Noto Sans CJK KR Regular" panose="020B0500000000000000" pitchFamily="34" charset="-127"/>
+              </a:rPr>
+              <a:t>ex02-19.js</a:t>
+            </a:r>
+            <a:endParaRPr lang="ko-KR" altLang="en-US" dirty="0">
+              <a:solidFill>
+                <a:schemeClr val="tx1">
+                  <a:lumMod val="65000"/>
+                  <a:lumOff val="35000"/>
+                </a:schemeClr>
+              </a:solidFill>
               <a:latin typeface="Noto Sans CJK KR Regular" panose="020B0500000000000000" pitchFamily="34" charset="-127"/>
               <a:ea typeface="Noto Sans CJK KR Regular" panose="020B0500000000000000" pitchFamily="34" charset="-127"/>
             </a:endParaRPr>
@@ -18903,7 +18789,7 @@
                 <a:latin typeface="Noto Sans CJK KR Regular" panose="020B0500000000000000" pitchFamily="34" charset="-127"/>
                 <a:ea typeface="Noto Sans CJK KR Regular" panose="020B0500000000000000" pitchFamily="34" charset="-127"/>
               </a:rPr>
-              <a:t>ex02-19, 20</a:t>
+              <a:t>ex02-20.js</a:t>
             </a:r>
             <a:endParaRPr lang="ko-KR" altLang="en-US" dirty="0">
               <a:solidFill>
@@ -19204,7 +19090,24 @@
                 <a:latin typeface="Noto Sans CJK KR Regular" panose="020B0500000000000000" pitchFamily="34" charset="-127"/>
                 <a:ea typeface="Noto Sans CJK KR Regular" panose="020B0500000000000000" pitchFamily="34" charset="-127"/>
               </a:rPr>
-              <a:t>함수를 변수에 저장</a:t>
+              <a:t>함수를 </a:t>
+            </a:r>
+            <a:r>
+              <a:rPr lang="ko-KR" altLang="en-US" b="0" dirty="0">
+                <a:solidFill>
+                  <a:srgbClr val="FF9E1B"/>
+                </a:solidFill>
+                <a:latin typeface="Noto Sans CJK KR Regular" panose="020B0500000000000000" pitchFamily="34" charset="-127"/>
+                <a:ea typeface="Noto Sans CJK KR Regular" panose="020B0500000000000000" pitchFamily="34" charset="-127"/>
+              </a:rPr>
+              <a:t>변수</a:t>
+            </a:r>
+            <a:r>
+              <a:rPr lang="ko-KR" altLang="en-US" b="0" dirty="0">
+                <a:latin typeface="Noto Sans CJK KR Regular" panose="020B0500000000000000" pitchFamily="34" charset="-127"/>
+                <a:ea typeface="Noto Sans CJK KR Regular" panose="020B0500000000000000" pitchFamily="34" charset="-127"/>
+              </a:rPr>
+              <a:t>에 저장</a:t>
             </a:r>
             <a:endParaRPr lang="en-US" altLang="ko-KR" b="0" dirty="0">
               <a:latin typeface="Noto Sans CJK KR Regular" panose="020B0500000000000000" pitchFamily="34" charset="-127"/>
@@ -19232,10 +19135,20 @@
             </a:r>
             <a:r>
               <a:rPr lang="ko-KR" altLang="en-US" b="0" dirty="0" err="1">
-                <a:latin typeface="Noto Sans CJK KR Regular" panose="020B0500000000000000" pitchFamily="34" charset="-127"/>
-                <a:ea typeface="Noto Sans CJK KR Regular" panose="020B0500000000000000" pitchFamily="34" charset="-127"/>
-              </a:rPr>
-              <a:t>메서드로</a:t>
+                <a:solidFill>
+                  <a:srgbClr val="FF9E1B"/>
+                </a:solidFill>
+                <a:latin typeface="Noto Sans CJK KR Regular" panose="020B0500000000000000" pitchFamily="34" charset="-127"/>
+                <a:ea typeface="Noto Sans CJK KR Regular" panose="020B0500000000000000" pitchFamily="34" charset="-127"/>
+              </a:rPr>
+              <a:t>메서드</a:t>
+            </a:r>
+            <a:r>
+              <a:rPr lang="ko-KR" altLang="en-US" b="0" dirty="0" err="1">
+                <a:latin typeface="Noto Sans CJK KR Regular" panose="020B0500000000000000" pitchFamily="34" charset="-127"/>
+                <a:ea typeface="Noto Sans CJK KR Regular" panose="020B0500000000000000" pitchFamily="34" charset="-127"/>
+              </a:rPr>
+              <a:t>로</a:t>
             </a:r>
             <a:r>
               <a:rPr lang="ko-KR" altLang="en-US" b="0" dirty="0">
@@ -19297,7 +19210,24 @@
                 <a:latin typeface="Noto Sans CJK KR Regular" panose="020B0500000000000000" pitchFamily="34" charset="-127"/>
                 <a:ea typeface="Noto Sans CJK KR Regular" panose="020B0500000000000000" pitchFamily="34" charset="-127"/>
               </a:rPr>
-              <a:t> 전달한 인자값은 호출되는 함수 내부에서 적절한 매개변수를 지정해서 사용</a:t>
+              <a:t> 전달한 인자값은 호출되는 함수 내부에서 적절한 </a:t>
+            </a:r>
+            <a:r>
+              <a:rPr lang="ko-KR" altLang="en-US" b="0">
+                <a:solidFill>
+                  <a:srgbClr val="FF9E1B"/>
+                </a:solidFill>
+                <a:latin typeface="Noto Sans CJK KR Regular" panose="020B0500000000000000" pitchFamily="34" charset="-127"/>
+                <a:ea typeface="Noto Sans CJK KR Regular" panose="020B0500000000000000" pitchFamily="34" charset="-127"/>
+              </a:rPr>
+              <a:t>매개변수</a:t>
+            </a:r>
+            <a:r>
+              <a:rPr lang="ko-KR" altLang="en-US" b="0">
+                <a:latin typeface="Noto Sans CJK KR Regular" panose="020B0500000000000000" pitchFamily="34" charset="-127"/>
+                <a:ea typeface="Noto Sans CJK KR Regular" panose="020B0500000000000000" pitchFamily="34" charset="-127"/>
+              </a:rPr>
+              <a:t>를 지정해서 사용</a:t>
             </a:r>
             <a:endParaRPr lang="en-US" altLang="ko-KR" b="0" dirty="0">
               <a:latin typeface="Noto Sans CJK KR Regular" panose="020B0500000000000000" pitchFamily="34" charset="-127"/>
@@ -20174,7 +20104,7 @@
         <p:spPr bwMode="auto">
           <a:xfrm>
             <a:off x="395288" y="836613"/>
-            <a:ext cx="8353425" cy="1231106"/>
+            <a:ext cx="10083479" cy="1231106"/>
           </a:xfrm>
           <a:prstGeom prst="rect">
             <a:avLst/>
@@ -20188,7 +20118,7 @@
           </a:ln>
         </p:spPr>
         <p:txBody>
-          <a:bodyPr>
+          <a:bodyPr wrap="square">
             <a:spAutoFit/>
           </a:bodyPr>
           <a:lstStyle/>
@@ -20240,9 +20170,39 @@
                 <a:latin typeface="Noto Sans CJK KR Regular" panose="020B0500000000000000" pitchFamily="34" charset="-127"/>
                 <a:ea typeface="Noto Sans CJK KR Regular" panose="020B0500000000000000" pitchFamily="34" charset="-127"/>
               </a:rPr>
-              <a:t> 다른 함수에 인자로 전달되어 어떤 작업의 결과로 호출되는 함수</a:t>
+              <a:t> 다른 함수에 </a:t>
+            </a:r>
+            <a:r>
+              <a:rPr lang="ko-KR" altLang="en-US" b="0">
+                <a:solidFill>
+                  <a:srgbClr val="FF9E1B"/>
+                </a:solidFill>
+                <a:latin typeface="Noto Sans CJK KR Regular" panose="020B0500000000000000" pitchFamily="34" charset="-127"/>
+                <a:ea typeface="Noto Sans CJK KR Regular" panose="020B0500000000000000" pitchFamily="34" charset="-127"/>
+              </a:rPr>
+              <a:t>인자로 전달되어</a:t>
+            </a:r>
+            <a:r>
+              <a:rPr lang="ko-KR" altLang="en-US" b="0">
+                <a:latin typeface="Noto Sans CJK KR Regular" panose="020B0500000000000000" pitchFamily="34" charset="-127"/>
+                <a:ea typeface="Noto Sans CJK KR Regular" panose="020B0500000000000000" pitchFamily="34" charset="-127"/>
+              </a:rPr>
+              <a:t> 어떤 작업의 결과로 </a:t>
+            </a:r>
+            <a:r>
+              <a:rPr lang="ko-KR" altLang="en-US" b="0">
+                <a:solidFill>
+                  <a:srgbClr val="FF9E1B"/>
+                </a:solidFill>
+                <a:latin typeface="Noto Sans CJK KR Regular" panose="020B0500000000000000" pitchFamily="34" charset="-127"/>
+                <a:ea typeface="Noto Sans CJK KR Regular" panose="020B0500000000000000" pitchFamily="34" charset="-127"/>
+              </a:rPr>
+              <a:t>호출되는 함수</a:t>
             </a:r>
             <a:endParaRPr lang="en-US" altLang="ko-KR" b="0" dirty="0">
+              <a:solidFill>
+                <a:srgbClr val="FF9E1B"/>
+              </a:solidFill>
               <a:latin typeface="Noto Sans CJK KR Regular" panose="020B0500000000000000" pitchFamily="34" charset="-127"/>
               <a:ea typeface="Noto Sans CJK KR Regular" panose="020B0500000000000000" pitchFamily="34" charset="-127"/>
             </a:endParaRPr>
@@ -23793,7 +23753,24 @@
                 <a:latin typeface="Noto Sans CJK KR Regular" panose="020B0500000000000000" pitchFamily="34" charset="-127"/>
                 <a:ea typeface="Noto Sans CJK KR Regular" panose="020B0500000000000000" pitchFamily="34" charset="-127"/>
               </a:rPr>
-              <a:t>함수형 프로그래밍은 순수함수를 통해 부수효과</a:t>
+              <a:t>함수형 프로그래밍은 </a:t>
+            </a:r>
+            <a:r>
+              <a:rPr lang="ko-KR" altLang="en-US" b="0">
+                <a:solidFill>
+                  <a:srgbClr val="FF9E1B"/>
+                </a:solidFill>
+                <a:latin typeface="Noto Sans CJK KR Regular" panose="020B0500000000000000" pitchFamily="34" charset="-127"/>
+                <a:ea typeface="Noto Sans CJK KR Regular" panose="020B0500000000000000" pitchFamily="34" charset="-127"/>
+              </a:rPr>
+              <a:t>순수함수</a:t>
+            </a:r>
+            <a:r>
+              <a:rPr lang="ko-KR" altLang="en-US" b="0">
+                <a:latin typeface="Noto Sans CJK KR Regular" panose="020B0500000000000000" pitchFamily="34" charset="-127"/>
+                <a:ea typeface="Noto Sans CJK KR Regular" panose="020B0500000000000000" pitchFamily="34" charset="-127"/>
+              </a:rPr>
+              <a:t>를 통해 부수효과</a:t>
             </a:r>
             <a:r>
               <a:rPr lang="en-US" altLang="ko-KR" b="0">
@@ -23988,7 +23965,7 @@
                 <a:latin typeface="Noto Sans CJK KR Regular" panose="020B0500000000000000" pitchFamily="34" charset="-127"/>
                 <a:ea typeface="Noto Sans CJK KR Regular" panose="020B0500000000000000" pitchFamily="34" charset="-127"/>
               </a:rPr>
-              <a:t>단원</a:t>
+              <a:t>단원에서 확인</a:t>
             </a:r>
             <a:endParaRPr lang="en-US" altLang="ko-KR" b="0">
               <a:latin typeface="Noto Sans CJK KR Regular" panose="020B0500000000000000" pitchFamily="34" charset="-127"/>
@@ -24060,7 +24037,7 @@
                 <a:latin typeface="Noto Sans CJK KR Regular" panose="020B0500000000000000" pitchFamily="34" charset="-127"/>
                 <a:ea typeface="Noto Sans CJK KR Regular" panose="020B0500000000000000" pitchFamily="34" charset="-127"/>
               </a:rPr>
-              <a:t>단원</a:t>
+              <a:t>단원에서 확인</a:t>
             </a:r>
             <a:endParaRPr lang="en-US" altLang="ko-KR" b="0">
               <a:latin typeface="Noto Sans CJK KR Regular" panose="020B0500000000000000" pitchFamily="34" charset="-127"/>
@@ -24510,7 +24487,24 @@
                 <a:latin typeface="Noto Sans CJK KR Regular" panose="020B0500000000000000" pitchFamily="34" charset="-127"/>
                 <a:ea typeface="Noto Sans CJK KR Regular" panose="020B0500000000000000" pitchFamily="34" charset="-127"/>
               </a:rPr>
-              <a:t>함수에 종속된 속성을 이용하기 때문에 외부에 노출하지 않고 함수 자체적으로 구현 가능</a:t>
+              <a:t>함수에 종속된 속성을 이용하기 때문에 외부에 노출하지 않고 함수 </a:t>
+            </a:r>
+            <a:r>
+              <a:rPr lang="ko-KR" altLang="en-US" b="0" dirty="0">
+                <a:solidFill>
+                  <a:srgbClr val="FF9E1B"/>
+                </a:solidFill>
+                <a:latin typeface="Noto Sans CJK KR Regular" panose="020B0500000000000000" pitchFamily="34" charset="-127"/>
+                <a:ea typeface="Noto Sans CJK KR Regular" panose="020B0500000000000000" pitchFamily="34" charset="-127"/>
+              </a:rPr>
+              <a:t>자체적으로 구현</a:t>
+            </a:r>
+            <a:r>
+              <a:rPr lang="ko-KR" altLang="en-US" b="0" dirty="0">
+                <a:latin typeface="Noto Sans CJK KR Regular" panose="020B0500000000000000" pitchFamily="34" charset="-127"/>
+                <a:ea typeface="Noto Sans CJK KR Regular" panose="020B0500000000000000" pitchFamily="34" charset="-127"/>
+              </a:rPr>
+              <a:t> 가능</a:t>
             </a:r>
             <a:endParaRPr lang="en-US" altLang="ko-KR" b="0" dirty="0">
               <a:latin typeface="Noto Sans CJK KR Regular" panose="020B0500000000000000" pitchFamily="34" charset="-127"/>
@@ -24605,7 +24599,24 @@
                 <a:latin typeface="Noto Sans CJK KR Regular" panose="020B0500000000000000" pitchFamily="34" charset="-127"/>
                 <a:ea typeface="Noto Sans CJK KR Regular" panose="020B0500000000000000" pitchFamily="34" charset="-127"/>
               </a:rPr>
-              <a:t>사용자가 알 수 없게 내부적으로만 동작</a:t>
+              <a:t>사용자가 알 수 없게 </a:t>
+            </a:r>
+            <a:r>
+              <a:rPr lang="ko-KR" altLang="en-US" b="0" dirty="0">
+                <a:solidFill>
+                  <a:srgbClr val="FF9E1B"/>
+                </a:solidFill>
+                <a:latin typeface="Noto Sans CJK KR Regular" panose="020B0500000000000000" pitchFamily="34" charset="-127"/>
+                <a:ea typeface="Noto Sans CJK KR Regular" panose="020B0500000000000000" pitchFamily="34" charset="-127"/>
+              </a:rPr>
+              <a:t>내부적</a:t>
+            </a:r>
+            <a:r>
+              <a:rPr lang="ko-KR" altLang="en-US" b="0" dirty="0">
+                <a:latin typeface="Noto Sans CJK KR Regular" panose="020B0500000000000000" pitchFamily="34" charset="-127"/>
+                <a:ea typeface="Noto Sans CJK KR Regular" panose="020B0500000000000000" pitchFamily="34" charset="-127"/>
+              </a:rPr>
+              <a:t>으로만 동작</a:t>
             </a:r>
             <a:endParaRPr lang="en-US" altLang="ko-KR" b="0" dirty="0">
               <a:latin typeface="Noto Sans CJK KR Regular" panose="020B0500000000000000" pitchFamily="34" charset="-127"/>
@@ -24660,9 +24671,22 @@
                 <a:latin typeface="Noto Sans CJK KR Regular" panose="020B0500000000000000" pitchFamily="34" charset="-127"/>
                 <a:ea typeface="Noto Sans CJK KR Regular" panose="020B0500000000000000" pitchFamily="34" charset="-127"/>
               </a:rPr>
-              <a:t>캐시에 필요한 메모리 사용량 증가</a:t>
+              <a:t>캐시에 필요한 </a:t>
+            </a:r>
+            <a:r>
+              <a:rPr lang="ko-KR" altLang="en-US" b="0" dirty="0">
+                <a:solidFill>
+                  <a:srgbClr val="FF9E1B"/>
+                </a:solidFill>
+                <a:latin typeface="Noto Sans CJK KR Regular" panose="020B0500000000000000" pitchFamily="34" charset="-127"/>
+                <a:ea typeface="Noto Sans CJK KR Regular" panose="020B0500000000000000" pitchFamily="34" charset="-127"/>
+              </a:rPr>
+              <a:t>메모리 사용량 증가</a:t>
             </a:r>
             <a:endParaRPr lang="en-US" altLang="ko-KR" b="0" dirty="0">
+              <a:solidFill>
+                <a:srgbClr val="FF9E1B"/>
+              </a:solidFill>
               <a:latin typeface="Noto Sans CJK KR Regular" panose="020B0500000000000000" pitchFamily="34" charset="-127"/>
               <a:ea typeface="Noto Sans CJK KR Regular" panose="020B0500000000000000" pitchFamily="34" charset="-127"/>
             </a:endParaRPr>
@@ -24712,9 +24736,22 @@
                 <a:latin typeface="Noto Sans CJK KR Regular" panose="020B0500000000000000" pitchFamily="34" charset="-127"/>
                 <a:ea typeface="Noto Sans CJK KR Regular" panose="020B0500000000000000" pitchFamily="34" charset="-127"/>
               </a:rPr>
-              <a:t> 기능의 혼재</a:t>
+              <a:t> </a:t>
+            </a:r>
+            <a:r>
+              <a:rPr lang="ko-KR" altLang="en-US" b="0" dirty="0">
+                <a:solidFill>
+                  <a:srgbClr val="FF9E1B"/>
+                </a:solidFill>
+                <a:latin typeface="Noto Sans CJK KR Regular" panose="020B0500000000000000" pitchFamily="34" charset="-127"/>
+                <a:ea typeface="Noto Sans CJK KR Regular" panose="020B0500000000000000" pitchFamily="34" charset="-127"/>
+              </a:rPr>
+              <a:t>기능의 혼재</a:t>
             </a:r>
             <a:endParaRPr lang="en-US" altLang="ko-KR" b="0" dirty="0">
+              <a:solidFill>
+                <a:srgbClr val="FF9E1B"/>
+              </a:solidFill>
               <a:latin typeface="Noto Sans CJK KR Regular" panose="020B0500000000000000" pitchFamily="34" charset="-127"/>
               <a:ea typeface="Noto Sans CJK KR Regular" panose="020B0500000000000000" pitchFamily="34" charset="-127"/>
             </a:endParaRPr>
@@ -24732,13 +24769,68 @@
               <a:t> </a:t>
             </a:r>
             <a:r>
+              <a:rPr lang="ko-KR" altLang="en-US" b="0">
+                <a:latin typeface="Noto Sans CJK KR Regular" panose="020B0500000000000000" pitchFamily="34" charset="-127"/>
+                <a:ea typeface="Noto Sans CJK KR Regular" panose="020B0500000000000000" pitchFamily="34" charset="-127"/>
+              </a:rPr>
+              <a:t>부하 테스트</a:t>
+            </a:r>
+            <a:r>
+              <a:rPr lang="en-US" altLang="ko-KR" b="0">
+                <a:latin typeface="Noto Sans CJK KR Regular" panose="020B0500000000000000" pitchFamily="34" charset="-127"/>
+                <a:ea typeface="Noto Sans CJK KR Regular" panose="020B0500000000000000" pitchFamily="34" charset="-127"/>
+              </a:rPr>
+              <a:t>(</a:t>
+            </a:r>
+            <a:r>
+              <a:rPr lang="en-US" altLang="ko-KR">
+                <a:latin typeface="Noto Sans CJK KR Regular" panose="020B0500000000000000" pitchFamily="34" charset="-127"/>
+                <a:ea typeface="Noto Sans CJK KR Regular" panose="020B0500000000000000" pitchFamily="34" charset="-127"/>
+              </a:rPr>
+              <a:t>Load</a:t>
+            </a:r>
+            <a:r>
+              <a:rPr lang="ko-KR" altLang="en-US">
+                <a:latin typeface="Noto Sans CJK KR Regular" panose="020B0500000000000000" pitchFamily="34" charset="-127"/>
+                <a:ea typeface="Noto Sans CJK KR Regular" panose="020B0500000000000000" pitchFamily="34" charset="-127"/>
+              </a:rPr>
+              <a:t> </a:t>
+            </a:r>
+            <a:r>
+              <a:rPr lang="en-US" altLang="ko-KR">
+                <a:latin typeface="Noto Sans CJK KR Regular" panose="020B0500000000000000" pitchFamily="34" charset="-127"/>
+                <a:ea typeface="Noto Sans CJK KR Regular" panose="020B0500000000000000" pitchFamily="34" charset="-127"/>
+              </a:rPr>
+              <a:t>test)</a:t>
+            </a:r>
+            <a:r>
+              <a:rPr lang="ko-KR" altLang="en-US" b="0">
+                <a:latin typeface="Noto Sans CJK KR Regular" panose="020B0500000000000000" pitchFamily="34" charset="-127"/>
+                <a:ea typeface="Noto Sans CJK KR Regular" panose="020B0500000000000000" pitchFamily="34" charset="-127"/>
+              </a:rPr>
+              <a:t>나 </a:t>
+            </a:r>
+            <a:r>
               <a:rPr lang="ko-KR" altLang="en-US" b="0" dirty="0">
                 <a:latin typeface="Noto Sans CJK KR Regular" panose="020B0500000000000000" pitchFamily="34" charset="-127"/>
                 <a:ea typeface="Noto Sans CJK KR Regular" panose="020B0500000000000000" pitchFamily="34" charset="-127"/>
               </a:rPr>
-              <a:t>부하 테스트나 알고리즘의 성능 테스트가 어려워짐</a:t>
+              <a:t>알고리즘의 성능 </a:t>
+            </a:r>
+            <a:r>
+              <a:rPr lang="ko-KR" altLang="en-US" b="0" dirty="0">
+                <a:solidFill>
+                  <a:srgbClr val="FF9E1B"/>
+                </a:solidFill>
+                <a:latin typeface="Noto Sans CJK KR Regular" panose="020B0500000000000000" pitchFamily="34" charset="-127"/>
+                <a:ea typeface="Noto Sans CJK KR Regular" panose="020B0500000000000000" pitchFamily="34" charset="-127"/>
+              </a:rPr>
+              <a:t>테스트가 어려워짐</a:t>
             </a:r>
             <a:endParaRPr lang="en-US" altLang="ko-KR" b="0" dirty="0">
+              <a:solidFill>
+                <a:srgbClr val="FF9E1B"/>
+              </a:solidFill>
               <a:latin typeface="Noto Sans CJK KR Regular" panose="020B0500000000000000" pitchFamily="34" charset="-127"/>
               <a:ea typeface="Noto Sans CJK KR Regular" panose="020B0500000000000000" pitchFamily="34" charset="-127"/>
             </a:endParaRPr>

--- a/PPT/02.자바스크립트 - 함수.pptx
+++ b/PPT/02.자바스크립트 - 함수.pptx
@@ -3348,7 +3348,7 @@
             <a:fld id="{C5EB0431-1611-1744-95F0-8172773087C5}" type="datetimeFigureOut">
               <a:rPr lang="en-US" altLang="ko-Kore-KR" smtClean="0"/>
               <a:pPr/>
-              <a:t>4/21/2025</a:t>
+              <a:t>4/22/2025</a:t>
             </a:fld>
             <a:endParaRPr lang="ko-Kore-KR"/>
           </a:p>
@@ -3764,7 +3764,7 @@
           <a:p>
             <a:fld id="{5FD0AF26-B2D6-41C9-847A-12B3D1677265}" type="datetime1">
               <a:rPr kumimoji="1" lang="ko-KR" altLang="en-US" smtClean="0"/>
-              <a:t>2025-04-21</a:t>
+              <a:t>2025-04-22</a:t>
             </a:fld>
             <a:endParaRPr kumimoji="1" lang="ko-KR" altLang="en-US"/>
           </a:p>
@@ -3962,7 +3962,7 @@
           <a:p>
             <a:fld id="{11A845FB-4EAB-4F93-BE87-891FAC391B0C}" type="datetime1">
               <a:rPr kumimoji="1" lang="ko-KR" altLang="en-US" smtClean="0"/>
-              <a:t>2025-04-21</a:t>
+              <a:t>2025-04-22</a:t>
             </a:fld>
             <a:endParaRPr kumimoji="1" lang="ko-KR" altLang="en-US"/>
           </a:p>
@@ -4170,7 +4170,7 @@
           <a:p>
             <a:fld id="{6597FBCF-59BC-423C-A27E-A4E0342EEDF5}" type="datetime1">
               <a:rPr kumimoji="1" lang="ko-KR" altLang="en-US" smtClean="0"/>
-              <a:t>2025-04-21</a:t>
+              <a:t>2025-04-22</a:t>
             </a:fld>
             <a:endParaRPr kumimoji="1" lang="ko-KR" altLang="en-US"/>
           </a:p>
@@ -4368,7 +4368,7 @@
           <a:p>
             <a:fld id="{59DE6E8A-4C0D-4CC6-BBD6-2F945A6B3540}" type="datetime1">
               <a:rPr kumimoji="1" lang="ko-KR" altLang="en-US" smtClean="0"/>
-              <a:t>2025-04-21</a:t>
+              <a:t>2025-04-22</a:t>
             </a:fld>
             <a:endParaRPr kumimoji="1" lang="ko-KR" altLang="en-US"/>
           </a:p>
@@ -4643,7 +4643,7 @@
           <a:p>
             <a:fld id="{BEBFBD75-CCBA-4C22-86CA-859D220600AA}" type="datetime1">
               <a:rPr kumimoji="1" lang="ko-KR" altLang="en-US" smtClean="0"/>
-              <a:t>2025-04-21</a:t>
+              <a:t>2025-04-22</a:t>
             </a:fld>
             <a:endParaRPr kumimoji="1" lang="ko-KR" altLang="en-US"/>
           </a:p>
@@ -4908,7 +4908,7 @@
           <a:p>
             <a:fld id="{DB031150-5CB0-41C0-9104-5695DD253F49}" type="datetime1">
               <a:rPr kumimoji="1" lang="ko-KR" altLang="en-US" smtClean="0"/>
-              <a:t>2025-04-21</a:t>
+              <a:t>2025-04-22</a:t>
             </a:fld>
             <a:endParaRPr kumimoji="1" lang="ko-KR" altLang="en-US"/>
           </a:p>
@@ -5320,7 +5320,7 @@
           <a:p>
             <a:fld id="{0B78CFAD-1435-498E-ACFE-38131B135631}" type="datetime1">
               <a:rPr kumimoji="1" lang="ko-KR" altLang="en-US" smtClean="0"/>
-              <a:t>2025-04-21</a:t>
+              <a:t>2025-04-22</a:t>
             </a:fld>
             <a:endParaRPr kumimoji="1" lang="ko-KR" altLang="en-US"/>
           </a:p>
@@ -5461,7 +5461,7 @@
           <a:p>
             <a:fld id="{BF2AA6DB-F13D-4C47-BC2B-E1D25CB476ED}" type="datetime1">
               <a:rPr kumimoji="1" lang="ko-KR" altLang="en-US" smtClean="0"/>
-              <a:t>2025-04-21</a:t>
+              <a:t>2025-04-22</a:t>
             </a:fld>
             <a:endParaRPr kumimoji="1" lang="ko-KR" altLang="en-US"/>
           </a:p>
@@ -5574,7 +5574,7 @@
           <a:p>
             <a:fld id="{14FBB438-2880-4761-94BA-7F7996C8C3BD}" type="datetime1">
               <a:rPr kumimoji="1" lang="ko-KR" altLang="en-US" smtClean="0"/>
-              <a:t>2025-04-21</a:t>
+              <a:t>2025-04-22</a:t>
             </a:fld>
             <a:endParaRPr kumimoji="1" lang="ko-KR" altLang="en-US"/>
           </a:p>
@@ -5885,7 +5885,7 @@
           <a:p>
             <a:fld id="{C4D9C33D-E09A-4F6E-A7FA-CF959C3E6DEE}" type="datetime1">
               <a:rPr kumimoji="1" lang="ko-KR" altLang="en-US" smtClean="0"/>
-              <a:t>2025-04-21</a:t>
+              <a:t>2025-04-22</a:t>
             </a:fld>
             <a:endParaRPr kumimoji="1" lang="ko-KR" altLang="en-US"/>
           </a:p>
@@ -6173,7 +6173,7 @@
           <a:p>
             <a:fld id="{DB10E3DE-CCA8-4CB9-BDA2-4741B0CD6641}" type="datetime1">
               <a:rPr kumimoji="1" lang="ko-KR" altLang="en-US" smtClean="0"/>
-              <a:t>2025-04-21</a:t>
+              <a:t>2025-04-22</a:t>
             </a:fld>
             <a:endParaRPr kumimoji="1" lang="ko-KR" altLang="en-US"/>
           </a:p>
@@ -6416,7 +6416,7 @@
           <a:p>
             <a:fld id="{827CA893-2A65-4E72-A022-7CB16F3818A4}" type="datetime1">
               <a:rPr kumimoji="1" lang="ko-KR" altLang="en-US" smtClean="0"/>
-              <a:t>2025-04-21</a:t>
+              <a:t>2025-04-22</a:t>
             </a:fld>
             <a:endParaRPr kumimoji="1" lang="ko-KR" altLang="en-US"/>
           </a:p>

--- a/PPT/02.자바스크립트 - 함수.pptx
+++ b/PPT/02.자바스크립트 - 함수.pptx
@@ -14381,27 +14381,27 @@
                 <a:latin typeface="Noto Sans CJK KR Regular" panose="020B0500000000000000" pitchFamily="34" charset="-127"/>
                 <a:ea typeface="Noto Sans CJK KR Regular" panose="020B0500000000000000" pitchFamily="34" charset="-127"/>
               </a:rPr>
-              <a:t>apply(), call() </a:t>
-            </a:r>
-            <a:r>
-              <a:rPr lang="ko-KR" altLang="en-US" dirty="0" err="1">
+              <a:t>apply(), call</a:t>
+            </a:r>
+            <a:r>
+              <a:rPr lang="en-US" altLang="ko-KR">
                 <a:solidFill>
                   <a:srgbClr val="FF9E1B"/>
                 </a:solidFill>
                 <a:latin typeface="Noto Sans CJK KR Regular" panose="020B0500000000000000" pitchFamily="34" charset="-127"/>
                 <a:ea typeface="Noto Sans CJK KR Regular" panose="020B0500000000000000" pitchFamily="34" charset="-127"/>
               </a:rPr>
-              <a:t>메소드의</a:t>
-            </a:r>
-            <a:r>
-              <a:rPr lang="ko-KR" altLang="en-US" dirty="0">
+              <a:t>() </a:t>
+            </a:r>
+            <a:r>
+              <a:rPr lang="ko-KR" altLang="en-US">
                 <a:solidFill>
                   <a:srgbClr val="FF9E1B"/>
                 </a:solidFill>
                 <a:latin typeface="Noto Sans CJK KR Regular" panose="020B0500000000000000" pitchFamily="34" charset="-127"/>
                 <a:ea typeface="Noto Sans CJK KR Regular" panose="020B0500000000000000" pitchFamily="34" charset="-127"/>
               </a:rPr>
-              <a:t> </a:t>
+              <a:t>메서드의 </a:t>
             </a:r>
             <a:r>
               <a:rPr lang="ko-KR" altLang="en-US" dirty="0" err="1">

--- a/PPT/02.자바스크립트 - 함수.pptx
+++ b/PPT/02.자바스크립트 - 함수.pptx
@@ -3348,7 +3348,7 @@
             <a:fld id="{C5EB0431-1611-1744-95F0-8172773087C5}" type="datetimeFigureOut">
               <a:rPr lang="en-US" altLang="ko-Kore-KR" smtClean="0"/>
               <a:pPr/>
-              <a:t>4/22/2025</a:t>
+              <a:t>4/23/2025</a:t>
             </a:fld>
             <a:endParaRPr lang="ko-Kore-KR"/>
           </a:p>
@@ -3764,7 +3764,7 @@
           <a:p>
             <a:fld id="{5FD0AF26-B2D6-41C9-847A-12B3D1677265}" type="datetime1">
               <a:rPr kumimoji="1" lang="ko-KR" altLang="en-US" smtClean="0"/>
-              <a:t>2025-04-22</a:t>
+              <a:t>2025-04-23</a:t>
             </a:fld>
             <a:endParaRPr kumimoji="1" lang="ko-KR" altLang="en-US"/>
           </a:p>
@@ -3962,7 +3962,7 @@
           <a:p>
             <a:fld id="{11A845FB-4EAB-4F93-BE87-891FAC391B0C}" type="datetime1">
               <a:rPr kumimoji="1" lang="ko-KR" altLang="en-US" smtClean="0"/>
-              <a:t>2025-04-22</a:t>
+              <a:t>2025-04-23</a:t>
             </a:fld>
             <a:endParaRPr kumimoji="1" lang="ko-KR" altLang="en-US"/>
           </a:p>
@@ -4170,7 +4170,7 @@
           <a:p>
             <a:fld id="{6597FBCF-59BC-423C-A27E-A4E0342EEDF5}" type="datetime1">
               <a:rPr kumimoji="1" lang="ko-KR" altLang="en-US" smtClean="0"/>
-              <a:t>2025-04-22</a:t>
+              <a:t>2025-04-23</a:t>
             </a:fld>
             <a:endParaRPr kumimoji="1" lang="ko-KR" altLang="en-US"/>
           </a:p>
@@ -4368,7 +4368,7 @@
           <a:p>
             <a:fld id="{59DE6E8A-4C0D-4CC6-BBD6-2F945A6B3540}" type="datetime1">
               <a:rPr kumimoji="1" lang="ko-KR" altLang="en-US" smtClean="0"/>
-              <a:t>2025-04-22</a:t>
+              <a:t>2025-04-23</a:t>
             </a:fld>
             <a:endParaRPr kumimoji="1" lang="ko-KR" altLang="en-US"/>
           </a:p>
@@ -4643,7 +4643,7 @@
           <a:p>
             <a:fld id="{BEBFBD75-CCBA-4C22-86CA-859D220600AA}" type="datetime1">
               <a:rPr kumimoji="1" lang="ko-KR" altLang="en-US" smtClean="0"/>
-              <a:t>2025-04-22</a:t>
+              <a:t>2025-04-23</a:t>
             </a:fld>
             <a:endParaRPr kumimoji="1" lang="ko-KR" altLang="en-US"/>
           </a:p>
@@ -4908,7 +4908,7 @@
           <a:p>
             <a:fld id="{DB031150-5CB0-41C0-9104-5695DD253F49}" type="datetime1">
               <a:rPr kumimoji="1" lang="ko-KR" altLang="en-US" smtClean="0"/>
-              <a:t>2025-04-22</a:t>
+              <a:t>2025-04-23</a:t>
             </a:fld>
             <a:endParaRPr kumimoji="1" lang="ko-KR" altLang="en-US"/>
           </a:p>
@@ -5320,7 +5320,7 @@
           <a:p>
             <a:fld id="{0B78CFAD-1435-498E-ACFE-38131B135631}" type="datetime1">
               <a:rPr kumimoji="1" lang="ko-KR" altLang="en-US" smtClean="0"/>
-              <a:t>2025-04-22</a:t>
+              <a:t>2025-04-23</a:t>
             </a:fld>
             <a:endParaRPr kumimoji="1" lang="ko-KR" altLang="en-US"/>
           </a:p>
@@ -5461,7 +5461,7 @@
           <a:p>
             <a:fld id="{BF2AA6DB-F13D-4C47-BC2B-E1D25CB476ED}" type="datetime1">
               <a:rPr kumimoji="1" lang="ko-KR" altLang="en-US" smtClean="0"/>
-              <a:t>2025-04-22</a:t>
+              <a:t>2025-04-23</a:t>
             </a:fld>
             <a:endParaRPr kumimoji="1" lang="ko-KR" altLang="en-US"/>
           </a:p>
@@ -5574,7 +5574,7 @@
           <a:p>
             <a:fld id="{14FBB438-2880-4761-94BA-7F7996C8C3BD}" type="datetime1">
               <a:rPr kumimoji="1" lang="ko-KR" altLang="en-US" smtClean="0"/>
-              <a:t>2025-04-22</a:t>
+              <a:t>2025-04-23</a:t>
             </a:fld>
             <a:endParaRPr kumimoji="1" lang="ko-KR" altLang="en-US"/>
           </a:p>
@@ -5885,7 +5885,7 @@
           <a:p>
             <a:fld id="{C4D9C33D-E09A-4F6E-A7FA-CF959C3E6DEE}" type="datetime1">
               <a:rPr kumimoji="1" lang="ko-KR" altLang="en-US" smtClean="0"/>
-              <a:t>2025-04-22</a:t>
+              <a:t>2025-04-23</a:t>
             </a:fld>
             <a:endParaRPr kumimoji="1" lang="ko-KR" altLang="en-US"/>
           </a:p>
@@ -6173,7 +6173,7 @@
           <a:p>
             <a:fld id="{DB10E3DE-CCA8-4CB9-BDA2-4741B0CD6641}" type="datetime1">
               <a:rPr kumimoji="1" lang="ko-KR" altLang="en-US" smtClean="0"/>
-              <a:t>2025-04-22</a:t>
+              <a:t>2025-04-23</a:t>
             </a:fld>
             <a:endParaRPr kumimoji="1" lang="ko-KR" altLang="en-US"/>
           </a:p>
@@ -6416,7 +6416,7 @@
           <a:p>
             <a:fld id="{827CA893-2A65-4E72-A022-7CB16F3818A4}" type="datetime1">
               <a:rPr kumimoji="1" lang="ko-KR" altLang="en-US" smtClean="0"/>
-              <a:t>2025-04-22</a:t>
+              <a:t>2025-04-23</a:t>
             </a:fld>
             <a:endParaRPr kumimoji="1" lang="ko-KR" altLang="en-US"/>
           </a:p>
@@ -23435,7 +23435,7 @@
                 <a:effectLst/>
                 <a:latin typeface="Consolas" panose="020B0609020204030204" pitchFamily="49" charset="0"/>
               </a:rPr>
-              <a:t>// 30</a:t>
+              <a:t>// 70</a:t>
             </a:r>
             <a:endParaRPr lang="en-US" altLang="ko-KR" b="0">
               <a:solidFill>

--- a/PPT/02.자바스크립트 - 함수.pptx
+++ b/PPT/02.자바스크립트 - 함수.pptx
@@ -3348,7 +3348,7 @@
             <a:fld id="{C5EB0431-1611-1744-95F0-8172773087C5}" type="datetimeFigureOut">
               <a:rPr lang="en-US" altLang="ko-Kore-KR" smtClean="0"/>
               <a:pPr/>
-              <a:t>4/23/2025</a:t>
+              <a:t>5/26/2025</a:t>
             </a:fld>
             <a:endParaRPr lang="ko-Kore-KR"/>
           </a:p>
@@ -3764,7 +3764,7 @@
           <a:p>
             <a:fld id="{5FD0AF26-B2D6-41C9-847A-12B3D1677265}" type="datetime1">
               <a:rPr kumimoji="1" lang="ko-KR" altLang="en-US" smtClean="0"/>
-              <a:t>2025-04-23</a:t>
+              <a:t>2025-05-26</a:t>
             </a:fld>
             <a:endParaRPr kumimoji="1" lang="ko-KR" altLang="en-US"/>
           </a:p>
@@ -3962,7 +3962,7 @@
           <a:p>
             <a:fld id="{11A845FB-4EAB-4F93-BE87-891FAC391B0C}" type="datetime1">
               <a:rPr kumimoji="1" lang="ko-KR" altLang="en-US" smtClean="0"/>
-              <a:t>2025-04-23</a:t>
+              <a:t>2025-05-26</a:t>
             </a:fld>
             <a:endParaRPr kumimoji="1" lang="ko-KR" altLang="en-US"/>
           </a:p>
@@ -4170,7 +4170,7 @@
           <a:p>
             <a:fld id="{6597FBCF-59BC-423C-A27E-A4E0342EEDF5}" type="datetime1">
               <a:rPr kumimoji="1" lang="ko-KR" altLang="en-US" smtClean="0"/>
-              <a:t>2025-04-23</a:t>
+              <a:t>2025-05-26</a:t>
             </a:fld>
             <a:endParaRPr kumimoji="1" lang="ko-KR" altLang="en-US"/>
           </a:p>
@@ -4368,7 +4368,7 @@
           <a:p>
             <a:fld id="{59DE6E8A-4C0D-4CC6-BBD6-2F945A6B3540}" type="datetime1">
               <a:rPr kumimoji="1" lang="ko-KR" altLang="en-US" smtClean="0"/>
-              <a:t>2025-04-23</a:t>
+              <a:t>2025-05-26</a:t>
             </a:fld>
             <a:endParaRPr kumimoji="1" lang="ko-KR" altLang="en-US"/>
           </a:p>
@@ -4643,7 +4643,7 @@
           <a:p>
             <a:fld id="{BEBFBD75-CCBA-4C22-86CA-859D220600AA}" type="datetime1">
               <a:rPr kumimoji="1" lang="ko-KR" altLang="en-US" smtClean="0"/>
-              <a:t>2025-04-23</a:t>
+              <a:t>2025-05-26</a:t>
             </a:fld>
             <a:endParaRPr kumimoji="1" lang="ko-KR" altLang="en-US"/>
           </a:p>
@@ -4908,7 +4908,7 @@
           <a:p>
             <a:fld id="{DB031150-5CB0-41C0-9104-5695DD253F49}" type="datetime1">
               <a:rPr kumimoji="1" lang="ko-KR" altLang="en-US" smtClean="0"/>
-              <a:t>2025-04-23</a:t>
+              <a:t>2025-05-26</a:t>
             </a:fld>
             <a:endParaRPr kumimoji="1" lang="ko-KR" altLang="en-US"/>
           </a:p>
@@ -5320,7 +5320,7 @@
           <a:p>
             <a:fld id="{0B78CFAD-1435-498E-ACFE-38131B135631}" type="datetime1">
               <a:rPr kumimoji="1" lang="ko-KR" altLang="en-US" smtClean="0"/>
-              <a:t>2025-04-23</a:t>
+              <a:t>2025-05-26</a:t>
             </a:fld>
             <a:endParaRPr kumimoji="1" lang="ko-KR" altLang="en-US"/>
           </a:p>
@@ -5461,7 +5461,7 @@
           <a:p>
             <a:fld id="{BF2AA6DB-F13D-4C47-BC2B-E1D25CB476ED}" type="datetime1">
               <a:rPr kumimoji="1" lang="ko-KR" altLang="en-US" smtClean="0"/>
-              <a:t>2025-04-23</a:t>
+              <a:t>2025-05-26</a:t>
             </a:fld>
             <a:endParaRPr kumimoji="1" lang="ko-KR" altLang="en-US"/>
           </a:p>
@@ -5574,7 +5574,7 @@
           <a:p>
             <a:fld id="{14FBB438-2880-4761-94BA-7F7996C8C3BD}" type="datetime1">
               <a:rPr kumimoji="1" lang="ko-KR" altLang="en-US" smtClean="0"/>
-              <a:t>2025-04-23</a:t>
+              <a:t>2025-05-26</a:t>
             </a:fld>
             <a:endParaRPr kumimoji="1" lang="ko-KR" altLang="en-US"/>
           </a:p>
@@ -5885,7 +5885,7 @@
           <a:p>
             <a:fld id="{C4D9C33D-E09A-4F6E-A7FA-CF959C3E6DEE}" type="datetime1">
               <a:rPr kumimoji="1" lang="ko-KR" altLang="en-US" smtClean="0"/>
-              <a:t>2025-04-23</a:t>
+              <a:t>2025-05-26</a:t>
             </a:fld>
             <a:endParaRPr kumimoji="1" lang="ko-KR" altLang="en-US"/>
           </a:p>
@@ -6173,7 +6173,7 @@
           <a:p>
             <a:fld id="{DB10E3DE-CCA8-4CB9-BDA2-4741B0CD6641}" type="datetime1">
               <a:rPr kumimoji="1" lang="ko-KR" altLang="en-US" smtClean="0"/>
-              <a:t>2025-04-23</a:t>
+              <a:t>2025-05-26</a:t>
             </a:fld>
             <a:endParaRPr kumimoji="1" lang="ko-KR" altLang="en-US"/>
           </a:p>
@@ -6416,7 +6416,7 @@
           <a:p>
             <a:fld id="{827CA893-2A65-4E72-A022-7CB16F3818A4}" type="datetime1">
               <a:rPr kumimoji="1" lang="ko-KR" altLang="en-US" smtClean="0"/>
-              <a:t>2025-04-23</a:t>
+              <a:t>2025-05-26</a:t>
             </a:fld>
             <a:endParaRPr kumimoji="1" lang="ko-KR" altLang="en-US"/>
           </a:p>
@@ -29574,7 +29574,7 @@
                 <a:latin typeface="Consolas" panose="020B0609020204030204" pitchFamily="49" charset="0"/>
                 <a:ea typeface="Noto Sans CJK KR Regular" panose="020B0500000000000000" pitchFamily="34" charset="-127"/>
               </a:rPr>
-              <a:t>화살표 함수 축약</a:t>
+              <a:t>화살표 함수 본문의 중괄호 생략</a:t>
             </a:r>
             <a:endParaRPr lang="en-US" altLang="ko-KR" b="0">
               <a:solidFill>
@@ -29744,8 +29744,8 @@
         </p:nvSpPr>
         <p:spPr>
           <a:xfrm>
-            <a:off x="6096000" y="2864936"/>
-            <a:ext cx="4223805" cy="3416320"/>
+            <a:off x="5303922" y="2864936"/>
+            <a:ext cx="6096000" cy="3416320"/>
           </a:xfrm>
           <a:prstGeom prst="rect">
             <a:avLst/>
@@ -30054,7 +30054,7 @@
                 <a:latin typeface="Consolas" panose="020B0609020204030204" pitchFamily="49" charset="0"/>
                 <a:ea typeface="Noto Sans CJK KR Regular" panose="020B0500000000000000" pitchFamily="34" charset="-127"/>
               </a:rPr>
-              <a:t>화살표 함수 축약</a:t>
+              <a:t>화살표 함수 매개변수의 괄호와 본문의 중괄호 생략</a:t>
             </a:r>
             <a:endParaRPr lang="en-US" altLang="ko-KR" b="0">
               <a:solidFill>
